--- a/PBIID/PowerBI Int Dev slides Q1-2019-shared.pptx
+++ b/PBIID/PowerBI Int Dev slides Q1-2019-shared.pptx
@@ -5,7 +5,7 @@
     <p:sldMasterId id="2147483648" r:id="rId1"/>
   </p:sldMasterIdLst>
   <p:notesMasterIdLst>
-    <p:notesMasterId r:id="rId23"/>
+    <p:notesMasterId r:id="rId35"/>
   </p:notesMasterIdLst>
   <p:sldIdLst>
     <p:sldId id="270" r:id="rId2"/>
@@ -28,7 +28,19 @@
     <p:sldId id="286" r:id="rId19"/>
     <p:sldId id="285" r:id="rId20"/>
     <p:sldId id="289" r:id="rId21"/>
-    <p:sldId id="284" r:id="rId22"/>
+    <p:sldId id="295" r:id="rId22"/>
+    <p:sldId id="284" r:id="rId23"/>
+    <p:sldId id="277" r:id="rId24"/>
+    <p:sldId id="291" r:id="rId25"/>
+    <p:sldId id="279" r:id="rId26"/>
+    <p:sldId id="288" r:id="rId27"/>
+    <p:sldId id="287" r:id="rId28"/>
+    <p:sldId id="278" r:id="rId29"/>
+    <p:sldId id="298" r:id="rId30"/>
+    <p:sldId id="292" r:id="rId31"/>
+    <p:sldId id="297" r:id="rId32"/>
+    <p:sldId id="296" r:id="rId33"/>
+    <p:sldId id="294" r:id="rId34"/>
   </p:sldIdLst>
   <p:sldSz cx="12192000" cy="6858000"/>
   <p:notesSz cx="6858000" cy="9144000"/>
@@ -217,7 +229,7 @@
           <a:p>
             <a:fld id="{B843760A-9520-4BC0-B10F-C5CF685FC6EF}" type="datetimeFigureOut">
               <a:rPr lang="en-GB" smtClean="0"/>
-              <a:t>30/01/2019</a:t>
+              <a:t>08/02/2019</a:t>
             </a:fld>
             <a:endParaRPr lang="en-GB"/>
           </a:p>
@@ -697,18 +709,7 @@
           <a:bodyPr/>
           <a:lstStyle/>
           <a:p>
-            <a:r>
-              <a:rPr lang="en-GB" dirty="0"/>
-              <a:t>C:\Users\david\Documents\CurAct2017\2017_Study\PowerBI\Presentations\18_04 Dublin\</a:t>
-            </a:r>
-            <a:r>
-              <a:rPr lang="en-GB" dirty="0" err="1"/>
-              <a:t>Dublin_FinalPresentations</a:t>
-            </a:r>
-            <a:r>
-              <a:rPr lang="en-GB" dirty="0"/>
-              <a:t>\Streaming</a:t>
-            </a:r>
+            <a:endParaRPr lang="en-GB" dirty="0"/>
           </a:p>
         </p:txBody>
       </p:sp>
@@ -792,18 +793,7 @@
           <a:bodyPr/>
           <a:lstStyle/>
           <a:p>
-            <a:r>
-              <a:rPr lang="en-GB" dirty="0"/>
-              <a:t>C:\Users\david\Documents\CurAct2017\2017_Study\PowerBI\Presentations\18_04 Dublin\</a:t>
-            </a:r>
-            <a:r>
-              <a:rPr lang="en-GB" dirty="0" err="1"/>
-              <a:t>Dublin_FinalPresentations</a:t>
-            </a:r>
-            <a:r>
-              <a:rPr lang="en-GB" dirty="0"/>
-              <a:t>\Streaming</a:t>
-            </a:r>
+            <a:endParaRPr lang="en-GB" dirty="0"/>
           </a:p>
         </p:txBody>
       </p:sp>
@@ -887,18 +877,7 @@
           <a:bodyPr/>
           <a:lstStyle/>
           <a:p>
-            <a:r>
-              <a:rPr lang="en-GB" dirty="0"/>
-              <a:t>C:\Users\david\Documents\CurAct2017\2017_Study\PowerBI\Presentations\18_04 Dublin\</a:t>
-            </a:r>
-            <a:r>
-              <a:rPr lang="en-GB" dirty="0" err="1"/>
-              <a:t>Dublin_FinalPresentations</a:t>
-            </a:r>
-            <a:r>
-              <a:rPr lang="en-GB" dirty="0"/>
-              <a:t>\Streaming</a:t>
-            </a:r>
+            <a:endParaRPr lang="en-GB" dirty="0"/>
           </a:p>
         </p:txBody>
       </p:sp>
@@ -982,18 +961,7 @@
           <a:bodyPr/>
           <a:lstStyle/>
           <a:p>
-            <a:r>
-              <a:rPr lang="en-GB" dirty="0"/>
-              <a:t>C:\Users\david\Documents\CurAct2017\2017_Study\PowerBI\Presentations\18_04 Dublin\</a:t>
-            </a:r>
-            <a:r>
-              <a:rPr lang="en-GB" dirty="0" err="1"/>
-              <a:t>Dublin_FinalPresentations</a:t>
-            </a:r>
-            <a:r>
-              <a:rPr lang="en-GB" dirty="0"/>
-              <a:t>\Streaming</a:t>
-            </a:r>
+            <a:endParaRPr lang="en-GB" dirty="0"/>
           </a:p>
         </p:txBody>
       </p:sp>
@@ -1077,18 +1045,7 @@
           <a:bodyPr/>
           <a:lstStyle/>
           <a:p>
-            <a:r>
-              <a:rPr lang="en-GB" dirty="0"/>
-              <a:t>C:\Users\david\Documents\CurAct2017\2017_Study\PowerBI\Presentations\18_04 Dublin\</a:t>
-            </a:r>
-            <a:r>
-              <a:rPr lang="en-GB" dirty="0" err="1"/>
-              <a:t>Dublin_FinalPresentations</a:t>
-            </a:r>
-            <a:r>
-              <a:rPr lang="en-GB" dirty="0"/>
-              <a:t>\Streaming</a:t>
-            </a:r>
+            <a:endParaRPr lang="en-GB" dirty="0"/>
           </a:p>
         </p:txBody>
       </p:sp>
@@ -1118,7 +1075,357 @@
     </p:spTree>
     <p:extLst>
       <p:ext uri="{BB962C8B-B14F-4D97-AF65-F5344CB8AC3E}">
+        <p14:creationId xmlns:p14="http://schemas.microsoft.com/office/powerpoint/2010/main" val="170737127"/>
+      </p:ext>
+    </p:extLst>
+  </p:cSld>
+  <p:clrMapOvr>
+    <a:masterClrMapping/>
+  </p:clrMapOvr>
+</p:notes>
+</file>
+
+<file path=ppt/notesSlides/notesSlide16.xml><?xml version="1.0" encoding="utf-8"?>
+<p:notes xmlns:a="http://schemas.openxmlformats.org/drawingml/2006/main" xmlns:r="http://schemas.openxmlformats.org/officeDocument/2006/relationships" xmlns:p="http://schemas.openxmlformats.org/presentationml/2006/main">
+  <p:cSld>
+    <p:spTree>
+      <p:nvGrpSpPr>
+        <p:cNvPr id="1" name=""/>
+        <p:cNvGrpSpPr/>
+        <p:nvPr/>
+      </p:nvGrpSpPr>
+      <p:grpSpPr>
+        <a:xfrm>
+          <a:off x="0" y="0"/>
+          <a:ext cx="0" cy="0"/>
+          <a:chOff x="0" y="0"/>
+          <a:chExt cx="0" cy="0"/>
+        </a:xfrm>
+      </p:grpSpPr>
+      <p:sp>
+        <p:nvSpPr>
+          <p:cNvPr id="2" name="Slide Image Placeholder 1"/>
+          <p:cNvSpPr>
+            <a:spLocks noGrp="1" noRot="1" noChangeAspect="1"/>
+          </p:cNvSpPr>
+          <p:nvPr>
+            <p:ph type="sldImg"/>
+          </p:nvPr>
+        </p:nvSpPr>
+        <p:spPr/>
+      </p:sp>
+      <p:sp>
+        <p:nvSpPr>
+          <p:cNvPr id="3" name="Notes Placeholder 2"/>
+          <p:cNvSpPr>
+            <a:spLocks noGrp="1"/>
+          </p:cNvSpPr>
+          <p:nvPr>
+            <p:ph type="body" idx="1"/>
+          </p:nvPr>
+        </p:nvSpPr>
+        <p:spPr/>
+        <p:txBody>
+          <a:bodyPr/>
+          <a:lstStyle/>
+          <a:p>
+            <a:r>
+              <a:rPr lang="en-GB" dirty="0"/>
+              <a:t>C:\Users\david\Documents\CurAct2017\2017_Study\PowerBI\Presentations\18_04 Dublin\</a:t>
+            </a:r>
+            <a:r>
+              <a:rPr lang="en-GB" dirty="0" err="1"/>
+              <a:t>Dublin_FinalPresentations</a:t>
+            </a:r>
+            <a:r>
+              <a:rPr lang="en-GB" dirty="0"/>
+              <a:t>\Streaming</a:t>
+            </a:r>
+          </a:p>
+        </p:txBody>
+      </p:sp>
+      <p:sp>
+        <p:nvSpPr>
+          <p:cNvPr id="4" name="Slide Number Placeholder 3"/>
+          <p:cNvSpPr>
+            <a:spLocks noGrp="1"/>
+          </p:cNvSpPr>
+          <p:nvPr>
+            <p:ph type="sldNum" sz="quarter" idx="5"/>
+          </p:nvPr>
+        </p:nvSpPr>
+        <p:spPr/>
+        <p:txBody>
+          <a:bodyPr/>
+          <a:lstStyle/>
+          <a:p>
+            <a:fld id="{EBB36E36-5F05-4A8D-8B75-4C30BD81749B}" type="slidenum">
+              <a:rPr lang="en-GB" smtClean="0"/>
+              <a:t>22</a:t>
+            </a:fld>
+            <a:endParaRPr lang="en-GB"/>
+          </a:p>
+        </p:txBody>
+      </p:sp>
+    </p:spTree>
+    <p:extLst>
+      <p:ext uri="{BB962C8B-B14F-4D97-AF65-F5344CB8AC3E}">
         <p14:creationId xmlns:p14="http://schemas.microsoft.com/office/powerpoint/2010/main" val="3732162563"/>
+      </p:ext>
+    </p:extLst>
+  </p:cSld>
+  <p:clrMapOvr>
+    <a:masterClrMapping/>
+  </p:clrMapOvr>
+</p:notes>
+</file>
+
+<file path=ppt/notesSlides/notesSlide17.xml><?xml version="1.0" encoding="utf-8"?>
+<p:notes xmlns:a="http://schemas.openxmlformats.org/drawingml/2006/main" xmlns:r="http://schemas.openxmlformats.org/officeDocument/2006/relationships" xmlns:p="http://schemas.openxmlformats.org/presentationml/2006/main">
+  <p:cSld>
+    <p:spTree>
+      <p:nvGrpSpPr>
+        <p:cNvPr id="1" name=""/>
+        <p:cNvGrpSpPr/>
+        <p:nvPr/>
+      </p:nvGrpSpPr>
+      <p:grpSpPr>
+        <a:xfrm>
+          <a:off x="0" y="0"/>
+          <a:ext cx="0" cy="0"/>
+          <a:chOff x="0" y="0"/>
+          <a:chExt cx="0" cy="0"/>
+        </a:xfrm>
+      </p:grpSpPr>
+      <p:sp>
+        <p:nvSpPr>
+          <p:cNvPr id="2" name="Slide Image Placeholder 1"/>
+          <p:cNvSpPr>
+            <a:spLocks noGrp="1" noRot="1" noChangeAspect="1"/>
+          </p:cNvSpPr>
+          <p:nvPr>
+            <p:ph type="sldImg"/>
+          </p:nvPr>
+        </p:nvSpPr>
+        <p:spPr/>
+      </p:sp>
+      <p:sp>
+        <p:nvSpPr>
+          <p:cNvPr id="3" name="Notes Placeholder 2"/>
+          <p:cNvSpPr>
+            <a:spLocks noGrp="1"/>
+          </p:cNvSpPr>
+          <p:nvPr>
+            <p:ph type="body" idx="1"/>
+          </p:nvPr>
+        </p:nvSpPr>
+        <p:spPr/>
+        <p:txBody>
+          <a:bodyPr/>
+          <a:lstStyle/>
+          <a:p>
+            <a:r>
+              <a:rPr lang="en-GB" dirty="0"/>
+              <a:t>C:\Users\david\Documents\CurAct2017\2017_Study\PowerBI\Training\DNA Enterprise\UltimateBeginners18lesson2hour\Data-and-resource-downloads</a:t>
+            </a:r>
+          </a:p>
+        </p:txBody>
+      </p:sp>
+      <p:sp>
+        <p:nvSpPr>
+          <p:cNvPr id="4" name="Slide Number Placeholder 3"/>
+          <p:cNvSpPr>
+            <a:spLocks noGrp="1"/>
+          </p:cNvSpPr>
+          <p:nvPr>
+            <p:ph type="sldNum" sz="quarter" idx="5"/>
+          </p:nvPr>
+        </p:nvSpPr>
+        <p:spPr/>
+        <p:txBody>
+          <a:bodyPr/>
+          <a:lstStyle/>
+          <a:p>
+            <a:fld id="{EBB36E36-5F05-4A8D-8B75-4C30BD81749B}" type="slidenum">
+              <a:rPr lang="en-GB" smtClean="0"/>
+              <a:t>23</a:t>
+            </a:fld>
+            <a:endParaRPr lang="en-GB"/>
+          </a:p>
+        </p:txBody>
+      </p:sp>
+    </p:spTree>
+    <p:extLst>
+      <p:ext uri="{BB962C8B-B14F-4D97-AF65-F5344CB8AC3E}">
+        <p14:creationId xmlns:p14="http://schemas.microsoft.com/office/powerpoint/2010/main" val="1315226330"/>
+      </p:ext>
+    </p:extLst>
+  </p:cSld>
+  <p:clrMapOvr>
+    <a:masterClrMapping/>
+  </p:clrMapOvr>
+</p:notes>
+</file>
+
+<file path=ppt/notesSlides/notesSlide18.xml><?xml version="1.0" encoding="utf-8"?>
+<p:notes xmlns:a="http://schemas.openxmlformats.org/drawingml/2006/main" xmlns:r="http://schemas.openxmlformats.org/officeDocument/2006/relationships" xmlns:p="http://schemas.openxmlformats.org/presentationml/2006/main">
+  <p:cSld>
+    <p:spTree>
+      <p:nvGrpSpPr>
+        <p:cNvPr id="1" name=""/>
+        <p:cNvGrpSpPr/>
+        <p:nvPr/>
+      </p:nvGrpSpPr>
+      <p:grpSpPr>
+        <a:xfrm>
+          <a:off x="0" y="0"/>
+          <a:ext cx="0" cy="0"/>
+          <a:chOff x="0" y="0"/>
+          <a:chExt cx="0" cy="0"/>
+        </a:xfrm>
+      </p:grpSpPr>
+      <p:sp>
+        <p:nvSpPr>
+          <p:cNvPr id="2" name="Slide Image Placeholder 1"/>
+          <p:cNvSpPr>
+            <a:spLocks noGrp="1" noRot="1" noChangeAspect="1"/>
+          </p:cNvSpPr>
+          <p:nvPr>
+            <p:ph type="sldImg"/>
+          </p:nvPr>
+        </p:nvSpPr>
+        <p:spPr/>
+      </p:sp>
+      <p:sp>
+        <p:nvSpPr>
+          <p:cNvPr id="3" name="Notes Placeholder 2"/>
+          <p:cNvSpPr>
+            <a:spLocks noGrp="1"/>
+          </p:cNvSpPr>
+          <p:nvPr>
+            <p:ph type="body" idx="1"/>
+          </p:nvPr>
+        </p:nvSpPr>
+        <p:spPr/>
+        <p:txBody>
+          <a:bodyPr/>
+          <a:lstStyle/>
+          <a:p>
+            <a:endParaRPr lang="en-GB" dirty="0"/>
+          </a:p>
+        </p:txBody>
+      </p:sp>
+      <p:sp>
+        <p:nvSpPr>
+          <p:cNvPr id="4" name="Slide Number Placeholder 3"/>
+          <p:cNvSpPr>
+            <a:spLocks noGrp="1"/>
+          </p:cNvSpPr>
+          <p:nvPr>
+            <p:ph type="sldNum" sz="quarter" idx="5"/>
+          </p:nvPr>
+        </p:nvSpPr>
+        <p:spPr/>
+        <p:txBody>
+          <a:bodyPr/>
+          <a:lstStyle/>
+          <a:p>
+            <a:fld id="{EBB36E36-5F05-4A8D-8B75-4C30BD81749B}" type="slidenum">
+              <a:rPr lang="en-GB" smtClean="0"/>
+              <a:t>24</a:t>
+            </a:fld>
+            <a:endParaRPr lang="en-GB"/>
+          </a:p>
+        </p:txBody>
+      </p:sp>
+    </p:spTree>
+    <p:extLst>
+      <p:ext uri="{BB962C8B-B14F-4D97-AF65-F5344CB8AC3E}">
+        <p14:creationId xmlns:p14="http://schemas.microsoft.com/office/powerpoint/2010/main" val="2771143125"/>
+      </p:ext>
+    </p:extLst>
+  </p:cSld>
+  <p:clrMapOvr>
+    <a:masterClrMapping/>
+  </p:clrMapOvr>
+</p:notes>
+</file>
+
+<file path=ppt/notesSlides/notesSlide19.xml><?xml version="1.0" encoding="utf-8"?>
+<p:notes xmlns:a="http://schemas.openxmlformats.org/drawingml/2006/main" xmlns:r="http://schemas.openxmlformats.org/officeDocument/2006/relationships" xmlns:p="http://schemas.openxmlformats.org/presentationml/2006/main">
+  <p:cSld>
+    <p:spTree>
+      <p:nvGrpSpPr>
+        <p:cNvPr id="1" name=""/>
+        <p:cNvGrpSpPr/>
+        <p:nvPr/>
+      </p:nvGrpSpPr>
+      <p:grpSpPr>
+        <a:xfrm>
+          <a:off x="0" y="0"/>
+          <a:ext cx="0" cy="0"/>
+          <a:chOff x="0" y="0"/>
+          <a:chExt cx="0" cy="0"/>
+        </a:xfrm>
+      </p:grpSpPr>
+      <p:sp>
+        <p:nvSpPr>
+          <p:cNvPr id="2" name="Slide Image Placeholder 1"/>
+          <p:cNvSpPr>
+            <a:spLocks noGrp="1" noRot="1" noChangeAspect="1"/>
+          </p:cNvSpPr>
+          <p:nvPr>
+            <p:ph type="sldImg"/>
+          </p:nvPr>
+        </p:nvSpPr>
+        <p:spPr/>
+      </p:sp>
+      <p:sp>
+        <p:nvSpPr>
+          <p:cNvPr id="3" name="Notes Placeholder 2"/>
+          <p:cNvSpPr>
+            <a:spLocks noGrp="1"/>
+          </p:cNvSpPr>
+          <p:nvPr>
+            <p:ph type="body" idx="1"/>
+          </p:nvPr>
+        </p:nvSpPr>
+        <p:spPr/>
+        <p:txBody>
+          <a:bodyPr/>
+          <a:lstStyle/>
+          <a:p>
+            <a:endParaRPr lang="en-GB" dirty="0"/>
+          </a:p>
+        </p:txBody>
+      </p:sp>
+      <p:sp>
+        <p:nvSpPr>
+          <p:cNvPr id="4" name="Slide Number Placeholder 3"/>
+          <p:cNvSpPr>
+            <a:spLocks noGrp="1"/>
+          </p:cNvSpPr>
+          <p:nvPr>
+            <p:ph type="sldNum" sz="quarter" idx="5"/>
+          </p:nvPr>
+        </p:nvSpPr>
+        <p:spPr/>
+        <p:txBody>
+          <a:bodyPr/>
+          <a:lstStyle/>
+          <a:p>
+            <a:fld id="{EBB36E36-5F05-4A8D-8B75-4C30BD81749B}" type="slidenum">
+              <a:rPr lang="en-GB" smtClean="0"/>
+              <a:t>25</a:t>
+            </a:fld>
+            <a:endParaRPr lang="en-GB"/>
+          </a:p>
+        </p:txBody>
+      </p:sp>
+    </p:spTree>
+    <p:extLst>
+      <p:ext uri="{BB962C8B-B14F-4D97-AF65-F5344CB8AC3E}">
+        <p14:creationId xmlns:p14="http://schemas.microsoft.com/office/powerpoint/2010/main" val="924274842"/>
       </p:ext>
     </p:extLst>
   </p:cSld>
@@ -1203,6 +1510,678 @@
     <p:extLst>
       <p:ext uri="{BB962C8B-B14F-4D97-AF65-F5344CB8AC3E}">
         <p14:creationId xmlns:p14="http://schemas.microsoft.com/office/powerpoint/2010/main" val="192457743"/>
+      </p:ext>
+    </p:extLst>
+  </p:cSld>
+  <p:clrMapOvr>
+    <a:masterClrMapping/>
+  </p:clrMapOvr>
+</p:notes>
+</file>
+
+<file path=ppt/notesSlides/notesSlide20.xml><?xml version="1.0" encoding="utf-8"?>
+<p:notes xmlns:a="http://schemas.openxmlformats.org/drawingml/2006/main" xmlns:r="http://schemas.openxmlformats.org/officeDocument/2006/relationships" xmlns:p="http://schemas.openxmlformats.org/presentationml/2006/main">
+  <p:cSld>
+    <p:spTree>
+      <p:nvGrpSpPr>
+        <p:cNvPr id="1" name=""/>
+        <p:cNvGrpSpPr/>
+        <p:nvPr/>
+      </p:nvGrpSpPr>
+      <p:grpSpPr>
+        <a:xfrm>
+          <a:off x="0" y="0"/>
+          <a:ext cx="0" cy="0"/>
+          <a:chOff x="0" y="0"/>
+          <a:chExt cx="0" cy="0"/>
+        </a:xfrm>
+      </p:grpSpPr>
+      <p:sp>
+        <p:nvSpPr>
+          <p:cNvPr id="2" name="Slide Image Placeholder 1"/>
+          <p:cNvSpPr>
+            <a:spLocks noGrp="1" noRot="1" noChangeAspect="1"/>
+          </p:cNvSpPr>
+          <p:nvPr>
+            <p:ph type="sldImg"/>
+          </p:nvPr>
+        </p:nvSpPr>
+        <p:spPr/>
+      </p:sp>
+      <p:sp>
+        <p:nvSpPr>
+          <p:cNvPr id="3" name="Notes Placeholder 2"/>
+          <p:cNvSpPr>
+            <a:spLocks noGrp="1"/>
+          </p:cNvSpPr>
+          <p:nvPr>
+            <p:ph type="body" idx="1"/>
+          </p:nvPr>
+        </p:nvSpPr>
+        <p:spPr/>
+        <p:txBody>
+          <a:bodyPr/>
+          <a:lstStyle/>
+          <a:p>
+            <a:endParaRPr lang="en-GB" dirty="0"/>
+          </a:p>
+        </p:txBody>
+      </p:sp>
+      <p:sp>
+        <p:nvSpPr>
+          <p:cNvPr id="4" name="Slide Number Placeholder 3"/>
+          <p:cNvSpPr>
+            <a:spLocks noGrp="1"/>
+          </p:cNvSpPr>
+          <p:nvPr>
+            <p:ph type="sldNum" sz="quarter" idx="5"/>
+          </p:nvPr>
+        </p:nvSpPr>
+        <p:spPr/>
+        <p:txBody>
+          <a:bodyPr/>
+          <a:lstStyle/>
+          <a:p>
+            <a:fld id="{EBB36E36-5F05-4A8D-8B75-4C30BD81749B}" type="slidenum">
+              <a:rPr lang="en-GB" smtClean="0"/>
+              <a:t>26</a:t>
+            </a:fld>
+            <a:endParaRPr lang="en-GB"/>
+          </a:p>
+        </p:txBody>
+      </p:sp>
+    </p:spTree>
+    <p:extLst>
+      <p:ext uri="{BB962C8B-B14F-4D97-AF65-F5344CB8AC3E}">
+        <p14:creationId xmlns:p14="http://schemas.microsoft.com/office/powerpoint/2010/main" val="927883831"/>
+      </p:ext>
+    </p:extLst>
+  </p:cSld>
+  <p:clrMapOvr>
+    <a:masterClrMapping/>
+  </p:clrMapOvr>
+</p:notes>
+</file>
+
+<file path=ppt/notesSlides/notesSlide21.xml><?xml version="1.0" encoding="utf-8"?>
+<p:notes xmlns:a="http://schemas.openxmlformats.org/drawingml/2006/main" xmlns:r="http://schemas.openxmlformats.org/officeDocument/2006/relationships" xmlns:p="http://schemas.openxmlformats.org/presentationml/2006/main">
+  <p:cSld>
+    <p:spTree>
+      <p:nvGrpSpPr>
+        <p:cNvPr id="1" name=""/>
+        <p:cNvGrpSpPr/>
+        <p:nvPr/>
+      </p:nvGrpSpPr>
+      <p:grpSpPr>
+        <a:xfrm>
+          <a:off x="0" y="0"/>
+          <a:ext cx="0" cy="0"/>
+          <a:chOff x="0" y="0"/>
+          <a:chExt cx="0" cy="0"/>
+        </a:xfrm>
+      </p:grpSpPr>
+      <p:sp>
+        <p:nvSpPr>
+          <p:cNvPr id="2" name="Slide Image Placeholder 1"/>
+          <p:cNvSpPr>
+            <a:spLocks noGrp="1" noRot="1" noChangeAspect="1"/>
+          </p:cNvSpPr>
+          <p:nvPr>
+            <p:ph type="sldImg"/>
+          </p:nvPr>
+        </p:nvSpPr>
+        <p:spPr/>
+      </p:sp>
+      <p:sp>
+        <p:nvSpPr>
+          <p:cNvPr id="3" name="Notes Placeholder 2"/>
+          <p:cNvSpPr>
+            <a:spLocks noGrp="1"/>
+          </p:cNvSpPr>
+          <p:nvPr>
+            <p:ph type="body" idx="1"/>
+          </p:nvPr>
+        </p:nvSpPr>
+        <p:spPr/>
+        <p:txBody>
+          <a:bodyPr/>
+          <a:lstStyle/>
+          <a:p>
+            <a:endParaRPr lang="en-GB" dirty="0"/>
+          </a:p>
+        </p:txBody>
+      </p:sp>
+      <p:sp>
+        <p:nvSpPr>
+          <p:cNvPr id="4" name="Slide Number Placeholder 3"/>
+          <p:cNvSpPr>
+            <a:spLocks noGrp="1"/>
+          </p:cNvSpPr>
+          <p:nvPr>
+            <p:ph type="sldNum" sz="quarter" idx="5"/>
+          </p:nvPr>
+        </p:nvSpPr>
+        <p:spPr/>
+        <p:txBody>
+          <a:bodyPr/>
+          <a:lstStyle/>
+          <a:p>
+            <a:fld id="{EBB36E36-5F05-4A8D-8B75-4C30BD81749B}" type="slidenum">
+              <a:rPr lang="en-GB" smtClean="0"/>
+              <a:t>27</a:t>
+            </a:fld>
+            <a:endParaRPr lang="en-GB"/>
+          </a:p>
+        </p:txBody>
+      </p:sp>
+    </p:spTree>
+    <p:extLst>
+      <p:ext uri="{BB962C8B-B14F-4D97-AF65-F5344CB8AC3E}">
+        <p14:creationId xmlns:p14="http://schemas.microsoft.com/office/powerpoint/2010/main" val="3359187957"/>
+      </p:ext>
+    </p:extLst>
+  </p:cSld>
+  <p:clrMapOvr>
+    <a:masterClrMapping/>
+  </p:clrMapOvr>
+</p:notes>
+</file>
+
+<file path=ppt/notesSlides/notesSlide22.xml><?xml version="1.0" encoding="utf-8"?>
+<p:notes xmlns:a="http://schemas.openxmlformats.org/drawingml/2006/main" xmlns:r="http://schemas.openxmlformats.org/officeDocument/2006/relationships" xmlns:p="http://schemas.openxmlformats.org/presentationml/2006/main">
+  <p:cSld>
+    <p:spTree>
+      <p:nvGrpSpPr>
+        <p:cNvPr id="1" name=""/>
+        <p:cNvGrpSpPr/>
+        <p:nvPr/>
+      </p:nvGrpSpPr>
+      <p:grpSpPr>
+        <a:xfrm>
+          <a:off x="0" y="0"/>
+          <a:ext cx="0" cy="0"/>
+          <a:chOff x="0" y="0"/>
+          <a:chExt cx="0" cy="0"/>
+        </a:xfrm>
+      </p:grpSpPr>
+      <p:sp>
+        <p:nvSpPr>
+          <p:cNvPr id="2" name="Slide Image Placeholder 1"/>
+          <p:cNvSpPr>
+            <a:spLocks noGrp="1" noRot="1" noChangeAspect="1"/>
+          </p:cNvSpPr>
+          <p:nvPr>
+            <p:ph type="sldImg"/>
+          </p:nvPr>
+        </p:nvSpPr>
+        <p:spPr/>
+      </p:sp>
+      <p:sp>
+        <p:nvSpPr>
+          <p:cNvPr id="3" name="Notes Placeholder 2"/>
+          <p:cNvSpPr>
+            <a:spLocks noGrp="1"/>
+          </p:cNvSpPr>
+          <p:nvPr>
+            <p:ph type="body" idx="1"/>
+          </p:nvPr>
+        </p:nvSpPr>
+        <p:spPr/>
+        <p:txBody>
+          <a:bodyPr/>
+          <a:lstStyle/>
+          <a:p>
+            <a:endParaRPr lang="en-GB" dirty="0"/>
+          </a:p>
+        </p:txBody>
+      </p:sp>
+      <p:sp>
+        <p:nvSpPr>
+          <p:cNvPr id="4" name="Slide Number Placeholder 3"/>
+          <p:cNvSpPr>
+            <a:spLocks noGrp="1"/>
+          </p:cNvSpPr>
+          <p:nvPr>
+            <p:ph type="sldNum" sz="quarter" idx="5"/>
+          </p:nvPr>
+        </p:nvSpPr>
+        <p:spPr/>
+        <p:txBody>
+          <a:bodyPr/>
+          <a:lstStyle/>
+          <a:p>
+            <a:fld id="{EBB36E36-5F05-4A8D-8B75-4C30BD81749B}" type="slidenum">
+              <a:rPr lang="en-GB" smtClean="0"/>
+              <a:t>28</a:t>
+            </a:fld>
+            <a:endParaRPr lang="en-GB"/>
+          </a:p>
+        </p:txBody>
+      </p:sp>
+    </p:spTree>
+    <p:extLst>
+      <p:ext uri="{BB962C8B-B14F-4D97-AF65-F5344CB8AC3E}">
+        <p14:creationId xmlns:p14="http://schemas.microsoft.com/office/powerpoint/2010/main" val="370439244"/>
+      </p:ext>
+    </p:extLst>
+  </p:cSld>
+  <p:clrMapOvr>
+    <a:masterClrMapping/>
+  </p:clrMapOvr>
+</p:notes>
+</file>
+
+<file path=ppt/notesSlides/notesSlide23.xml><?xml version="1.0" encoding="utf-8"?>
+<p:notes xmlns:a="http://schemas.openxmlformats.org/drawingml/2006/main" xmlns:r="http://schemas.openxmlformats.org/officeDocument/2006/relationships" xmlns:p="http://schemas.openxmlformats.org/presentationml/2006/main">
+  <p:cSld>
+    <p:spTree>
+      <p:nvGrpSpPr>
+        <p:cNvPr id="1" name=""/>
+        <p:cNvGrpSpPr/>
+        <p:nvPr/>
+      </p:nvGrpSpPr>
+      <p:grpSpPr>
+        <a:xfrm>
+          <a:off x="0" y="0"/>
+          <a:ext cx="0" cy="0"/>
+          <a:chOff x="0" y="0"/>
+          <a:chExt cx="0" cy="0"/>
+        </a:xfrm>
+      </p:grpSpPr>
+      <p:sp>
+        <p:nvSpPr>
+          <p:cNvPr id="2" name="Slide Image Placeholder 1"/>
+          <p:cNvSpPr>
+            <a:spLocks noGrp="1" noRot="1" noChangeAspect="1"/>
+          </p:cNvSpPr>
+          <p:nvPr>
+            <p:ph type="sldImg"/>
+          </p:nvPr>
+        </p:nvSpPr>
+        <p:spPr/>
+      </p:sp>
+      <p:sp>
+        <p:nvSpPr>
+          <p:cNvPr id="3" name="Notes Placeholder 2"/>
+          <p:cNvSpPr>
+            <a:spLocks noGrp="1"/>
+          </p:cNvSpPr>
+          <p:nvPr>
+            <p:ph type="body" idx="1"/>
+          </p:nvPr>
+        </p:nvSpPr>
+        <p:spPr/>
+        <p:txBody>
+          <a:bodyPr/>
+          <a:lstStyle/>
+          <a:p>
+            <a:endParaRPr lang="en-GB" dirty="0"/>
+          </a:p>
+        </p:txBody>
+      </p:sp>
+      <p:sp>
+        <p:nvSpPr>
+          <p:cNvPr id="4" name="Slide Number Placeholder 3"/>
+          <p:cNvSpPr>
+            <a:spLocks noGrp="1"/>
+          </p:cNvSpPr>
+          <p:nvPr>
+            <p:ph type="sldNum" sz="quarter" idx="5"/>
+          </p:nvPr>
+        </p:nvSpPr>
+        <p:spPr/>
+        <p:txBody>
+          <a:bodyPr/>
+          <a:lstStyle/>
+          <a:p>
+            <a:fld id="{EBB36E36-5F05-4A8D-8B75-4C30BD81749B}" type="slidenum">
+              <a:rPr lang="en-GB" smtClean="0"/>
+              <a:t>29</a:t>
+            </a:fld>
+            <a:endParaRPr lang="en-GB"/>
+          </a:p>
+        </p:txBody>
+      </p:sp>
+    </p:spTree>
+    <p:extLst>
+      <p:ext uri="{BB962C8B-B14F-4D97-AF65-F5344CB8AC3E}">
+        <p14:creationId xmlns:p14="http://schemas.microsoft.com/office/powerpoint/2010/main" val="3691254017"/>
+      </p:ext>
+    </p:extLst>
+  </p:cSld>
+  <p:clrMapOvr>
+    <a:masterClrMapping/>
+  </p:clrMapOvr>
+</p:notes>
+</file>
+
+<file path=ppt/notesSlides/notesSlide24.xml><?xml version="1.0" encoding="utf-8"?>
+<p:notes xmlns:a="http://schemas.openxmlformats.org/drawingml/2006/main" xmlns:r="http://schemas.openxmlformats.org/officeDocument/2006/relationships" xmlns:p="http://schemas.openxmlformats.org/presentationml/2006/main">
+  <p:cSld>
+    <p:spTree>
+      <p:nvGrpSpPr>
+        <p:cNvPr id="1" name=""/>
+        <p:cNvGrpSpPr/>
+        <p:nvPr/>
+      </p:nvGrpSpPr>
+      <p:grpSpPr>
+        <a:xfrm>
+          <a:off x="0" y="0"/>
+          <a:ext cx="0" cy="0"/>
+          <a:chOff x="0" y="0"/>
+          <a:chExt cx="0" cy="0"/>
+        </a:xfrm>
+      </p:grpSpPr>
+      <p:sp>
+        <p:nvSpPr>
+          <p:cNvPr id="2" name="Slide Image Placeholder 1"/>
+          <p:cNvSpPr>
+            <a:spLocks noGrp="1" noRot="1" noChangeAspect="1"/>
+          </p:cNvSpPr>
+          <p:nvPr>
+            <p:ph type="sldImg"/>
+          </p:nvPr>
+        </p:nvSpPr>
+        <p:spPr/>
+      </p:sp>
+      <p:sp>
+        <p:nvSpPr>
+          <p:cNvPr id="3" name="Notes Placeholder 2"/>
+          <p:cNvSpPr>
+            <a:spLocks noGrp="1"/>
+          </p:cNvSpPr>
+          <p:nvPr>
+            <p:ph type="body" idx="1"/>
+          </p:nvPr>
+        </p:nvSpPr>
+        <p:spPr/>
+        <p:txBody>
+          <a:bodyPr/>
+          <a:lstStyle/>
+          <a:p>
+            <a:endParaRPr lang="en-GB" dirty="0"/>
+          </a:p>
+        </p:txBody>
+      </p:sp>
+      <p:sp>
+        <p:nvSpPr>
+          <p:cNvPr id="4" name="Slide Number Placeholder 3"/>
+          <p:cNvSpPr>
+            <a:spLocks noGrp="1"/>
+          </p:cNvSpPr>
+          <p:nvPr>
+            <p:ph type="sldNum" sz="quarter" idx="5"/>
+          </p:nvPr>
+        </p:nvSpPr>
+        <p:spPr/>
+        <p:txBody>
+          <a:bodyPr/>
+          <a:lstStyle/>
+          <a:p>
+            <a:fld id="{EBB36E36-5F05-4A8D-8B75-4C30BD81749B}" type="slidenum">
+              <a:rPr lang="en-GB" smtClean="0"/>
+              <a:t>30</a:t>
+            </a:fld>
+            <a:endParaRPr lang="en-GB"/>
+          </a:p>
+        </p:txBody>
+      </p:sp>
+    </p:spTree>
+    <p:extLst>
+      <p:ext uri="{BB962C8B-B14F-4D97-AF65-F5344CB8AC3E}">
+        <p14:creationId xmlns:p14="http://schemas.microsoft.com/office/powerpoint/2010/main" val="522867657"/>
+      </p:ext>
+    </p:extLst>
+  </p:cSld>
+  <p:clrMapOvr>
+    <a:masterClrMapping/>
+  </p:clrMapOvr>
+</p:notes>
+</file>
+
+<file path=ppt/notesSlides/notesSlide25.xml><?xml version="1.0" encoding="utf-8"?>
+<p:notes xmlns:a="http://schemas.openxmlformats.org/drawingml/2006/main" xmlns:r="http://schemas.openxmlformats.org/officeDocument/2006/relationships" xmlns:p="http://schemas.openxmlformats.org/presentationml/2006/main">
+  <p:cSld>
+    <p:spTree>
+      <p:nvGrpSpPr>
+        <p:cNvPr id="1" name=""/>
+        <p:cNvGrpSpPr/>
+        <p:nvPr/>
+      </p:nvGrpSpPr>
+      <p:grpSpPr>
+        <a:xfrm>
+          <a:off x="0" y="0"/>
+          <a:ext cx="0" cy="0"/>
+          <a:chOff x="0" y="0"/>
+          <a:chExt cx="0" cy="0"/>
+        </a:xfrm>
+      </p:grpSpPr>
+      <p:sp>
+        <p:nvSpPr>
+          <p:cNvPr id="2" name="Slide Image Placeholder 1"/>
+          <p:cNvSpPr>
+            <a:spLocks noGrp="1" noRot="1" noChangeAspect="1"/>
+          </p:cNvSpPr>
+          <p:nvPr>
+            <p:ph type="sldImg"/>
+          </p:nvPr>
+        </p:nvSpPr>
+        <p:spPr/>
+      </p:sp>
+      <p:sp>
+        <p:nvSpPr>
+          <p:cNvPr id="3" name="Notes Placeholder 2"/>
+          <p:cNvSpPr>
+            <a:spLocks noGrp="1"/>
+          </p:cNvSpPr>
+          <p:nvPr>
+            <p:ph type="body" idx="1"/>
+          </p:nvPr>
+        </p:nvSpPr>
+        <p:spPr/>
+        <p:txBody>
+          <a:bodyPr/>
+          <a:lstStyle/>
+          <a:p>
+            <a:endParaRPr lang="en-GB" dirty="0"/>
+          </a:p>
+        </p:txBody>
+      </p:sp>
+      <p:sp>
+        <p:nvSpPr>
+          <p:cNvPr id="4" name="Slide Number Placeholder 3"/>
+          <p:cNvSpPr>
+            <a:spLocks noGrp="1"/>
+          </p:cNvSpPr>
+          <p:nvPr>
+            <p:ph type="sldNum" sz="quarter" idx="5"/>
+          </p:nvPr>
+        </p:nvSpPr>
+        <p:spPr/>
+        <p:txBody>
+          <a:bodyPr/>
+          <a:lstStyle/>
+          <a:p>
+            <a:fld id="{EBB36E36-5F05-4A8D-8B75-4C30BD81749B}" type="slidenum">
+              <a:rPr lang="en-GB" smtClean="0"/>
+              <a:t>31</a:t>
+            </a:fld>
+            <a:endParaRPr lang="en-GB"/>
+          </a:p>
+        </p:txBody>
+      </p:sp>
+    </p:spTree>
+    <p:extLst>
+      <p:ext uri="{BB962C8B-B14F-4D97-AF65-F5344CB8AC3E}">
+        <p14:creationId xmlns:p14="http://schemas.microsoft.com/office/powerpoint/2010/main" val="3166562621"/>
+      </p:ext>
+    </p:extLst>
+  </p:cSld>
+  <p:clrMapOvr>
+    <a:masterClrMapping/>
+  </p:clrMapOvr>
+</p:notes>
+</file>
+
+<file path=ppt/notesSlides/notesSlide26.xml><?xml version="1.0" encoding="utf-8"?>
+<p:notes xmlns:a="http://schemas.openxmlformats.org/drawingml/2006/main" xmlns:r="http://schemas.openxmlformats.org/officeDocument/2006/relationships" xmlns:p="http://schemas.openxmlformats.org/presentationml/2006/main">
+  <p:cSld>
+    <p:spTree>
+      <p:nvGrpSpPr>
+        <p:cNvPr id="1" name=""/>
+        <p:cNvGrpSpPr/>
+        <p:nvPr/>
+      </p:nvGrpSpPr>
+      <p:grpSpPr>
+        <a:xfrm>
+          <a:off x="0" y="0"/>
+          <a:ext cx="0" cy="0"/>
+          <a:chOff x="0" y="0"/>
+          <a:chExt cx="0" cy="0"/>
+        </a:xfrm>
+      </p:grpSpPr>
+      <p:sp>
+        <p:nvSpPr>
+          <p:cNvPr id="2" name="Slide Image Placeholder 1"/>
+          <p:cNvSpPr>
+            <a:spLocks noGrp="1" noRot="1" noChangeAspect="1"/>
+          </p:cNvSpPr>
+          <p:nvPr>
+            <p:ph type="sldImg"/>
+          </p:nvPr>
+        </p:nvSpPr>
+        <p:spPr/>
+      </p:sp>
+      <p:sp>
+        <p:nvSpPr>
+          <p:cNvPr id="3" name="Notes Placeholder 2"/>
+          <p:cNvSpPr>
+            <a:spLocks noGrp="1"/>
+          </p:cNvSpPr>
+          <p:nvPr>
+            <p:ph type="body" idx="1"/>
+          </p:nvPr>
+        </p:nvSpPr>
+        <p:spPr/>
+        <p:txBody>
+          <a:bodyPr/>
+          <a:lstStyle/>
+          <a:p>
+            <a:endParaRPr lang="en-GB" dirty="0"/>
+          </a:p>
+        </p:txBody>
+      </p:sp>
+      <p:sp>
+        <p:nvSpPr>
+          <p:cNvPr id="4" name="Slide Number Placeholder 3"/>
+          <p:cNvSpPr>
+            <a:spLocks noGrp="1"/>
+          </p:cNvSpPr>
+          <p:nvPr>
+            <p:ph type="sldNum" sz="quarter" idx="5"/>
+          </p:nvPr>
+        </p:nvSpPr>
+        <p:spPr/>
+        <p:txBody>
+          <a:bodyPr/>
+          <a:lstStyle/>
+          <a:p>
+            <a:fld id="{EBB36E36-5F05-4A8D-8B75-4C30BD81749B}" type="slidenum">
+              <a:rPr lang="en-GB" smtClean="0"/>
+              <a:t>32</a:t>
+            </a:fld>
+            <a:endParaRPr lang="en-GB"/>
+          </a:p>
+        </p:txBody>
+      </p:sp>
+    </p:spTree>
+    <p:extLst>
+      <p:ext uri="{BB962C8B-B14F-4D97-AF65-F5344CB8AC3E}">
+        <p14:creationId xmlns:p14="http://schemas.microsoft.com/office/powerpoint/2010/main" val="3777899884"/>
+      </p:ext>
+    </p:extLst>
+  </p:cSld>
+  <p:clrMapOvr>
+    <a:masterClrMapping/>
+  </p:clrMapOvr>
+</p:notes>
+</file>
+
+<file path=ppt/notesSlides/notesSlide27.xml><?xml version="1.0" encoding="utf-8"?>
+<p:notes xmlns:a="http://schemas.openxmlformats.org/drawingml/2006/main" xmlns:r="http://schemas.openxmlformats.org/officeDocument/2006/relationships" xmlns:p="http://schemas.openxmlformats.org/presentationml/2006/main">
+  <p:cSld>
+    <p:spTree>
+      <p:nvGrpSpPr>
+        <p:cNvPr id="1" name=""/>
+        <p:cNvGrpSpPr/>
+        <p:nvPr/>
+      </p:nvGrpSpPr>
+      <p:grpSpPr>
+        <a:xfrm>
+          <a:off x="0" y="0"/>
+          <a:ext cx="0" cy="0"/>
+          <a:chOff x="0" y="0"/>
+          <a:chExt cx="0" cy="0"/>
+        </a:xfrm>
+      </p:grpSpPr>
+      <p:sp>
+        <p:nvSpPr>
+          <p:cNvPr id="2" name="Slide Image Placeholder 1"/>
+          <p:cNvSpPr>
+            <a:spLocks noGrp="1" noRot="1" noChangeAspect="1"/>
+          </p:cNvSpPr>
+          <p:nvPr>
+            <p:ph type="sldImg"/>
+          </p:nvPr>
+        </p:nvSpPr>
+        <p:spPr/>
+      </p:sp>
+      <p:sp>
+        <p:nvSpPr>
+          <p:cNvPr id="3" name="Notes Placeholder 2"/>
+          <p:cNvSpPr>
+            <a:spLocks noGrp="1"/>
+          </p:cNvSpPr>
+          <p:nvPr>
+            <p:ph type="body" idx="1"/>
+          </p:nvPr>
+        </p:nvSpPr>
+        <p:spPr/>
+        <p:txBody>
+          <a:bodyPr/>
+          <a:lstStyle/>
+          <a:p>
+            <a:endParaRPr lang="en-GB" dirty="0"/>
+          </a:p>
+        </p:txBody>
+      </p:sp>
+      <p:sp>
+        <p:nvSpPr>
+          <p:cNvPr id="4" name="Slide Number Placeholder 3"/>
+          <p:cNvSpPr>
+            <a:spLocks noGrp="1"/>
+          </p:cNvSpPr>
+          <p:nvPr>
+            <p:ph type="sldNum" sz="quarter" idx="5"/>
+          </p:nvPr>
+        </p:nvSpPr>
+        <p:spPr/>
+        <p:txBody>
+          <a:bodyPr/>
+          <a:lstStyle/>
+          <a:p>
+            <a:fld id="{EBB36E36-5F05-4A8D-8B75-4C30BD81749B}" type="slidenum">
+              <a:rPr lang="en-GB" smtClean="0"/>
+              <a:t>33</a:t>
+            </a:fld>
+            <a:endParaRPr lang="en-GB"/>
+          </a:p>
+        </p:txBody>
+      </p:sp>
+    </p:spTree>
+    <p:extLst>
+      <p:ext uri="{BB962C8B-B14F-4D97-AF65-F5344CB8AC3E}">
+        <p14:creationId xmlns:p14="http://schemas.microsoft.com/office/powerpoint/2010/main" val="1165681388"/>
       </p:ext>
     </p:extLst>
   </p:cSld>
@@ -2147,7 +3126,7 @@
           <a:p>
             <a:fld id="{E5D7BA62-63A5-4D0D-BF80-A1F4909EFF75}" type="datetimeFigureOut">
               <a:rPr lang="en-GB" smtClean="0"/>
-              <a:t>30/01/2019</a:t>
+              <a:t>08/02/2019</a:t>
             </a:fld>
             <a:endParaRPr lang="en-GB"/>
           </a:p>
@@ -2357,7 +3336,7 @@
           <a:p>
             <a:fld id="{E5D7BA62-63A5-4D0D-BF80-A1F4909EFF75}" type="datetimeFigureOut">
               <a:rPr lang="en-GB" smtClean="0"/>
-              <a:t>30/01/2019</a:t>
+              <a:t>08/02/2019</a:t>
             </a:fld>
             <a:endParaRPr lang="en-GB"/>
           </a:p>
@@ -2635,7 +3614,7 @@
           <a:p>
             <a:fld id="{E5D7BA62-63A5-4D0D-BF80-A1F4909EFF75}" type="datetimeFigureOut">
               <a:rPr lang="en-GB" smtClean="0"/>
-              <a:t>30/01/2019</a:t>
+              <a:t>08/02/2019</a:t>
             </a:fld>
             <a:endParaRPr lang="en-GB"/>
           </a:p>
@@ -2911,7 +3890,7 @@
           <a:p>
             <a:fld id="{E5D7BA62-63A5-4D0D-BF80-A1F4909EFF75}" type="datetimeFigureOut">
               <a:rPr lang="en-GB" smtClean="0"/>
-              <a:t>30/01/2019</a:t>
+              <a:t>08/02/2019</a:t>
             </a:fld>
             <a:endParaRPr lang="en-GB"/>
           </a:p>
@@ -3179,7 +4158,7 @@
           <a:p>
             <a:fld id="{E5D7BA62-63A5-4D0D-BF80-A1F4909EFF75}" type="datetimeFigureOut">
               <a:rPr lang="en-GB" smtClean="0"/>
-              <a:t>30/01/2019</a:t>
+              <a:t>08/02/2019</a:t>
             </a:fld>
             <a:endParaRPr lang="en-GB"/>
           </a:p>
@@ -3594,7 +4573,7 @@
           <a:p>
             <a:fld id="{E5D7BA62-63A5-4D0D-BF80-A1F4909EFF75}" type="datetimeFigureOut">
               <a:rPr lang="en-GB" smtClean="0"/>
-              <a:t>30/01/2019</a:t>
+              <a:t>08/02/2019</a:t>
             </a:fld>
             <a:endParaRPr lang="en-GB"/>
           </a:p>
@@ -3736,7 +4715,7 @@
           <a:p>
             <a:fld id="{E5D7BA62-63A5-4D0D-BF80-A1F4909EFF75}" type="datetimeFigureOut">
               <a:rPr lang="en-GB" smtClean="0"/>
-              <a:t>30/01/2019</a:t>
+              <a:t>08/02/2019</a:t>
             </a:fld>
             <a:endParaRPr lang="en-GB"/>
           </a:p>
@@ -3849,7 +4828,7 @@
           <a:p>
             <a:fld id="{E5D7BA62-63A5-4D0D-BF80-A1F4909EFF75}" type="datetimeFigureOut">
               <a:rPr lang="en-GB" smtClean="0"/>
-              <a:t>30/01/2019</a:t>
+              <a:t>08/02/2019</a:t>
             </a:fld>
             <a:endParaRPr lang="en-GB"/>
           </a:p>
@@ -4162,7 +5141,7 @@
           <a:p>
             <a:fld id="{E5D7BA62-63A5-4D0D-BF80-A1F4909EFF75}" type="datetimeFigureOut">
               <a:rPr lang="en-GB" smtClean="0"/>
-              <a:t>30/01/2019</a:t>
+              <a:t>08/02/2019</a:t>
             </a:fld>
             <a:endParaRPr lang="en-GB"/>
           </a:p>
@@ -4451,7 +5430,7 @@
           <a:p>
             <a:fld id="{E5D7BA62-63A5-4D0D-BF80-A1F4909EFF75}" type="datetimeFigureOut">
               <a:rPr lang="en-GB" smtClean="0"/>
-              <a:t>30/01/2019</a:t>
+              <a:t>08/02/2019</a:t>
             </a:fld>
             <a:endParaRPr lang="en-GB"/>
           </a:p>
@@ -4694,7 +5673,7 @@
           <a:p>
             <a:fld id="{E5D7BA62-63A5-4D0D-BF80-A1F4909EFF75}" type="datetimeFigureOut">
               <a:rPr lang="en-GB" smtClean="0"/>
-              <a:t>30/01/2019</a:t>
+              <a:t>08/02/2019</a:t>
             </a:fld>
             <a:endParaRPr lang="en-GB"/>
           </a:p>
@@ -9958,7 +10937,7 @@
           <a:p>
             <a:r>
               <a:rPr lang="en-GB" dirty="0"/>
-              <a:t>Power BI Real time datasets: Streaming</a:t>
+              <a:t>Power BI Lesson 4 of 6</a:t>
             </a:r>
           </a:p>
         </p:txBody>
@@ -9992,6 +10971,445 @@
           <a:lstStyle/>
           <a:p>
             <a:pPr algn="l"/>
+            <a:endParaRPr lang="en-GB" dirty="0"/>
+          </a:p>
+          <a:p>
+            <a:pPr algn="l"/>
+            <a:endParaRPr lang="en-GB" dirty="0"/>
+          </a:p>
+          <a:p>
+            <a:pPr algn="l"/>
+            <a:endParaRPr lang="en-GB" dirty="0"/>
+          </a:p>
+        </p:txBody>
+      </p:sp>
+      <p:sp>
+        <p:nvSpPr>
+          <p:cNvPr id="4" name="Subtitle 2">
+            <a:extLst>
+              <a:ext uri="{FF2B5EF4-FFF2-40B4-BE49-F238E27FC236}">
+                <a16:creationId xmlns:a16="http://schemas.microsoft.com/office/drawing/2014/main" id="{0EF62DD6-25EE-491D-8957-EB6046F9F8D1}"/>
+              </a:ext>
+            </a:extLst>
+          </p:cNvPr>
+          <p:cNvSpPr txBox="1">
+            <a:spLocks/>
+          </p:cNvSpPr>
+          <p:nvPr/>
+        </p:nvSpPr>
+        <p:spPr>
+          <a:xfrm>
+            <a:off x="1676400" y="1216071"/>
+            <a:ext cx="9144000" cy="4435867"/>
+          </a:xfrm>
+          <a:prstGeom prst="rect">
+            <a:avLst/>
+          </a:prstGeom>
+        </p:spPr>
+        <p:txBody>
+          <a:bodyPr vert="horz" lIns="91440" tIns="45720" rIns="91440" bIns="45720" rtlCol="0">
+            <a:normAutofit/>
+          </a:bodyPr>
+          <a:lstStyle>
+            <a:lvl1pPr marL="0" indent="0" algn="ctr" defTabSz="914400" rtl="0" eaLnBrk="1" latinLnBrk="0" hangingPunct="1">
+              <a:lnSpc>
+                <a:spcPct val="90000"/>
+              </a:lnSpc>
+              <a:spcBef>
+                <a:spcPts val="1000"/>
+              </a:spcBef>
+              <a:buFont typeface="Arial" panose="020B0604020202020204" pitchFamily="34" charset="0"/>
+              <a:buNone/>
+              <a:defRPr sz="2400" kern="1200">
+                <a:solidFill>
+                  <a:schemeClr val="tx1"/>
+                </a:solidFill>
+                <a:latin typeface="+mn-lt"/>
+                <a:ea typeface="+mn-ea"/>
+                <a:cs typeface="+mn-cs"/>
+              </a:defRPr>
+            </a:lvl1pPr>
+            <a:lvl2pPr marL="457200" indent="0" algn="ctr" defTabSz="914400" rtl="0" eaLnBrk="1" latinLnBrk="0" hangingPunct="1">
+              <a:lnSpc>
+                <a:spcPct val="90000"/>
+              </a:lnSpc>
+              <a:spcBef>
+                <a:spcPts val="500"/>
+              </a:spcBef>
+              <a:buFont typeface="Arial" panose="020B0604020202020204" pitchFamily="34" charset="0"/>
+              <a:buNone/>
+              <a:defRPr sz="2000" kern="1200">
+                <a:solidFill>
+                  <a:schemeClr val="tx1"/>
+                </a:solidFill>
+                <a:latin typeface="+mn-lt"/>
+                <a:ea typeface="+mn-ea"/>
+                <a:cs typeface="+mn-cs"/>
+              </a:defRPr>
+            </a:lvl2pPr>
+            <a:lvl3pPr marL="914400" indent="0" algn="ctr" defTabSz="914400" rtl="0" eaLnBrk="1" latinLnBrk="0" hangingPunct="1">
+              <a:lnSpc>
+                <a:spcPct val="90000"/>
+              </a:lnSpc>
+              <a:spcBef>
+                <a:spcPts val="500"/>
+              </a:spcBef>
+              <a:buFont typeface="Arial" panose="020B0604020202020204" pitchFamily="34" charset="0"/>
+              <a:buNone/>
+              <a:defRPr sz="1800" kern="1200">
+                <a:solidFill>
+                  <a:schemeClr val="tx1"/>
+                </a:solidFill>
+                <a:latin typeface="+mn-lt"/>
+                <a:ea typeface="+mn-ea"/>
+                <a:cs typeface="+mn-cs"/>
+              </a:defRPr>
+            </a:lvl3pPr>
+            <a:lvl4pPr marL="1371600" indent="0" algn="ctr" defTabSz="914400" rtl="0" eaLnBrk="1" latinLnBrk="0" hangingPunct="1">
+              <a:lnSpc>
+                <a:spcPct val="90000"/>
+              </a:lnSpc>
+              <a:spcBef>
+                <a:spcPts val="500"/>
+              </a:spcBef>
+              <a:buFont typeface="Arial" panose="020B0604020202020204" pitchFamily="34" charset="0"/>
+              <a:buNone/>
+              <a:defRPr sz="1600" kern="1200">
+                <a:solidFill>
+                  <a:schemeClr val="tx1"/>
+                </a:solidFill>
+                <a:latin typeface="+mn-lt"/>
+                <a:ea typeface="+mn-ea"/>
+                <a:cs typeface="+mn-cs"/>
+              </a:defRPr>
+            </a:lvl4pPr>
+            <a:lvl5pPr marL="1828800" indent="0" algn="ctr" defTabSz="914400" rtl="0" eaLnBrk="1" latinLnBrk="0" hangingPunct="1">
+              <a:lnSpc>
+                <a:spcPct val="90000"/>
+              </a:lnSpc>
+              <a:spcBef>
+                <a:spcPts val="500"/>
+              </a:spcBef>
+              <a:buFont typeface="Arial" panose="020B0604020202020204" pitchFamily="34" charset="0"/>
+              <a:buNone/>
+              <a:defRPr sz="1600" kern="1200">
+                <a:solidFill>
+                  <a:schemeClr val="tx1"/>
+                </a:solidFill>
+                <a:latin typeface="+mn-lt"/>
+                <a:ea typeface="+mn-ea"/>
+                <a:cs typeface="+mn-cs"/>
+              </a:defRPr>
+            </a:lvl5pPr>
+            <a:lvl6pPr marL="2286000" indent="0" algn="ctr" defTabSz="914400" rtl="0" eaLnBrk="1" latinLnBrk="0" hangingPunct="1">
+              <a:lnSpc>
+                <a:spcPct val="90000"/>
+              </a:lnSpc>
+              <a:spcBef>
+                <a:spcPts val="500"/>
+              </a:spcBef>
+              <a:buFont typeface="Arial" panose="020B0604020202020204" pitchFamily="34" charset="0"/>
+              <a:buNone/>
+              <a:defRPr sz="1600" kern="1200">
+                <a:solidFill>
+                  <a:schemeClr val="tx1"/>
+                </a:solidFill>
+                <a:latin typeface="+mn-lt"/>
+                <a:ea typeface="+mn-ea"/>
+                <a:cs typeface="+mn-cs"/>
+              </a:defRPr>
+            </a:lvl6pPr>
+            <a:lvl7pPr marL="2743200" indent="0" algn="ctr" defTabSz="914400" rtl="0" eaLnBrk="1" latinLnBrk="0" hangingPunct="1">
+              <a:lnSpc>
+                <a:spcPct val="90000"/>
+              </a:lnSpc>
+              <a:spcBef>
+                <a:spcPts val="500"/>
+              </a:spcBef>
+              <a:buFont typeface="Arial" panose="020B0604020202020204" pitchFamily="34" charset="0"/>
+              <a:buNone/>
+              <a:defRPr sz="1600" kern="1200">
+                <a:solidFill>
+                  <a:schemeClr val="tx1"/>
+                </a:solidFill>
+                <a:latin typeface="+mn-lt"/>
+                <a:ea typeface="+mn-ea"/>
+                <a:cs typeface="+mn-cs"/>
+              </a:defRPr>
+            </a:lvl7pPr>
+            <a:lvl8pPr marL="3200400" indent="0" algn="ctr" defTabSz="914400" rtl="0" eaLnBrk="1" latinLnBrk="0" hangingPunct="1">
+              <a:lnSpc>
+                <a:spcPct val="90000"/>
+              </a:lnSpc>
+              <a:spcBef>
+                <a:spcPts val="500"/>
+              </a:spcBef>
+              <a:buFont typeface="Arial" panose="020B0604020202020204" pitchFamily="34" charset="0"/>
+              <a:buNone/>
+              <a:defRPr sz="1600" kern="1200">
+                <a:solidFill>
+                  <a:schemeClr val="tx1"/>
+                </a:solidFill>
+                <a:latin typeface="+mn-lt"/>
+                <a:ea typeface="+mn-ea"/>
+                <a:cs typeface="+mn-cs"/>
+              </a:defRPr>
+            </a:lvl8pPr>
+            <a:lvl9pPr marL="3657600" indent="0" algn="ctr" defTabSz="914400" rtl="0" eaLnBrk="1" latinLnBrk="0" hangingPunct="1">
+              <a:lnSpc>
+                <a:spcPct val="90000"/>
+              </a:lnSpc>
+              <a:spcBef>
+                <a:spcPts val="500"/>
+              </a:spcBef>
+              <a:buFont typeface="Arial" panose="020B0604020202020204" pitchFamily="34" charset="0"/>
+              <a:buNone/>
+              <a:defRPr sz="1600" kern="1200">
+                <a:solidFill>
+                  <a:schemeClr val="tx1"/>
+                </a:solidFill>
+                <a:latin typeface="+mn-lt"/>
+                <a:ea typeface="+mn-ea"/>
+                <a:cs typeface="+mn-cs"/>
+              </a:defRPr>
+            </a:lvl9pPr>
+          </a:lstStyle>
+          <a:p>
+            <a:pPr algn="l"/>
+            <a:endParaRPr lang="en-GB" dirty="0"/>
+          </a:p>
+          <a:p>
+            <a:pPr algn="l"/>
+            <a:endParaRPr lang="en-GB" dirty="0"/>
+          </a:p>
+          <a:p>
+            <a:pPr algn="l"/>
+            <a:endParaRPr lang="en-GB" dirty="0"/>
+          </a:p>
+          <a:p>
+            <a:pPr algn="l"/>
+            <a:endParaRPr lang="en-GB" dirty="0"/>
+          </a:p>
+          <a:p>
+            <a:pPr algn="l"/>
+            <a:endParaRPr lang="en-GB" dirty="0"/>
+          </a:p>
+          <a:p>
+            <a:pPr algn="l"/>
+            <a:endParaRPr lang="en-GB" dirty="0"/>
+          </a:p>
+        </p:txBody>
+      </p:sp>
+      <p:sp>
+        <p:nvSpPr>
+          <p:cNvPr id="5" name="TextBox 4">
+            <a:extLst>
+              <a:ext uri="{FF2B5EF4-FFF2-40B4-BE49-F238E27FC236}">
+                <a16:creationId xmlns:a16="http://schemas.microsoft.com/office/drawing/2014/main" id="{0D76719E-E8B7-4A2F-98E5-B7A5D50E91AB}"/>
+              </a:ext>
+            </a:extLst>
+          </p:cNvPr>
+          <p:cNvSpPr txBox="1"/>
+          <p:nvPr/>
+        </p:nvSpPr>
+        <p:spPr>
+          <a:xfrm>
+            <a:off x="1566809" y="1345915"/>
+            <a:ext cx="8152544" cy="3077766"/>
+          </a:xfrm>
+          <a:prstGeom prst="rect">
+            <a:avLst/>
+          </a:prstGeom>
+          <a:noFill/>
+        </p:spPr>
+        <p:txBody>
+          <a:bodyPr wrap="square" rtlCol="0">
+            <a:spAutoFit/>
+          </a:bodyPr>
+          <a:lstStyle/>
+          <a:p>
+            <a:pPr marL="457200" indent="-457200">
+              <a:buFont typeface="+mj-lt"/>
+              <a:buAutoNum type="arabicPeriod"/>
+            </a:pPr>
+            <a:r>
+              <a:rPr lang="en-GB" sz="2000" dirty="0"/>
+              <a:t>Conclude PBI Streaming ( Fiddler &amp; </a:t>
+            </a:r>
+            <a:r>
+              <a:rPr lang="en-GB" sz="2000" dirty="0" err="1"/>
+              <a:t>PubNub</a:t>
+            </a:r>
+            <a:r>
+              <a:rPr lang="en-GB" sz="2000" dirty="0"/>
+              <a:t>)</a:t>
+            </a:r>
+          </a:p>
+          <a:p>
+            <a:pPr marL="457200" indent="-457200">
+              <a:buFont typeface="+mj-lt"/>
+              <a:buAutoNum type="arabicPeriod"/>
+            </a:pPr>
+            <a:r>
+              <a:rPr lang="en-GB" sz="2000" dirty="0"/>
+              <a:t>Review Homework with RANKX</a:t>
+            </a:r>
+          </a:p>
+          <a:p>
+            <a:pPr marL="457200" indent="-457200">
+              <a:buFont typeface="+mj-lt"/>
+              <a:buAutoNum type="arabicPeriod"/>
+            </a:pPr>
+            <a:r>
+              <a:rPr lang="en-GB" sz="2000" dirty="0"/>
+              <a:t>PBI AAD B2B</a:t>
+            </a:r>
+          </a:p>
+          <a:p>
+            <a:pPr marL="457200" indent="-457200">
+              <a:buFont typeface="+mj-lt"/>
+              <a:buAutoNum type="arabicPeriod"/>
+            </a:pPr>
+            <a:r>
+              <a:rPr lang="en-GB" sz="2000" dirty="0"/>
+              <a:t>Power BI Gateways</a:t>
+            </a:r>
+          </a:p>
+          <a:p>
+            <a:pPr marL="457200" indent="-457200">
+              <a:buFont typeface="+mj-lt"/>
+              <a:buAutoNum type="arabicPeriod"/>
+            </a:pPr>
+            <a:r>
+              <a:rPr lang="en-GB" sz="2000" dirty="0"/>
+              <a:t>Scheduled Refresh</a:t>
+            </a:r>
+          </a:p>
+          <a:p>
+            <a:pPr marL="457200" indent="-457200">
+              <a:buFont typeface="+mj-lt"/>
+              <a:buAutoNum type="arabicPeriod"/>
+            </a:pPr>
+            <a:r>
+              <a:rPr lang="en-GB" sz="2000" dirty="0"/>
+              <a:t>Row Level Security</a:t>
+            </a:r>
+          </a:p>
+          <a:p>
+            <a:pPr marL="457200" indent="-457200">
+              <a:buFont typeface="+mj-lt"/>
+              <a:buAutoNum type="arabicPeriod"/>
+            </a:pPr>
+            <a:r>
+              <a:rPr lang="en-GB" sz="2000" dirty="0"/>
+              <a:t>Demos</a:t>
+            </a:r>
+          </a:p>
+          <a:p>
+            <a:endParaRPr lang="en-GB" dirty="0"/>
+          </a:p>
+          <a:p>
+            <a:endParaRPr lang="en-GB" dirty="0"/>
+          </a:p>
+          <a:p>
+            <a:endParaRPr lang="en-GB" dirty="0"/>
+          </a:p>
+        </p:txBody>
+      </p:sp>
+    </p:spTree>
+    <p:extLst>
+      <p:ext uri="{BB962C8B-B14F-4D97-AF65-F5344CB8AC3E}">
+        <p14:creationId xmlns:p14="http://schemas.microsoft.com/office/powerpoint/2010/main" val="1200484331"/>
+      </p:ext>
+    </p:extLst>
+  </p:cSld>
+  <p:clrMapOvr>
+    <a:masterClrMapping/>
+  </p:clrMapOvr>
+</p:sld>
+</file>
+
+<file path=ppt/slides/slide22.xml><?xml version="1.0" encoding="utf-8"?>
+<p:sld xmlns:a="http://schemas.openxmlformats.org/drawingml/2006/main" xmlns:r="http://schemas.openxmlformats.org/officeDocument/2006/relationships" xmlns:p="http://schemas.openxmlformats.org/presentationml/2006/main">
+  <p:cSld>
+    <p:spTree>
+      <p:nvGrpSpPr>
+        <p:cNvPr id="1" name=""/>
+        <p:cNvGrpSpPr/>
+        <p:nvPr/>
+      </p:nvGrpSpPr>
+      <p:grpSpPr>
+        <a:xfrm>
+          <a:off x="0" y="0"/>
+          <a:ext cx="0" cy="0"/>
+          <a:chOff x="0" y="0"/>
+          <a:chExt cx="0" cy="0"/>
+        </a:xfrm>
+      </p:grpSpPr>
+      <p:sp>
+        <p:nvSpPr>
+          <p:cNvPr id="2" name="Title 1">
+            <a:extLst>
+              <a:ext uri="{FF2B5EF4-FFF2-40B4-BE49-F238E27FC236}">
+                <a16:creationId xmlns:a16="http://schemas.microsoft.com/office/drawing/2014/main" id="{4F5FFE88-7B14-4763-806D-A2BFC137C899}"/>
+              </a:ext>
+            </a:extLst>
+          </p:cNvPr>
+          <p:cNvSpPr>
+            <a:spLocks noGrp="1"/>
+          </p:cNvSpPr>
+          <p:nvPr>
+            <p:ph type="ctrTitle"/>
+          </p:nvPr>
+        </p:nvSpPr>
+        <p:spPr>
+          <a:xfrm>
+            <a:off x="1428750" y="252414"/>
+            <a:ext cx="9144000" cy="656850"/>
+          </a:xfrm>
+        </p:spPr>
+        <p:txBody>
+          <a:bodyPr>
+            <a:normAutofit fontScale="90000"/>
+          </a:bodyPr>
+          <a:lstStyle/>
+          <a:p>
+            <a:r>
+              <a:rPr lang="en-GB" dirty="0"/>
+              <a:t>Power BI Real time datasets: Streaming</a:t>
+            </a:r>
+          </a:p>
+        </p:txBody>
+      </p:sp>
+      <p:sp>
+        <p:nvSpPr>
+          <p:cNvPr id="3" name="Subtitle 2">
+            <a:extLst>
+              <a:ext uri="{FF2B5EF4-FFF2-40B4-BE49-F238E27FC236}">
+                <a16:creationId xmlns:a16="http://schemas.microsoft.com/office/drawing/2014/main" id="{EA597543-2A3A-4FD5-9DA6-D09EB6B64855}"/>
+              </a:ext>
+            </a:extLst>
+          </p:cNvPr>
+          <p:cNvSpPr>
+            <a:spLocks noGrp="1"/>
+          </p:cNvSpPr>
+          <p:nvPr>
+            <p:ph type="subTitle" idx="1"/>
+          </p:nvPr>
+        </p:nvSpPr>
+        <p:spPr>
+          <a:xfrm>
+            <a:off x="1524000" y="1063671"/>
+            <a:ext cx="9144000" cy="4435867"/>
+          </a:xfrm>
+        </p:spPr>
+        <p:txBody>
+          <a:bodyPr>
+            <a:normAutofit/>
+          </a:bodyPr>
+          <a:lstStyle/>
+          <a:p>
+            <a:pPr algn="l"/>
             <a:r>
               <a:rPr lang="en-GB" dirty="0"/>
               <a:t>See slides  15-27</a:t>
@@ -10074,6 +11492,1451 @@
     <p:extLst>
       <p:ext uri="{BB962C8B-B14F-4D97-AF65-F5344CB8AC3E}">
         <p14:creationId xmlns:p14="http://schemas.microsoft.com/office/powerpoint/2010/main" val="2041026376"/>
+      </p:ext>
+    </p:extLst>
+  </p:cSld>
+  <p:clrMapOvr>
+    <a:masterClrMapping/>
+  </p:clrMapOvr>
+</p:sld>
+</file>
+
+<file path=ppt/slides/slide23.xml><?xml version="1.0" encoding="utf-8"?>
+<p:sld xmlns:a="http://schemas.openxmlformats.org/drawingml/2006/main" xmlns:r="http://schemas.openxmlformats.org/officeDocument/2006/relationships" xmlns:p="http://schemas.openxmlformats.org/presentationml/2006/main">
+  <p:cSld>
+    <p:spTree>
+      <p:nvGrpSpPr>
+        <p:cNvPr id="1" name=""/>
+        <p:cNvGrpSpPr/>
+        <p:nvPr/>
+      </p:nvGrpSpPr>
+      <p:grpSpPr>
+        <a:xfrm>
+          <a:off x="0" y="0"/>
+          <a:ext cx="0" cy="0"/>
+          <a:chOff x="0" y="0"/>
+          <a:chExt cx="0" cy="0"/>
+        </a:xfrm>
+      </p:grpSpPr>
+      <p:sp>
+        <p:nvSpPr>
+          <p:cNvPr id="2" name="Title 1">
+            <a:extLst>
+              <a:ext uri="{FF2B5EF4-FFF2-40B4-BE49-F238E27FC236}">
+                <a16:creationId xmlns:a16="http://schemas.microsoft.com/office/drawing/2014/main" id="{4F5FFE88-7B14-4763-806D-A2BFC137C899}"/>
+              </a:ext>
+            </a:extLst>
+          </p:cNvPr>
+          <p:cNvSpPr>
+            <a:spLocks noGrp="1"/>
+          </p:cNvSpPr>
+          <p:nvPr>
+            <p:ph type="ctrTitle"/>
+          </p:nvPr>
+        </p:nvSpPr>
+        <p:spPr>
+          <a:xfrm>
+            <a:off x="1428750" y="252414"/>
+            <a:ext cx="9144000" cy="656850"/>
+          </a:xfrm>
+        </p:spPr>
+        <p:txBody>
+          <a:bodyPr>
+            <a:normAutofit fontScale="90000"/>
+          </a:bodyPr>
+          <a:lstStyle/>
+          <a:p>
+            <a:r>
+              <a:rPr lang="en-GB" dirty="0"/>
+              <a:t>Power BI Dax Homework</a:t>
+            </a:r>
+          </a:p>
+        </p:txBody>
+      </p:sp>
+      <p:sp>
+        <p:nvSpPr>
+          <p:cNvPr id="3" name="Subtitle 2">
+            <a:extLst>
+              <a:ext uri="{FF2B5EF4-FFF2-40B4-BE49-F238E27FC236}">
+                <a16:creationId xmlns:a16="http://schemas.microsoft.com/office/drawing/2014/main" id="{EA597543-2A3A-4FD5-9DA6-D09EB6B64855}"/>
+              </a:ext>
+            </a:extLst>
+          </p:cNvPr>
+          <p:cNvSpPr>
+            <a:spLocks noGrp="1"/>
+          </p:cNvSpPr>
+          <p:nvPr>
+            <p:ph type="subTitle" idx="1"/>
+          </p:nvPr>
+        </p:nvSpPr>
+        <p:spPr>
+          <a:xfrm>
+            <a:off x="1524000" y="1063671"/>
+            <a:ext cx="9144000" cy="4435867"/>
+          </a:xfrm>
+        </p:spPr>
+        <p:txBody>
+          <a:bodyPr>
+            <a:normAutofit fontScale="85000" lnSpcReduction="20000"/>
+          </a:bodyPr>
+          <a:lstStyle/>
+          <a:p>
+            <a:pPr algn="l"/>
+            <a:r>
+              <a:rPr lang="en-GB" dirty="0"/>
+              <a:t>Ultimate Beginners 18 lessons 2 hours : Enterprise DNA training</a:t>
+            </a:r>
+          </a:p>
+          <a:p>
+            <a:pPr algn="l"/>
+            <a:r>
+              <a:rPr lang="en-GB" dirty="0"/>
+              <a:t>1: Evaluation context (1.8)</a:t>
+            </a:r>
+          </a:p>
+          <a:p>
+            <a:pPr algn="l"/>
+            <a:r>
+              <a:rPr lang="en-GB" dirty="0"/>
+              <a:t>2: Filter or Row depending on DAX</a:t>
+            </a:r>
+          </a:p>
+          <a:p>
+            <a:pPr algn="l"/>
+            <a:r>
+              <a:rPr lang="en-GB" dirty="0"/>
+              <a:t>Filter context (1.9)</a:t>
+            </a:r>
+          </a:p>
+          <a:p>
+            <a:pPr algn="l"/>
+            <a:r>
+              <a:rPr lang="en-GB" dirty="0"/>
+              <a:t>Row context (watch 1.10)</a:t>
+            </a:r>
+          </a:p>
+          <a:p>
+            <a:pPr algn="l"/>
+            <a:r>
+              <a:rPr lang="en-GB" dirty="0"/>
+              <a:t>30 rolling days re Oliver question see 1.11</a:t>
+            </a:r>
+          </a:p>
+          <a:p>
+            <a:pPr algn="l"/>
+            <a:endParaRPr lang="en-GB" dirty="0"/>
+          </a:p>
+          <a:p>
+            <a:pPr algn="l"/>
+            <a:r>
+              <a:rPr lang="en-GB" dirty="0"/>
+              <a:t>Video 1.18 DAX RANKX did you get it ? Next slide</a:t>
+            </a:r>
+          </a:p>
+          <a:p>
+            <a:pPr algn="l"/>
+            <a:endParaRPr lang="en-GB" dirty="0"/>
+          </a:p>
+          <a:p>
+            <a:pPr algn="l"/>
+            <a:endParaRPr lang="en-GB" dirty="0"/>
+          </a:p>
+          <a:p>
+            <a:pPr algn="l"/>
+            <a:r>
+              <a:rPr lang="en-GB" dirty="0"/>
+              <a:t>Check this resource for DAX</a:t>
+            </a:r>
+          </a:p>
+          <a:p>
+            <a:pPr algn="l"/>
+            <a:r>
+              <a:rPr lang="en-GB" dirty="0"/>
+              <a:t>https://www.powerpivotpro.com/wp-content/uploads/2015/10/PowerPivotPro-Reference-Card.pdf</a:t>
+            </a:r>
+          </a:p>
+          <a:p>
+            <a:pPr algn="l"/>
+            <a:endParaRPr lang="en-GB" dirty="0"/>
+          </a:p>
+          <a:p>
+            <a:pPr algn="l"/>
+            <a:endParaRPr lang="en-GB" dirty="0"/>
+          </a:p>
+          <a:p>
+            <a:pPr algn="l"/>
+            <a:endParaRPr lang="en-GB" dirty="0"/>
+          </a:p>
+        </p:txBody>
+      </p:sp>
+    </p:spTree>
+    <p:extLst>
+      <p:ext uri="{BB962C8B-B14F-4D97-AF65-F5344CB8AC3E}">
+        <p14:creationId xmlns:p14="http://schemas.microsoft.com/office/powerpoint/2010/main" val="2760458424"/>
+      </p:ext>
+    </p:extLst>
+  </p:cSld>
+  <p:clrMapOvr>
+    <a:masterClrMapping/>
+  </p:clrMapOvr>
+</p:sld>
+</file>
+
+<file path=ppt/slides/slide24.xml><?xml version="1.0" encoding="utf-8"?>
+<p:sld xmlns:a="http://schemas.openxmlformats.org/drawingml/2006/main" xmlns:r="http://schemas.openxmlformats.org/officeDocument/2006/relationships" xmlns:p="http://schemas.openxmlformats.org/presentationml/2006/main">
+  <p:cSld>
+    <p:spTree>
+      <p:nvGrpSpPr>
+        <p:cNvPr id="1" name=""/>
+        <p:cNvGrpSpPr/>
+        <p:nvPr/>
+      </p:nvGrpSpPr>
+      <p:grpSpPr>
+        <a:xfrm>
+          <a:off x="0" y="0"/>
+          <a:ext cx="0" cy="0"/>
+          <a:chOff x="0" y="0"/>
+          <a:chExt cx="0" cy="0"/>
+        </a:xfrm>
+      </p:grpSpPr>
+      <p:sp>
+        <p:nvSpPr>
+          <p:cNvPr id="2" name="Title 1">
+            <a:extLst>
+              <a:ext uri="{FF2B5EF4-FFF2-40B4-BE49-F238E27FC236}">
+                <a16:creationId xmlns:a16="http://schemas.microsoft.com/office/drawing/2014/main" id="{4F5FFE88-7B14-4763-806D-A2BFC137C899}"/>
+              </a:ext>
+            </a:extLst>
+          </p:cNvPr>
+          <p:cNvSpPr>
+            <a:spLocks noGrp="1"/>
+          </p:cNvSpPr>
+          <p:nvPr>
+            <p:ph type="ctrTitle"/>
+          </p:nvPr>
+        </p:nvSpPr>
+        <p:spPr>
+          <a:xfrm>
+            <a:off x="1428750" y="252414"/>
+            <a:ext cx="9144000" cy="656850"/>
+          </a:xfrm>
+        </p:spPr>
+        <p:txBody>
+          <a:bodyPr>
+            <a:normAutofit fontScale="90000"/>
+          </a:bodyPr>
+          <a:lstStyle/>
+          <a:p>
+            <a:r>
+              <a:rPr lang="en-GB" dirty="0"/>
+              <a:t>Power BI DAX RANKX</a:t>
+            </a:r>
+          </a:p>
+        </p:txBody>
+      </p:sp>
+      <p:sp>
+        <p:nvSpPr>
+          <p:cNvPr id="3" name="Subtitle 2">
+            <a:extLst>
+              <a:ext uri="{FF2B5EF4-FFF2-40B4-BE49-F238E27FC236}">
+                <a16:creationId xmlns:a16="http://schemas.microsoft.com/office/drawing/2014/main" id="{EA597543-2A3A-4FD5-9DA6-D09EB6B64855}"/>
+              </a:ext>
+            </a:extLst>
+          </p:cNvPr>
+          <p:cNvSpPr>
+            <a:spLocks noGrp="1"/>
+          </p:cNvSpPr>
+          <p:nvPr>
+            <p:ph type="subTitle" idx="1"/>
+          </p:nvPr>
+        </p:nvSpPr>
+        <p:spPr>
+          <a:xfrm>
+            <a:off x="1559960" y="2635321"/>
+            <a:ext cx="9144000" cy="3506351"/>
+          </a:xfrm>
+        </p:spPr>
+        <p:txBody>
+          <a:bodyPr>
+            <a:normAutofit fontScale="92500" lnSpcReduction="20000"/>
+          </a:bodyPr>
+          <a:lstStyle/>
+          <a:p>
+            <a:pPr algn="l"/>
+            <a:r>
+              <a:rPr lang="en-GB" dirty="0"/>
+              <a:t>Customer Group Profits =</a:t>
+            </a:r>
+          </a:p>
+          <a:p>
+            <a:pPr algn="l"/>
+            <a:r>
+              <a:rPr lang="en-GB" dirty="0"/>
+              <a:t>CALCULATE( [Total Profits],</a:t>
+            </a:r>
+          </a:p>
+          <a:p>
+            <a:pPr algn="l"/>
+            <a:r>
+              <a:rPr lang="en-GB" dirty="0"/>
+              <a:t>FILTER( VALUES( Customers[Customer Name] ),</a:t>
+            </a:r>
+          </a:p>
+          <a:p>
+            <a:pPr algn="l"/>
+            <a:r>
+              <a:rPr lang="en-GB" dirty="0"/>
+              <a:t>COUNTROWS(</a:t>
+            </a:r>
+          </a:p>
+          <a:p>
+            <a:pPr algn="l"/>
+            <a:r>
+              <a:rPr lang="en-GB" dirty="0"/>
+              <a:t>	FILTER( 'Customer Groups’,</a:t>
+            </a:r>
+          </a:p>
+          <a:p>
+            <a:pPr algn="l"/>
+            <a:r>
+              <a:rPr lang="en-GB" dirty="0"/>
+              <a:t>	RANKX( ALL( Customers[Customer Name] ), [Total Profits],, DESC ) &gt; 'Customer Groups'[Min]</a:t>
+            </a:r>
+          </a:p>
+          <a:p>
+            <a:pPr algn="l"/>
+            <a:r>
+              <a:rPr lang="en-GB" dirty="0"/>
+              <a:t>	&amp;&amp; RANKX( ALL( Customers[Customer Name] ), [Total Profits],, DESC ) &lt;= 'Customer Groups'[Max] ) )</a:t>
+            </a:r>
+          </a:p>
+          <a:p>
+            <a:pPr algn="l"/>
+            <a:r>
+              <a:rPr lang="en-GB" dirty="0"/>
+              <a:t>&gt; 0 ) )</a:t>
+            </a:r>
+          </a:p>
+          <a:p>
+            <a:pPr algn="l"/>
+            <a:endParaRPr lang="en-GB" sz="1600" dirty="0"/>
+          </a:p>
+          <a:p>
+            <a:pPr algn="l"/>
+            <a:endParaRPr lang="en-GB" dirty="0"/>
+          </a:p>
+        </p:txBody>
+      </p:sp>
+      <p:sp>
+        <p:nvSpPr>
+          <p:cNvPr id="4" name="Subtitle 2">
+            <a:extLst>
+              <a:ext uri="{FF2B5EF4-FFF2-40B4-BE49-F238E27FC236}">
+                <a16:creationId xmlns:a16="http://schemas.microsoft.com/office/drawing/2014/main" id="{0EF62DD6-25EE-491D-8957-EB6046F9F8D1}"/>
+              </a:ext>
+            </a:extLst>
+          </p:cNvPr>
+          <p:cNvSpPr txBox="1">
+            <a:spLocks/>
+          </p:cNvSpPr>
+          <p:nvPr/>
+        </p:nvSpPr>
+        <p:spPr>
+          <a:xfrm>
+            <a:off x="1524000" y="909264"/>
+            <a:ext cx="9972782" cy="1141847"/>
+          </a:xfrm>
+          <a:prstGeom prst="rect">
+            <a:avLst/>
+          </a:prstGeom>
+        </p:spPr>
+        <p:txBody>
+          <a:bodyPr vert="horz" lIns="91440" tIns="45720" rIns="91440" bIns="45720" rtlCol="0">
+            <a:normAutofit/>
+          </a:bodyPr>
+          <a:lstStyle>
+            <a:lvl1pPr marL="0" indent="0" algn="ctr" defTabSz="914400" rtl="0" eaLnBrk="1" latinLnBrk="0" hangingPunct="1">
+              <a:lnSpc>
+                <a:spcPct val="90000"/>
+              </a:lnSpc>
+              <a:spcBef>
+                <a:spcPts val="1000"/>
+              </a:spcBef>
+              <a:buFont typeface="Arial" panose="020B0604020202020204" pitchFamily="34" charset="0"/>
+              <a:buNone/>
+              <a:defRPr sz="2400" kern="1200">
+                <a:solidFill>
+                  <a:schemeClr val="tx1"/>
+                </a:solidFill>
+                <a:latin typeface="+mn-lt"/>
+                <a:ea typeface="+mn-ea"/>
+                <a:cs typeface="+mn-cs"/>
+              </a:defRPr>
+            </a:lvl1pPr>
+            <a:lvl2pPr marL="457200" indent="0" algn="ctr" defTabSz="914400" rtl="0" eaLnBrk="1" latinLnBrk="0" hangingPunct="1">
+              <a:lnSpc>
+                <a:spcPct val="90000"/>
+              </a:lnSpc>
+              <a:spcBef>
+                <a:spcPts val="500"/>
+              </a:spcBef>
+              <a:buFont typeface="Arial" panose="020B0604020202020204" pitchFamily="34" charset="0"/>
+              <a:buNone/>
+              <a:defRPr sz="2000" kern="1200">
+                <a:solidFill>
+                  <a:schemeClr val="tx1"/>
+                </a:solidFill>
+                <a:latin typeface="+mn-lt"/>
+                <a:ea typeface="+mn-ea"/>
+                <a:cs typeface="+mn-cs"/>
+              </a:defRPr>
+            </a:lvl2pPr>
+            <a:lvl3pPr marL="914400" indent="0" algn="ctr" defTabSz="914400" rtl="0" eaLnBrk="1" latinLnBrk="0" hangingPunct="1">
+              <a:lnSpc>
+                <a:spcPct val="90000"/>
+              </a:lnSpc>
+              <a:spcBef>
+                <a:spcPts val="500"/>
+              </a:spcBef>
+              <a:buFont typeface="Arial" panose="020B0604020202020204" pitchFamily="34" charset="0"/>
+              <a:buNone/>
+              <a:defRPr sz="1800" kern="1200">
+                <a:solidFill>
+                  <a:schemeClr val="tx1"/>
+                </a:solidFill>
+                <a:latin typeface="+mn-lt"/>
+                <a:ea typeface="+mn-ea"/>
+                <a:cs typeface="+mn-cs"/>
+              </a:defRPr>
+            </a:lvl3pPr>
+            <a:lvl4pPr marL="1371600" indent="0" algn="ctr" defTabSz="914400" rtl="0" eaLnBrk="1" latinLnBrk="0" hangingPunct="1">
+              <a:lnSpc>
+                <a:spcPct val="90000"/>
+              </a:lnSpc>
+              <a:spcBef>
+                <a:spcPts val="500"/>
+              </a:spcBef>
+              <a:buFont typeface="Arial" panose="020B0604020202020204" pitchFamily="34" charset="0"/>
+              <a:buNone/>
+              <a:defRPr sz="1600" kern="1200">
+                <a:solidFill>
+                  <a:schemeClr val="tx1"/>
+                </a:solidFill>
+                <a:latin typeface="+mn-lt"/>
+                <a:ea typeface="+mn-ea"/>
+                <a:cs typeface="+mn-cs"/>
+              </a:defRPr>
+            </a:lvl4pPr>
+            <a:lvl5pPr marL="1828800" indent="0" algn="ctr" defTabSz="914400" rtl="0" eaLnBrk="1" latinLnBrk="0" hangingPunct="1">
+              <a:lnSpc>
+                <a:spcPct val="90000"/>
+              </a:lnSpc>
+              <a:spcBef>
+                <a:spcPts val="500"/>
+              </a:spcBef>
+              <a:buFont typeface="Arial" panose="020B0604020202020204" pitchFamily="34" charset="0"/>
+              <a:buNone/>
+              <a:defRPr sz="1600" kern="1200">
+                <a:solidFill>
+                  <a:schemeClr val="tx1"/>
+                </a:solidFill>
+                <a:latin typeface="+mn-lt"/>
+                <a:ea typeface="+mn-ea"/>
+                <a:cs typeface="+mn-cs"/>
+              </a:defRPr>
+            </a:lvl5pPr>
+            <a:lvl6pPr marL="2286000" indent="0" algn="ctr" defTabSz="914400" rtl="0" eaLnBrk="1" latinLnBrk="0" hangingPunct="1">
+              <a:lnSpc>
+                <a:spcPct val="90000"/>
+              </a:lnSpc>
+              <a:spcBef>
+                <a:spcPts val="500"/>
+              </a:spcBef>
+              <a:buFont typeface="Arial" panose="020B0604020202020204" pitchFamily="34" charset="0"/>
+              <a:buNone/>
+              <a:defRPr sz="1600" kern="1200">
+                <a:solidFill>
+                  <a:schemeClr val="tx1"/>
+                </a:solidFill>
+                <a:latin typeface="+mn-lt"/>
+                <a:ea typeface="+mn-ea"/>
+                <a:cs typeface="+mn-cs"/>
+              </a:defRPr>
+            </a:lvl6pPr>
+            <a:lvl7pPr marL="2743200" indent="0" algn="ctr" defTabSz="914400" rtl="0" eaLnBrk="1" latinLnBrk="0" hangingPunct="1">
+              <a:lnSpc>
+                <a:spcPct val="90000"/>
+              </a:lnSpc>
+              <a:spcBef>
+                <a:spcPts val="500"/>
+              </a:spcBef>
+              <a:buFont typeface="Arial" panose="020B0604020202020204" pitchFamily="34" charset="0"/>
+              <a:buNone/>
+              <a:defRPr sz="1600" kern="1200">
+                <a:solidFill>
+                  <a:schemeClr val="tx1"/>
+                </a:solidFill>
+                <a:latin typeface="+mn-lt"/>
+                <a:ea typeface="+mn-ea"/>
+                <a:cs typeface="+mn-cs"/>
+              </a:defRPr>
+            </a:lvl7pPr>
+            <a:lvl8pPr marL="3200400" indent="0" algn="ctr" defTabSz="914400" rtl="0" eaLnBrk="1" latinLnBrk="0" hangingPunct="1">
+              <a:lnSpc>
+                <a:spcPct val="90000"/>
+              </a:lnSpc>
+              <a:spcBef>
+                <a:spcPts val="500"/>
+              </a:spcBef>
+              <a:buFont typeface="Arial" panose="020B0604020202020204" pitchFamily="34" charset="0"/>
+              <a:buNone/>
+              <a:defRPr sz="1600" kern="1200">
+                <a:solidFill>
+                  <a:schemeClr val="tx1"/>
+                </a:solidFill>
+                <a:latin typeface="+mn-lt"/>
+                <a:ea typeface="+mn-ea"/>
+                <a:cs typeface="+mn-cs"/>
+              </a:defRPr>
+            </a:lvl8pPr>
+            <a:lvl9pPr marL="3657600" indent="0" algn="ctr" defTabSz="914400" rtl="0" eaLnBrk="1" latinLnBrk="0" hangingPunct="1">
+              <a:lnSpc>
+                <a:spcPct val="90000"/>
+              </a:lnSpc>
+              <a:spcBef>
+                <a:spcPts val="500"/>
+              </a:spcBef>
+              <a:buFont typeface="Arial" panose="020B0604020202020204" pitchFamily="34" charset="0"/>
+              <a:buNone/>
+              <a:defRPr sz="1600" kern="1200">
+                <a:solidFill>
+                  <a:schemeClr val="tx1"/>
+                </a:solidFill>
+                <a:latin typeface="+mn-lt"/>
+                <a:ea typeface="+mn-ea"/>
+                <a:cs typeface="+mn-cs"/>
+              </a:defRPr>
+            </a:lvl9pPr>
+          </a:lstStyle>
+          <a:p>
+            <a:pPr algn="l"/>
+            <a:r>
+              <a:rPr lang="en-GB" dirty="0"/>
+              <a:t>Dynamic Top 10 dynamically by product.</a:t>
+            </a:r>
+          </a:p>
+          <a:p>
+            <a:pPr algn="l"/>
+            <a:r>
+              <a:rPr lang="en-GB" dirty="0"/>
+              <a:t>Learn RANKX https://www.youtube.com/watch?v=HJdVfYkfhmE</a:t>
+            </a:r>
+          </a:p>
+          <a:p>
+            <a:pPr algn="l"/>
+            <a:endParaRPr lang="en-GB" dirty="0"/>
+          </a:p>
+        </p:txBody>
+      </p:sp>
+    </p:spTree>
+    <p:extLst>
+      <p:ext uri="{BB962C8B-B14F-4D97-AF65-F5344CB8AC3E}">
+        <p14:creationId xmlns:p14="http://schemas.microsoft.com/office/powerpoint/2010/main" val="813403440"/>
+      </p:ext>
+    </p:extLst>
+  </p:cSld>
+  <p:clrMapOvr>
+    <a:masterClrMapping/>
+  </p:clrMapOvr>
+</p:sld>
+</file>
+
+<file path=ppt/slides/slide25.xml><?xml version="1.0" encoding="utf-8"?>
+<p:sld xmlns:a="http://schemas.openxmlformats.org/drawingml/2006/main" xmlns:r="http://schemas.openxmlformats.org/officeDocument/2006/relationships" xmlns:p="http://schemas.openxmlformats.org/presentationml/2006/main">
+  <p:cSld>
+    <p:spTree>
+      <p:nvGrpSpPr>
+        <p:cNvPr id="1" name=""/>
+        <p:cNvGrpSpPr/>
+        <p:nvPr/>
+      </p:nvGrpSpPr>
+      <p:grpSpPr>
+        <a:xfrm>
+          <a:off x="0" y="0"/>
+          <a:ext cx="0" cy="0"/>
+          <a:chOff x="0" y="0"/>
+          <a:chExt cx="0" cy="0"/>
+        </a:xfrm>
+      </p:grpSpPr>
+      <p:sp>
+        <p:nvSpPr>
+          <p:cNvPr id="2" name="Title 1">
+            <a:extLst>
+              <a:ext uri="{FF2B5EF4-FFF2-40B4-BE49-F238E27FC236}">
+                <a16:creationId xmlns:a16="http://schemas.microsoft.com/office/drawing/2014/main" id="{4F5FFE88-7B14-4763-806D-A2BFC137C899}"/>
+              </a:ext>
+            </a:extLst>
+          </p:cNvPr>
+          <p:cNvSpPr>
+            <a:spLocks noGrp="1"/>
+          </p:cNvSpPr>
+          <p:nvPr>
+            <p:ph type="ctrTitle"/>
+          </p:nvPr>
+        </p:nvSpPr>
+        <p:spPr>
+          <a:xfrm>
+            <a:off x="1428750" y="252414"/>
+            <a:ext cx="9144000" cy="656850"/>
+          </a:xfrm>
+        </p:spPr>
+        <p:txBody>
+          <a:bodyPr>
+            <a:normAutofit fontScale="90000"/>
+          </a:bodyPr>
+          <a:lstStyle/>
+          <a:p>
+            <a:r>
+              <a:rPr lang="en-GB" dirty="0"/>
+              <a:t>Power BI AAD B2B</a:t>
+            </a:r>
+          </a:p>
+        </p:txBody>
+      </p:sp>
+      <p:sp>
+        <p:nvSpPr>
+          <p:cNvPr id="3" name="Subtitle 2">
+            <a:extLst>
+              <a:ext uri="{FF2B5EF4-FFF2-40B4-BE49-F238E27FC236}">
+                <a16:creationId xmlns:a16="http://schemas.microsoft.com/office/drawing/2014/main" id="{EA597543-2A3A-4FD5-9DA6-D09EB6B64855}"/>
+              </a:ext>
+            </a:extLst>
+          </p:cNvPr>
+          <p:cNvSpPr>
+            <a:spLocks noGrp="1"/>
+          </p:cNvSpPr>
+          <p:nvPr>
+            <p:ph type="subTitle" idx="1"/>
+          </p:nvPr>
+        </p:nvSpPr>
+        <p:spPr>
+          <a:xfrm>
+            <a:off x="1524000" y="1063671"/>
+            <a:ext cx="9144000" cy="4435867"/>
+          </a:xfrm>
+        </p:spPr>
+        <p:txBody>
+          <a:bodyPr>
+            <a:normAutofit/>
+          </a:bodyPr>
+          <a:lstStyle/>
+          <a:p>
+            <a:pPr algn="l"/>
+            <a:endParaRPr lang="en-GB" dirty="0"/>
+          </a:p>
+          <a:p>
+            <a:pPr algn="l"/>
+            <a:endParaRPr lang="en-GB" dirty="0"/>
+          </a:p>
+          <a:p>
+            <a:pPr algn="l"/>
+            <a:endParaRPr lang="en-GB" dirty="0"/>
+          </a:p>
+        </p:txBody>
+      </p:sp>
+      <p:sp>
+        <p:nvSpPr>
+          <p:cNvPr id="4" name="Subtitle 2">
+            <a:extLst>
+              <a:ext uri="{FF2B5EF4-FFF2-40B4-BE49-F238E27FC236}">
+                <a16:creationId xmlns:a16="http://schemas.microsoft.com/office/drawing/2014/main" id="{0EF62DD6-25EE-491D-8957-EB6046F9F8D1}"/>
+              </a:ext>
+            </a:extLst>
+          </p:cNvPr>
+          <p:cNvSpPr txBox="1">
+            <a:spLocks/>
+          </p:cNvSpPr>
+          <p:nvPr/>
+        </p:nvSpPr>
+        <p:spPr>
+          <a:xfrm>
+            <a:off x="1676400" y="1216071"/>
+            <a:ext cx="9144000" cy="4435867"/>
+          </a:xfrm>
+          <a:prstGeom prst="rect">
+            <a:avLst/>
+          </a:prstGeom>
+        </p:spPr>
+        <p:txBody>
+          <a:bodyPr vert="horz" lIns="91440" tIns="45720" rIns="91440" bIns="45720" rtlCol="0">
+            <a:normAutofit/>
+          </a:bodyPr>
+          <a:lstStyle>
+            <a:lvl1pPr marL="0" indent="0" algn="ctr" defTabSz="914400" rtl="0" eaLnBrk="1" latinLnBrk="0" hangingPunct="1">
+              <a:lnSpc>
+                <a:spcPct val="90000"/>
+              </a:lnSpc>
+              <a:spcBef>
+                <a:spcPts val="1000"/>
+              </a:spcBef>
+              <a:buFont typeface="Arial" panose="020B0604020202020204" pitchFamily="34" charset="0"/>
+              <a:buNone/>
+              <a:defRPr sz="2400" kern="1200">
+                <a:solidFill>
+                  <a:schemeClr val="tx1"/>
+                </a:solidFill>
+                <a:latin typeface="+mn-lt"/>
+                <a:ea typeface="+mn-ea"/>
+                <a:cs typeface="+mn-cs"/>
+              </a:defRPr>
+            </a:lvl1pPr>
+            <a:lvl2pPr marL="457200" indent="0" algn="ctr" defTabSz="914400" rtl="0" eaLnBrk="1" latinLnBrk="0" hangingPunct="1">
+              <a:lnSpc>
+                <a:spcPct val="90000"/>
+              </a:lnSpc>
+              <a:spcBef>
+                <a:spcPts val="500"/>
+              </a:spcBef>
+              <a:buFont typeface="Arial" panose="020B0604020202020204" pitchFamily="34" charset="0"/>
+              <a:buNone/>
+              <a:defRPr sz="2000" kern="1200">
+                <a:solidFill>
+                  <a:schemeClr val="tx1"/>
+                </a:solidFill>
+                <a:latin typeface="+mn-lt"/>
+                <a:ea typeface="+mn-ea"/>
+                <a:cs typeface="+mn-cs"/>
+              </a:defRPr>
+            </a:lvl2pPr>
+            <a:lvl3pPr marL="914400" indent="0" algn="ctr" defTabSz="914400" rtl="0" eaLnBrk="1" latinLnBrk="0" hangingPunct="1">
+              <a:lnSpc>
+                <a:spcPct val="90000"/>
+              </a:lnSpc>
+              <a:spcBef>
+                <a:spcPts val="500"/>
+              </a:spcBef>
+              <a:buFont typeface="Arial" panose="020B0604020202020204" pitchFamily="34" charset="0"/>
+              <a:buNone/>
+              <a:defRPr sz="1800" kern="1200">
+                <a:solidFill>
+                  <a:schemeClr val="tx1"/>
+                </a:solidFill>
+                <a:latin typeface="+mn-lt"/>
+                <a:ea typeface="+mn-ea"/>
+                <a:cs typeface="+mn-cs"/>
+              </a:defRPr>
+            </a:lvl3pPr>
+            <a:lvl4pPr marL="1371600" indent="0" algn="ctr" defTabSz="914400" rtl="0" eaLnBrk="1" latinLnBrk="0" hangingPunct="1">
+              <a:lnSpc>
+                <a:spcPct val="90000"/>
+              </a:lnSpc>
+              <a:spcBef>
+                <a:spcPts val="500"/>
+              </a:spcBef>
+              <a:buFont typeface="Arial" panose="020B0604020202020204" pitchFamily="34" charset="0"/>
+              <a:buNone/>
+              <a:defRPr sz="1600" kern="1200">
+                <a:solidFill>
+                  <a:schemeClr val="tx1"/>
+                </a:solidFill>
+                <a:latin typeface="+mn-lt"/>
+                <a:ea typeface="+mn-ea"/>
+                <a:cs typeface="+mn-cs"/>
+              </a:defRPr>
+            </a:lvl4pPr>
+            <a:lvl5pPr marL="1828800" indent="0" algn="ctr" defTabSz="914400" rtl="0" eaLnBrk="1" latinLnBrk="0" hangingPunct="1">
+              <a:lnSpc>
+                <a:spcPct val="90000"/>
+              </a:lnSpc>
+              <a:spcBef>
+                <a:spcPts val="500"/>
+              </a:spcBef>
+              <a:buFont typeface="Arial" panose="020B0604020202020204" pitchFamily="34" charset="0"/>
+              <a:buNone/>
+              <a:defRPr sz="1600" kern="1200">
+                <a:solidFill>
+                  <a:schemeClr val="tx1"/>
+                </a:solidFill>
+                <a:latin typeface="+mn-lt"/>
+                <a:ea typeface="+mn-ea"/>
+                <a:cs typeface="+mn-cs"/>
+              </a:defRPr>
+            </a:lvl5pPr>
+            <a:lvl6pPr marL="2286000" indent="0" algn="ctr" defTabSz="914400" rtl="0" eaLnBrk="1" latinLnBrk="0" hangingPunct="1">
+              <a:lnSpc>
+                <a:spcPct val="90000"/>
+              </a:lnSpc>
+              <a:spcBef>
+                <a:spcPts val="500"/>
+              </a:spcBef>
+              <a:buFont typeface="Arial" panose="020B0604020202020204" pitchFamily="34" charset="0"/>
+              <a:buNone/>
+              <a:defRPr sz="1600" kern="1200">
+                <a:solidFill>
+                  <a:schemeClr val="tx1"/>
+                </a:solidFill>
+                <a:latin typeface="+mn-lt"/>
+                <a:ea typeface="+mn-ea"/>
+                <a:cs typeface="+mn-cs"/>
+              </a:defRPr>
+            </a:lvl6pPr>
+            <a:lvl7pPr marL="2743200" indent="0" algn="ctr" defTabSz="914400" rtl="0" eaLnBrk="1" latinLnBrk="0" hangingPunct="1">
+              <a:lnSpc>
+                <a:spcPct val="90000"/>
+              </a:lnSpc>
+              <a:spcBef>
+                <a:spcPts val="500"/>
+              </a:spcBef>
+              <a:buFont typeface="Arial" panose="020B0604020202020204" pitchFamily="34" charset="0"/>
+              <a:buNone/>
+              <a:defRPr sz="1600" kern="1200">
+                <a:solidFill>
+                  <a:schemeClr val="tx1"/>
+                </a:solidFill>
+                <a:latin typeface="+mn-lt"/>
+                <a:ea typeface="+mn-ea"/>
+                <a:cs typeface="+mn-cs"/>
+              </a:defRPr>
+            </a:lvl7pPr>
+            <a:lvl8pPr marL="3200400" indent="0" algn="ctr" defTabSz="914400" rtl="0" eaLnBrk="1" latinLnBrk="0" hangingPunct="1">
+              <a:lnSpc>
+                <a:spcPct val="90000"/>
+              </a:lnSpc>
+              <a:spcBef>
+                <a:spcPts val="500"/>
+              </a:spcBef>
+              <a:buFont typeface="Arial" panose="020B0604020202020204" pitchFamily="34" charset="0"/>
+              <a:buNone/>
+              <a:defRPr sz="1600" kern="1200">
+                <a:solidFill>
+                  <a:schemeClr val="tx1"/>
+                </a:solidFill>
+                <a:latin typeface="+mn-lt"/>
+                <a:ea typeface="+mn-ea"/>
+                <a:cs typeface="+mn-cs"/>
+              </a:defRPr>
+            </a:lvl8pPr>
+            <a:lvl9pPr marL="3657600" indent="0" algn="ctr" defTabSz="914400" rtl="0" eaLnBrk="1" latinLnBrk="0" hangingPunct="1">
+              <a:lnSpc>
+                <a:spcPct val="90000"/>
+              </a:lnSpc>
+              <a:spcBef>
+                <a:spcPts val="500"/>
+              </a:spcBef>
+              <a:buFont typeface="Arial" panose="020B0604020202020204" pitchFamily="34" charset="0"/>
+              <a:buNone/>
+              <a:defRPr sz="1600" kern="1200">
+                <a:solidFill>
+                  <a:schemeClr val="tx1"/>
+                </a:solidFill>
+                <a:latin typeface="+mn-lt"/>
+                <a:ea typeface="+mn-ea"/>
+                <a:cs typeface="+mn-cs"/>
+              </a:defRPr>
+            </a:lvl9pPr>
+          </a:lstStyle>
+          <a:p>
+            <a:pPr algn="l"/>
+            <a:r>
+              <a:rPr lang="en-GB" dirty="0"/>
+              <a:t>Use slides from training 13.3</a:t>
+            </a:r>
+          </a:p>
+          <a:p>
+            <a:pPr algn="l"/>
+            <a:endParaRPr lang="en-GB" dirty="0"/>
+          </a:p>
+          <a:p>
+            <a:pPr algn="l"/>
+            <a:endParaRPr lang="en-GB" dirty="0"/>
+          </a:p>
+          <a:p>
+            <a:pPr algn="l"/>
+            <a:endParaRPr lang="en-GB" dirty="0"/>
+          </a:p>
+          <a:p>
+            <a:pPr algn="l"/>
+            <a:endParaRPr lang="en-GB" dirty="0"/>
+          </a:p>
+          <a:p>
+            <a:pPr algn="l"/>
+            <a:endParaRPr lang="en-GB" dirty="0"/>
+          </a:p>
+          <a:p>
+            <a:pPr algn="l"/>
+            <a:endParaRPr lang="en-GB" dirty="0"/>
+          </a:p>
+        </p:txBody>
+      </p:sp>
+    </p:spTree>
+    <p:extLst>
+      <p:ext uri="{BB962C8B-B14F-4D97-AF65-F5344CB8AC3E}">
+        <p14:creationId xmlns:p14="http://schemas.microsoft.com/office/powerpoint/2010/main" val="943049348"/>
+      </p:ext>
+    </p:extLst>
+  </p:cSld>
+  <p:clrMapOvr>
+    <a:masterClrMapping/>
+  </p:clrMapOvr>
+</p:sld>
+</file>
+
+<file path=ppt/slides/slide26.xml><?xml version="1.0" encoding="utf-8"?>
+<p:sld xmlns:a="http://schemas.openxmlformats.org/drawingml/2006/main" xmlns:r="http://schemas.openxmlformats.org/officeDocument/2006/relationships" xmlns:p="http://schemas.openxmlformats.org/presentationml/2006/main">
+  <p:cSld>
+    <p:spTree>
+      <p:nvGrpSpPr>
+        <p:cNvPr id="1" name=""/>
+        <p:cNvGrpSpPr/>
+        <p:nvPr/>
+      </p:nvGrpSpPr>
+      <p:grpSpPr>
+        <a:xfrm>
+          <a:off x="0" y="0"/>
+          <a:ext cx="0" cy="0"/>
+          <a:chOff x="0" y="0"/>
+          <a:chExt cx="0" cy="0"/>
+        </a:xfrm>
+      </p:grpSpPr>
+      <p:sp>
+        <p:nvSpPr>
+          <p:cNvPr id="2" name="Title 1">
+            <a:extLst>
+              <a:ext uri="{FF2B5EF4-FFF2-40B4-BE49-F238E27FC236}">
+                <a16:creationId xmlns:a16="http://schemas.microsoft.com/office/drawing/2014/main" id="{4F5FFE88-7B14-4763-806D-A2BFC137C899}"/>
+              </a:ext>
+            </a:extLst>
+          </p:cNvPr>
+          <p:cNvSpPr>
+            <a:spLocks noGrp="1"/>
+          </p:cNvSpPr>
+          <p:nvPr>
+            <p:ph type="ctrTitle"/>
+          </p:nvPr>
+        </p:nvSpPr>
+        <p:spPr>
+          <a:xfrm>
+            <a:off x="1428750" y="252414"/>
+            <a:ext cx="9144000" cy="656850"/>
+          </a:xfrm>
+        </p:spPr>
+        <p:txBody>
+          <a:bodyPr>
+            <a:normAutofit fontScale="90000"/>
+          </a:bodyPr>
+          <a:lstStyle/>
+          <a:p>
+            <a:r>
+              <a:rPr lang="en-GB" dirty="0"/>
+              <a:t>Power BI Gateways</a:t>
+            </a:r>
+          </a:p>
+        </p:txBody>
+      </p:sp>
+      <p:sp>
+        <p:nvSpPr>
+          <p:cNvPr id="3" name="Subtitle 2">
+            <a:extLst>
+              <a:ext uri="{FF2B5EF4-FFF2-40B4-BE49-F238E27FC236}">
+                <a16:creationId xmlns:a16="http://schemas.microsoft.com/office/drawing/2014/main" id="{EA597543-2A3A-4FD5-9DA6-D09EB6B64855}"/>
+              </a:ext>
+            </a:extLst>
+          </p:cNvPr>
+          <p:cNvSpPr>
+            <a:spLocks noGrp="1"/>
+          </p:cNvSpPr>
+          <p:nvPr>
+            <p:ph type="subTitle" idx="1"/>
+          </p:nvPr>
+        </p:nvSpPr>
+        <p:spPr>
+          <a:xfrm>
+            <a:off x="1524000" y="1063671"/>
+            <a:ext cx="9144000" cy="4435867"/>
+          </a:xfrm>
+        </p:spPr>
+        <p:txBody>
+          <a:bodyPr>
+            <a:normAutofit/>
+          </a:bodyPr>
+          <a:lstStyle/>
+          <a:p>
+            <a:pPr algn="l"/>
+            <a:endParaRPr lang="en-GB" dirty="0"/>
+          </a:p>
+          <a:p>
+            <a:pPr algn="l"/>
+            <a:endParaRPr lang="en-GB" dirty="0"/>
+          </a:p>
+          <a:p>
+            <a:pPr algn="l"/>
+            <a:endParaRPr lang="en-GB" dirty="0"/>
+          </a:p>
+        </p:txBody>
+      </p:sp>
+      <p:pic>
+        <p:nvPicPr>
+          <p:cNvPr id="5" name="Picture 4">
+            <a:extLst>
+              <a:ext uri="{FF2B5EF4-FFF2-40B4-BE49-F238E27FC236}">
+                <a16:creationId xmlns:a16="http://schemas.microsoft.com/office/drawing/2014/main" id="{9C214D5F-8442-4E39-A57C-F7DFCFE59C70}"/>
+              </a:ext>
+            </a:extLst>
+          </p:cNvPr>
+          <p:cNvPicPr>
+            <a:picLocks noChangeAspect="1"/>
+          </p:cNvPicPr>
+          <p:nvPr/>
+        </p:nvPicPr>
+        <p:blipFill>
+          <a:blip r:embed="rId3">
+            <a:extLst>
+              <a:ext uri="{28A0092B-C50C-407E-A947-70E740481C1C}">
+                <a14:useLocalDpi xmlns:a14="http://schemas.microsoft.com/office/drawing/2010/main" val="0"/>
+              </a:ext>
+            </a:extLst>
+          </a:blip>
+          <a:stretch>
+            <a:fillRect/>
+          </a:stretch>
+        </p:blipFill>
+        <p:spPr>
+          <a:xfrm>
+            <a:off x="1428750" y="987602"/>
+            <a:ext cx="9654283" cy="5387511"/>
+          </a:xfrm>
+          <a:prstGeom prst="rect">
+            <a:avLst/>
+          </a:prstGeom>
+        </p:spPr>
+      </p:pic>
+    </p:spTree>
+    <p:extLst>
+      <p:ext uri="{BB962C8B-B14F-4D97-AF65-F5344CB8AC3E}">
+        <p14:creationId xmlns:p14="http://schemas.microsoft.com/office/powerpoint/2010/main" val="3817898385"/>
+      </p:ext>
+    </p:extLst>
+  </p:cSld>
+  <p:clrMapOvr>
+    <a:masterClrMapping/>
+  </p:clrMapOvr>
+</p:sld>
+</file>
+
+<file path=ppt/slides/slide27.xml><?xml version="1.0" encoding="utf-8"?>
+<p:sld xmlns:a="http://schemas.openxmlformats.org/drawingml/2006/main" xmlns:r="http://schemas.openxmlformats.org/officeDocument/2006/relationships" xmlns:p="http://schemas.openxmlformats.org/presentationml/2006/main">
+  <p:cSld>
+    <p:spTree>
+      <p:nvGrpSpPr>
+        <p:cNvPr id="1" name=""/>
+        <p:cNvGrpSpPr/>
+        <p:nvPr/>
+      </p:nvGrpSpPr>
+      <p:grpSpPr>
+        <a:xfrm>
+          <a:off x="0" y="0"/>
+          <a:ext cx="0" cy="0"/>
+          <a:chOff x="0" y="0"/>
+          <a:chExt cx="0" cy="0"/>
+        </a:xfrm>
+      </p:grpSpPr>
+      <p:sp>
+        <p:nvSpPr>
+          <p:cNvPr id="2" name="Title 1">
+            <a:extLst>
+              <a:ext uri="{FF2B5EF4-FFF2-40B4-BE49-F238E27FC236}">
+                <a16:creationId xmlns:a16="http://schemas.microsoft.com/office/drawing/2014/main" id="{4F5FFE88-7B14-4763-806D-A2BFC137C899}"/>
+              </a:ext>
+            </a:extLst>
+          </p:cNvPr>
+          <p:cNvSpPr>
+            <a:spLocks noGrp="1"/>
+          </p:cNvSpPr>
+          <p:nvPr>
+            <p:ph type="ctrTitle"/>
+          </p:nvPr>
+        </p:nvSpPr>
+        <p:spPr>
+          <a:xfrm>
+            <a:off x="1428750" y="252414"/>
+            <a:ext cx="9144000" cy="656850"/>
+          </a:xfrm>
+        </p:spPr>
+        <p:txBody>
+          <a:bodyPr>
+            <a:normAutofit fontScale="90000"/>
+          </a:bodyPr>
+          <a:lstStyle/>
+          <a:p>
+            <a:r>
+              <a:rPr lang="en-GB" dirty="0"/>
+              <a:t>Power BI Row Level Security</a:t>
+            </a:r>
+          </a:p>
+        </p:txBody>
+      </p:sp>
+      <p:sp>
+        <p:nvSpPr>
+          <p:cNvPr id="3" name="Subtitle 2">
+            <a:extLst>
+              <a:ext uri="{FF2B5EF4-FFF2-40B4-BE49-F238E27FC236}">
+                <a16:creationId xmlns:a16="http://schemas.microsoft.com/office/drawing/2014/main" id="{EA597543-2A3A-4FD5-9DA6-D09EB6B64855}"/>
+              </a:ext>
+            </a:extLst>
+          </p:cNvPr>
+          <p:cNvSpPr>
+            <a:spLocks noGrp="1"/>
+          </p:cNvSpPr>
+          <p:nvPr>
+            <p:ph type="subTitle" idx="1"/>
+          </p:nvPr>
+        </p:nvSpPr>
+        <p:spPr>
+          <a:xfrm>
+            <a:off x="1524000" y="1063671"/>
+            <a:ext cx="9144000" cy="4435867"/>
+          </a:xfrm>
+        </p:spPr>
+        <p:txBody>
+          <a:bodyPr>
+            <a:normAutofit/>
+          </a:bodyPr>
+          <a:lstStyle/>
+          <a:p>
+            <a:pPr algn="l"/>
+            <a:endParaRPr lang="en-GB" dirty="0"/>
+          </a:p>
+          <a:p>
+            <a:pPr algn="l"/>
+            <a:endParaRPr lang="en-GB" dirty="0"/>
+          </a:p>
+          <a:p>
+            <a:pPr algn="l"/>
+            <a:endParaRPr lang="en-GB" dirty="0"/>
+          </a:p>
+          <a:p>
+            <a:pPr algn="l"/>
+            <a:endParaRPr lang="en-GB" dirty="0"/>
+          </a:p>
+          <a:p>
+            <a:pPr algn="l"/>
+            <a:endParaRPr lang="en-GB" dirty="0"/>
+          </a:p>
+          <a:p>
+            <a:pPr algn="l"/>
+            <a:r>
+              <a:rPr lang="en-GB" dirty="0"/>
+              <a:t>Homework do the Start Wars ship RLS many 2 many test.</a:t>
+            </a:r>
+          </a:p>
+          <a:p>
+            <a:pPr algn="l"/>
+            <a:endParaRPr lang="en-GB" dirty="0"/>
+          </a:p>
+          <a:p>
+            <a:pPr algn="l"/>
+            <a:r>
+              <a:rPr lang="en-GB" dirty="0"/>
+              <a:t>https://datachant.com/2017/06/03/rls-star-wars-power-bi-challenge/</a:t>
+            </a:r>
+          </a:p>
+        </p:txBody>
+      </p:sp>
+    </p:spTree>
+    <p:extLst>
+      <p:ext uri="{BB962C8B-B14F-4D97-AF65-F5344CB8AC3E}">
+        <p14:creationId xmlns:p14="http://schemas.microsoft.com/office/powerpoint/2010/main" val="1747997659"/>
+      </p:ext>
+    </p:extLst>
+  </p:cSld>
+  <p:clrMapOvr>
+    <a:masterClrMapping/>
+  </p:clrMapOvr>
+</p:sld>
+</file>
+
+<file path=ppt/slides/slide28.xml><?xml version="1.0" encoding="utf-8"?>
+<p:sld xmlns:a="http://schemas.openxmlformats.org/drawingml/2006/main" xmlns:r="http://schemas.openxmlformats.org/officeDocument/2006/relationships" xmlns:p="http://schemas.openxmlformats.org/presentationml/2006/main">
+  <p:cSld>
+    <p:spTree>
+      <p:nvGrpSpPr>
+        <p:cNvPr id="1" name=""/>
+        <p:cNvGrpSpPr/>
+        <p:nvPr/>
+      </p:nvGrpSpPr>
+      <p:grpSpPr>
+        <a:xfrm>
+          <a:off x="0" y="0"/>
+          <a:ext cx="0" cy="0"/>
+          <a:chOff x="0" y="0"/>
+          <a:chExt cx="0" cy="0"/>
+        </a:xfrm>
+      </p:grpSpPr>
+      <p:sp>
+        <p:nvSpPr>
+          <p:cNvPr id="2" name="Title 1">
+            <a:extLst>
+              <a:ext uri="{FF2B5EF4-FFF2-40B4-BE49-F238E27FC236}">
+                <a16:creationId xmlns:a16="http://schemas.microsoft.com/office/drawing/2014/main" id="{4F5FFE88-7B14-4763-806D-A2BFC137C899}"/>
+              </a:ext>
+            </a:extLst>
+          </p:cNvPr>
+          <p:cNvSpPr>
+            <a:spLocks noGrp="1"/>
+          </p:cNvSpPr>
+          <p:nvPr>
+            <p:ph type="ctrTitle"/>
+          </p:nvPr>
+        </p:nvSpPr>
+        <p:spPr>
+          <a:xfrm>
+            <a:off x="1428750" y="252414"/>
+            <a:ext cx="9144000" cy="656850"/>
+          </a:xfrm>
+        </p:spPr>
+        <p:txBody>
+          <a:bodyPr>
+            <a:normAutofit fontScale="90000"/>
+          </a:bodyPr>
+          <a:lstStyle/>
+          <a:p>
+            <a:r>
+              <a:rPr lang="en-GB" dirty="0"/>
+              <a:t>Power BI Int Email onboarding</a:t>
+            </a:r>
+          </a:p>
+        </p:txBody>
+      </p:sp>
+      <p:sp>
+        <p:nvSpPr>
+          <p:cNvPr id="3" name="Subtitle 2">
+            <a:extLst>
+              <a:ext uri="{FF2B5EF4-FFF2-40B4-BE49-F238E27FC236}">
+                <a16:creationId xmlns:a16="http://schemas.microsoft.com/office/drawing/2014/main" id="{EA597543-2A3A-4FD5-9DA6-D09EB6B64855}"/>
+              </a:ext>
+            </a:extLst>
+          </p:cNvPr>
+          <p:cNvSpPr>
+            <a:spLocks noGrp="1"/>
+          </p:cNvSpPr>
+          <p:nvPr>
+            <p:ph type="subTitle" idx="1"/>
+          </p:nvPr>
+        </p:nvSpPr>
+        <p:spPr>
+          <a:xfrm>
+            <a:off x="1524000" y="1063671"/>
+            <a:ext cx="9144000" cy="4435867"/>
+          </a:xfrm>
+        </p:spPr>
+        <p:txBody>
+          <a:bodyPr>
+            <a:normAutofit/>
+          </a:bodyPr>
+          <a:lstStyle/>
+          <a:p>
+            <a:pPr algn="l"/>
+            <a:r>
+              <a:rPr lang="en-GB" dirty="0"/>
+              <a:t>Issue email </a:t>
+            </a:r>
+            <a:r>
+              <a:rPr lang="en-GB" dirty="0">
+                <a:hlinkClick r:id="rId3"/>
+              </a:rPr>
+              <a:t>account@wottabyte.com</a:t>
+            </a:r>
+            <a:endParaRPr lang="en-GB" dirty="0"/>
+          </a:p>
+          <a:p>
+            <a:pPr algn="l"/>
+            <a:r>
+              <a:rPr lang="en-GB" dirty="0"/>
+              <a:t>Issue email onboarding instructions with webmail </a:t>
+            </a:r>
+          </a:p>
+          <a:p>
+            <a:pPr algn="l"/>
+            <a:r>
+              <a:rPr lang="en-GB" dirty="0"/>
+              <a:t>http://192.185.116.148:2095</a:t>
+            </a:r>
+          </a:p>
+          <a:p>
+            <a:pPr algn="l"/>
+            <a:r>
+              <a:rPr lang="en-GB" dirty="0"/>
+              <a:t>generic P@ssw0rd1</a:t>
+            </a:r>
+          </a:p>
+          <a:p>
+            <a:pPr algn="l"/>
+            <a:endParaRPr lang="en-GB" dirty="0"/>
+          </a:p>
+          <a:p>
+            <a:pPr algn="l"/>
+            <a:endParaRPr lang="en-GB" dirty="0"/>
+          </a:p>
+          <a:p>
+            <a:pPr algn="l"/>
+            <a:endParaRPr lang="en-GB" dirty="0"/>
+          </a:p>
+          <a:p>
+            <a:pPr algn="l"/>
+            <a:endParaRPr lang="en-GB" dirty="0"/>
+          </a:p>
+          <a:p>
+            <a:pPr algn="l"/>
+            <a:endParaRPr lang="en-GB" dirty="0"/>
+          </a:p>
+        </p:txBody>
+      </p:sp>
+    </p:spTree>
+    <p:extLst>
+      <p:ext uri="{BB962C8B-B14F-4D97-AF65-F5344CB8AC3E}">
+        <p14:creationId xmlns:p14="http://schemas.microsoft.com/office/powerpoint/2010/main" val="842503376"/>
+      </p:ext>
+    </p:extLst>
+  </p:cSld>
+  <p:clrMapOvr>
+    <a:masterClrMapping/>
+  </p:clrMapOvr>
+</p:sld>
+</file>
+
+<file path=ppt/slides/slide29.xml><?xml version="1.0" encoding="utf-8"?>
+<p:sld xmlns:a="http://schemas.openxmlformats.org/drawingml/2006/main" xmlns:r="http://schemas.openxmlformats.org/officeDocument/2006/relationships" xmlns:p="http://schemas.openxmlformats.org/presentationml/2006/main">
+  <p:cSld>
+    <p:spTree>
+      <p:nvGrpSpPr>
+        <p:cNvPr id="1" name=""/>
+        <p:cNvGrpSpPr/>
+        <p:nvPr/>
+      </p:nvGrpSpPr>
+      <p:grpSpPr>
+        <a:xfrm>
+          <a:off x="0" y="0"/>
+          <a:ext cx="0" cy="0"/>
+          <a:chOff x="0" y="0"/>
+          <a:chExt cx="0" cy="0"/>
+        </a:xfrm>
+      </p:grpSpPr>
+      <p:sp>
+        <p:nvSpPr>
+          <p:cNvPr id="2" name="Title 1">
+            <a:extLst>
+              <a:ext uri="{FF2B5EF4-FFF2-40B4-BE49-F238E27FC236}">
+                <a16:creationId xmlns:a16="http://schemas.microsoft.com/office/drawing/2014/main" id="{4F5FFE88-7B14-4763-806D-A2BFC137C899}"/>
+              </a:ext>
+            </a:extLst>
+          </p:cNvPr>
+          <p:cNvSpPr>
+            <a:spLocks noGrp="1"/>
+          </p:cNvSpPr>
+          <p:nvPr>
+            <p:ph type="ctrTitle"/>
+          </p:nvPr>
+        </p:nvSpPr>
+        <p:spPr>
+          <a:xfrm>
+            <a:off x="1428750" y="252413"/>
+            <a:ext cx="9144000" cy="759591"/>
+          </a:xfrm>
+        </p:spPr>
+        <p:txBody>
+          <a:bodyPr>
+            <a:normAutofit/>
+          </a:bodyPr>
+          <a:lstStyle/>
+          <a:p>
+            <a:r>
+              <a:rPr lang="en-GB" dirty="0"/>
+              <a:t>Power BI Lesson 5 of 6</a:t>
+            </a:r>
+          </a:p>
+        </p:txBody>
+      </p:sp>
+      <p:sp>
+        <p:nvSpPr>
+          <p:cNvPr id="3" name="Subtitle 2">
+            <a:extLst>
+              <a:ext uri="{FF2B5EF4-FFF2-40B4-BE49-F238E27FC236}">
+                <a16:creationId xmlns:a16="http://schemas.microsoft.com/office/drawing/2014/main" id="{EA597543-2A3A-4FD5-9DA6-D09EB6B64855}"/>
+              </a:ext>
+            </a:extLst>
+          </p:cNvPr>
+          <p:cNvSpPr>
+            <a:spLocks noGrp="1"/>
+          </p:cNvSpPr>
+          <p:nvPr>
+            <p:ph type="subTitle" idx="1"/>
+          </p:nvPr>
+        </p:nvSpPr>
+        <p:spPr>
+          <a:xfrm>
+            <a:off x="1524000" y="1063671"/>
+            <a:ext cx="9144000" cy="4435867"/>
+          </a:xfrm>
+        </p:spPr>
+        <p:txBody>
+          <a:bodyPr>
+            <a:normAutofit/>
+          </a:bodyPr>
+          <a:lstStyle/>
+          <a:p>
+            <a:pPr algn="l"/>
+            <a:endParaRPr lang="en-GB" dirty="0"/>
+          </a:p>
+          <a:p>
+            <a:pPr algn="l"/>
+            <a:r>
+              <a:rPr lang="en-GB" dirty="0"/>
+              <a:t>Lesson 5 Mon 11</a:t>
+            </a:r>
+            <a:r>
+              <a:rPr lang="en-GB" baseline="30000" dirty="0"/>
+              <a:t>th</a:t>
+            </a:r>
+            <a:r>
+              <a:rPr lang="en-GB" dirty="0"/>
+              <a:t> Feb 2019</a:t>
+            </a:r>
+          </a:p>
+          <a:p>
+            <a:pPr algn="l"/>
+            <a:r>
+              <a:rPr lang="en-GB" dirty="0" err="1"/>
+              <a:t>PowerBI</a:t>
+            </a:r>
+            <a:r>
+              <a:rPr lang="en-GB" dirty="0"/>
+              <a:t> AI features @ Microsoft Reactor NOT at We Work</a:t>
+            </a:r>
+          </a:p>
+          <a:p>
+            <a:pPr algn="l"/>
+            <a:r>
+              <a:rPr lang="en-GB" dirty="0"/>
+              <a:t>Register here:</a:t>
+            </a:r>
+          </a:p>
+          <a:p>
+            <a:pPr algn="l"/>
+            <a:r>
+              <a:rPr lang="en-GB" dirty="0"/>
+              <a:t>https://www.meetup.com/Power-BI-Data-Scientist-Artificial-Intelligence-Solutions/events/258666451/</a:t>
+            </a:r>
+          </a:p>
+          <a:p>
+            <a:pPr algn="l"/>
+            <a:endParaRPr lang="en-GB" dirty="0"/>
+          </a:p>
+        </p:txBody>
+      </p:sp>
+    </p:spTree>
+    <p:extLst>
+      <p:ext uri="{BB962C8B-B14F-4D97-AF65-F5344CB8AC3E}">
+        <p14:creationId xmlns:p14="http://schemas.microsoft.com/office/powerpoint/2010/main" val="462808949"/>
       </p:ext>
     </p:extLst>
   </p:cSld>
@@ -10278,6 +13141,487 @@
     <p:extLst>
       <p:ext uri="{BB962C8B-B14F-4D97-AF65-F5344CB8AC3E}">
         <p14:creationId xmlns:p14="http://schemas.microsoft.com/office/powerpoint/2010/main" val="2107091990"/>
+      </p:ext>
+    </p:extLst>
+  </p:cSld>
+  <p:clrMapOvr>
+    <a:masterClrMapping/>
+  </p:clrMapOvr>
+</p:sld>
+</file>
+
+<file path=ppt/slides/slide30.xml><?xml version="1.0" encoding="utf-8"?>
+<p:sld xmlns:a="http://schemas.openxmlformats.org/drawingml/2006/main" xmlns:r="http://schemas.openxmlformats.org/officeDocument/2006/relationships" xmlns:p="http://schemas.openxmlformats.org/presentationml/2006/main">
+  <p:cSld>
+    <p:spTree>
+      <p:nvGrpSpPr>
+        <p:cNvPr id="1" name=""/>
+        <p:cNvGrpSpPr/>
+        <p:nvPr/>
+      </p:nvGrpSpPr>
+      <p:grpSpPr>
+        <a:xfrm>
+          <a:off x="0" y="0"/>
+          <a:ext cx="0" cy="0"/>
+          <a:chOff x="0" y="0"/>
+          <a:chExt cx="0" cy="0"/>
+        </a:xfrm>
+      </p:grpSpPr>
+      <p:sp>
+        <p:nvSpPr>
+          <p:cNvPr id="2" name="Title 1">
+            <a:extLst>
+              <a:ext uri="{FF2B5EF4-FFF2-40B4-BE49-F238E27FC236}">
+                <a16:creationId xmlns:a16="http://schemas.microsoft.com/office/drawing/2014/main" id="{4F5FFE88-7B14-4763-806D-A2BFC137C899}"/>
+              </a:ext>
+            </a:extLst>
+          </p:cNvPr>
+          <p:cNvSpPr>
+            <a:spLocks noGrp="1"/>
+          </p:cNvSpPr>
+          <p:nvPr>
+            <p:ph type="ctrTitle"/>
+          </p:nvPr>
+        </p:nvSpPr>
+        <p:spPr>
+          <a:xfrm>
+            <a:off x="1428750" y="252414"/>
+            <a:ext cx="9144000" cy="656850"/>
+          </a:xfrm>
+        </p:spPr>
+        <p:txBody>
+          <a:bodyPr>
+            <a:normAutofit fontScale="90000"/>
+          </a:bodyPr>
+          <a:lstStyle/>
+          <a:p>
+            <a:r>
+              <a:rPr lang="en-GB" dirty="0"/>
+              <a:t>Power BI AI </a:t>
+            </a:r>
+          </a:p>
+        </p:txBody>
+      </p:sp>
+      <p:sp>
+        <p:nvSpPr>
+          <p:cNvPr id="3" name="Subtitle 2">
+            <a:extLst>
+              <a:ext uri="{FF2B5EF4-FFF2-40B4-BE49-F238E27FC236}">
+                <a16:creationId xmlns:a16="http://schemas.microsoft.com/office/drawing/2014/main" id="{EA597543-2A3A-4FD5-9DA6-D09EB6B64855}"/>
+              </a:ext>
+            </a:extLst>
+          </p:cNvPr>
+          <p:cNvSpPr>
+            <a:spLocks noGrp="1"/>
+          </p:cNvSpPr>
+          <p:nvPr>
+            <p:ph type="subTitle" idx="1"/>
+          </p:nvPr>
+        </p:nvSpPr>
+        <p:spPr>
+          <a:xfrm>
+            <a:off x="1524000" y="1063671"/>
+            <a:ext cx="9144000" cy="4435867"/>
+          </a:xfrm>
+        </p:spPr>
+        <p:txBody>
+          <a:bodyPr>
+            <a:normAutofit/>
+          </a:bodyPr>
+          <a:lstStyle/>
+          <a:p>
+            <a:pPr algn="l"/>
+            <a:endParaRPr lang="en-GB" dirty="0"/>
+          </a:p>
+          <a:p>
+            <a:pPr algn="l"/>
+            <a:r>
+              <a:rPr lang="en-GB" dirty="0"/>
+              <a:t>Microsoft is introducing four new AI-related features in Power BI:</a:t>
+            </a:r>
+          </a:p>
+          <a:p>
+            <a:pPr algn="l"/>
+            <a:r>
+              <a:rPr lang="en-GB" dirty="0"/>
+              <a:t>Integration of Azure Cognitive Services</a:t>
+            </a:r>
+          </a:p>
+          <a:p>
+            <a:pPr algn="l"/>
+            <a:r>
+              <a:rPr lang="en-GB" dirty="0"/>
+              <a:t>Integration of ML models hosted in Azure Machine Learning, including those built in Azure Databricks</a:t>
+            </a:r>
+          </a:p>
+          <a:p>
+            <a:pPr algn="l"/>
+            <a:r>
+              <a:rPr lang="en-GB" dirty="0"/>
+              <a:t>The ability to create, and then use, ML models using </a:t>
+            </a:r>
+            <a:r>
+              <a:rPr lang="en-GB" dirty="0">
+                <a:hlinkClick r:id="rId3"/>
+              </a:rPr>
+              <a:t>Azure Automated ML</a:t>
+            </a:r>
+            <a:r>
+              <a:rPr lang="en-GB" dirty="0"/>
+              <a:t> (</a:t>
+            </a:r>
+            <a:r>
+              <a:rPr lang="en-GB" dirty="0" err="1"/>
+              <a:t>AutoML</a:t>
+            </a:r>
+            <a:r>
+              <a:rPr lang="en-GB" dirty="0"/>
+              <a:t>)</a:t>
+            </a:r>
+          </a:p>
+          <a:p>
+            <a:pPr algn="l"/>
+            <a:r>
+              <a:rPr lang="en-GB" dirty="0"/>
+              <a:t>A new Key Driver Analysis visualization that reveals which columns and values drive specific outcomes (values) for data columns serving as measures or Key Performance Indicators (KPIs)</a:t>
+            </a:r>
+          </a:p>
+          <a:p>
+            <a:pPr algn="l"/>
+            <a:endParaRPr lang="en-GB" dirty="0"/>
+          </a:p>
+          <a:p>
+            <a:pPr algn="l"/>
+            <a:endParaRPr lang="en-GB" dirty="0"/>
+          </a:p>
+          <a:p>
+            <a:pPr algn="l"/>
+            <a:endParaRPr lang="en-GB" dirty="0"/>
+          </a:p>
+        </p:txBody>
+      </p:sp>
+    </p:spTree>
+    <p:extLst>
+      <p:ext uri="{BB962C8B-B14F-4D97-AF65-F5344CB8AC3E}">
+        <p14:creationId xmlns:p14="http://schemas.microsoft.com/office/powerpoint/2010/main" val="1525929478"/>
+      </p:ext>
+    </p:extLst>
+  </p:cSld>
+  <p:clrMapOvr>
+    <a:masterClrMapping/>
+  </p:clrMapOvr>
+</p:sld>
+</file>
+
+<file path=ppt/slides/slide31.xml><?xml version="1.0" encoding="utf-8"?>
+<p:sld xmlns:a="http://schemas.openxmlformats.org/drawingml/2006/main" xmlns:r="http://schemas.openxmlformats.org/officeDocument/2006/relationships" xmlns:p="http://schemas.openxmlformats.org/presentationml/2006/main">
+  <p:cSld>
+    <p:spTree>
+      <p:nvGrpSpPr>
+        <p:cNvPr id="1" name=""/>
+        <p:cNvGrpSpPr/>
+        <p:nvPr/>
+      </p:nvGrpSpPr>
+      <p:grpSpPr>
+        <a:xfrm>
+          <a:off x="0" y="0"/>
+          <a:ext cx="0" cy="0"/>
+          <a:chOff x="0" y="0"/>
+          <a:chExt cx="0" cy="0"/>
+        </a:xfrm>
+      </p:grpSpPr>
+      <p:sp>
+        <p:nvSpPr>
+          <p:cNvPr id="2" name="Title 1">
+            <a:extLst>
+              <a:ext uri="{FF2B5EF4-FFF2-40B4-BE49-F238E27FC236}">
+                <a16:creationId xmlns:a16="http://schemas.microsoft.com/office/drawing/2014/main" id="{4F5FFE88-7B14-4763-806D-A2BFC137C899}"/>
+              </a:ext>
+            </a:extLst>
+          </p:cNvPr>
+          <p:cNvSpPr>
+            <a:spLocks noGrp="1"/>
+          </p:cNvSpPr>
+          <p:nvPr>
+            <p:ph type="ctrTitle"/>
+          </p:nvPr>
+        </p:nvSpPr>
+        <p:spPr>
+          <a:xfrm>
+            <a:off x="1428750" y="252414"/>
+            <a:ext cx="9144000" cy="656850"/>
+          </a:xfrm>
+        </p:spPr>
+        <p:txBody>
+          <a:bodyPr>
+            <a:normAutofit fontScale="90000"/>
+          </a:bodyPr>
+          <a:lstStyle/>
+          <a:p>
+            <a:r>
+              <a:rPr lang="en-GB" dirty="0"/>
+              <a:t>Power BI &amp; R</a:t>
+            </a:r>
+          </a:p>
+        </p:txBody>
+      </p:sp>
+      <p:sp>
+        <p:nvSpPr>
+          <p:cNvPr id="3" name="Subtitle 2">
+            <a:extLst>
+              <a:ext uri="{FF2B5EF4-FFF2-40B4-BE49-F238E27FC236}">
+                <a16:creationId xmlns:a16="http://schemas.microsoft.com/office/drawing/2014/main" id="{EA597543-2A3A-4FD5-9DA6-D09EB6B64855}"/>
+              </a:ext>
+            </a:extLst>
+          </p:cNvPr>
+          <p:cNvSpPr>
+            <a:spLocks noGrp="1"/>
+          </p:cNvSpPr>
+          <p:nvPr>
+            <p:ph type="subTitle" idx="1"/>
+          </p:nvPr>
+        </p:nvSpPr>
+        <p:spPr>
+          <a:xfrm>
+            <a:off x="1524000" y="1063671"/>
+            <a:ext cx="9144000" cy="4435867"/>
+          </a:xfrm>
+        </p:spPr>
+        <p:txBody>
+          <a:bodyPr>
+            <a:normAutofit/>
+          </a:bodyPr>
+          <a:lstStyle/>
+          <a:p>
+            <a:pPr algn="l"/>
+            <a:endParaRPr lang="en-GB" dirty="0"/>
+          </a:p>
+          <a:p>
+            <a:pPr algn="l"/>
+            <a:endParaRPr lang="en-GB" dirty="0"/>
+          </a:p>
+          <a:p>
+            <a:pPr algn="l"/>
+            <a:endParaRPr lang="en-GB" dirty="0"/>
+          </a:p>
+        </p:txBody>
+      </p:sp>
+    </p:spTree>
+    <p:extLst>
+      <p:ext uri="{BB962C8B-B14F-4D97-AF65-F5344CB8AC3E}">
+        <p14:creationId xmlns:p14="http://schemas.microsoft.com/office/powerpoint/2010/main" val="436745474"/>
+      </p:ext>
+    </p:extLst>
+  </p:cSld>
+  <p:clrMapOvr>
+    <a:masterClrMapping/>
+  </p:clrMapOvr>
+</p:sld>
+</file>
+
+<file path=ppt/slides/slide32.xml><?xml version="1.0" encoding="utf-8"?>
+<p:sld xmlns:a="http://schemas.openxmlformats.org/drawingml/2006/main" xmlns:r="http://schemas.openxmlformats.org/officeDocument/2006/relationships" xmlns:p="http://schemas.openxmlformats.org/presentationml/2006/main">
+  <p:cSld>
+    <p:spTree>
+      <p:nvGrpSpPr>
+        <p:cNvPr id="1" name=""/>
+        <p:cNvGrpSpPr/>
+        <p:nvPr/>
+      </p:nvGrpSpPr>
+      <p:grpSpPr>
+        <a:xfrm>
+          <a:off x="0" y="0"/>
+          <a:ext cx="0" cy="0"/>
+          <a:chOff x="0" y="0"/>
+          <a:chExt cx="0" cy="0"/>
+        </a:xfrm>
+      </p:grpSpPr>
+      <p:sp>
+        <p:nvSpPr>
+          <p:cNvPr id="2" name="Title 1">
+            <a:extLst>
+              <a:ext uri="{FF2B5EF4-FFF2-40B4-BE49-F238E27FC236}">
+                <a16:creationId xmlns:a16="http://schemas.microsoft.com/office/drawing/2014/main" id="{4F5FFE88-7B14-4763-806D-A2BFC137C899}"/>
+              </a:ext>
+            </a:extLst>
+          </p:cNvPr>
+          <p:cNvSpPr>
+            <a:spLocks noGrp="1"/>
+          </p:cNvSpPr>
+          <p:nvPr>
+            <p:ph type="ctrTitle"/>
+          </p:nvPr>
+        </p:nvSpPr>
+        <p:spPr>
+          <a:xfrm>
+            <a:off x="1428750" y="252414"/>
+            <a:ext cx="9144000" cy="656850"/>
+          </a:xfrm>
+        </p:spPr>
+        <p:txBody>
+          <a:bodyPr>
+            <a:normAutofit fontScale="90000"/>
+          </a:bodyPr>
+          <a:lstStyle/>
+          <a:p>
+            <a:r>
+              <a:rPr lang="en-GB" dirty="0"/>
+              <a:t>Power BI Python</a:t>
+            </a:r>
+          </a:p>
+        </p:txBody>
+      </p:sp>
+      <p:sp>
+        <p:nvSpPr>
+          <p:cNvPr id="3" name="Subtitle 2">
+            <a:extLst>
+              <a:ext uri="{FF2B5EF4-FFF2-40B4-BE49-F238E27FC236}">
+                <a16:creationId xmlns:a16="http://schemas.microsoft.com/office/drawing/2014/main" id="{EA597543-2A3A-4FD5-9DA6-D09EB6B64855}"/>
+              </a:ext>
+            </a:extLst>
+          </p:cNvPr>
+          <p:cNvSpPr>
+            <a:spLocks noGrp="1"/>
+          </p:cNvSpPr>
+          <p:nvPr>
+            <p:ph type="subTitle" idx="1"/>
+          </p:nvPr>
+        </p:nvSpPr>
+        <p:spPr>
+          <a:xfrm>
+            <a:off x="1524000" y="1063671"/>
+            <a:ext cx="9144000" cy="4435867"/>
+          </a:xfrm>
+        </p:spPr>
+        <p:txBody>
+          <a:bodyPr>
+            <a:normAutofit/>
+          </a:bodyPr>
+          <a:lstStyle/>
+          <a:p>
+            <a:pPr algn="l"/>
+            <a:endParaRPr lang="en-GB" dirty="0"/>
+          </a:p>
+          <a:p>
+            <a:pPr algn="l"/>
+            <a:endParaRPr lang="en-GB" dirty="0"/>
+          </a:p>
+          <a:p>
+            <a:pPr algn="l"/>
+            <a:endParaRPr lang="en-GB" dirty="0"/>
+          </a:p>
+        </p:txBody>
+      </p:sp>
+    </p:spTree>
+    <p:extLst>
+      <p:ext uri="{BB962C8B-B14F-4D97-AF65-F5344CB8AC3E}">
+        <p14:creationId xmlns:p14="http://schemas.microsoft.com/office/powerpoint/2010/main" val="4234575051"/>
+      </p:ext>
+    </p:extLst>
+  </p:cSld>
+  <p:clrMapOvr>
+    <a:masterClrMapping/>
+  </p:clrMapOvr>
+</p:sld>
+</file>
+
+<file path=ppt/slides/slide33.xml><?xml version="1.0" encoding="utf-8"?>
+<p:sld xmlns:a="http://schemas.openxmlformats.org/drawingml/2006/main" xmlns:r="http://schemas.openxmlformats.org/officeDocument/2006/relationships" xmlns:p="http://schemas.openxmlformats.org/presentationml/2006/main">
+  <p:cSld>
+    <p:spTree>
+      <p:nvGrpSpPr>
+        <p:cNvPr id="1" name=""/>
+        <p:cNvGrpSpPr/>
+        <p:nvPr/>
+      </p:nvGrpSpPr>
+      <p:grpSpPr>
+        <a:xfrm>
+          <a:off x="0" y="0"/>
+          <a:ext cx="0" cy="0"/>
+          <a:chOff x="0" y="0"/>
+          <a:chExt cx="0" cy="0"/>
+        </a:xfrm>
+      </p:grpSpPr>
+      <p:sp>
+        <p:nvSpPr>
+          <p:cNvPr id="2" name="Title 1">
+            <a:extLst>
+              <a:ext uri="{FF2B5EF4-FFF2-40B4-BE49-F238E27FC236}">
+                <a16:creationId xmlns:a16="http://schemas.microsoft.com/office/drawing/2014/main" id="{4F5FFE88-7B14-4763-806D-A2BFC137C899}"/>
+              </a:ext>
+            </a:extLst>
+          </p:cNvPr>
+          <p:cNvSpPr>
+            <a:spLocks noGrp="1"/>
+          </p:cNvSpPr>
+          <p:nvPr>
+            <p:ph type="ctrTitle"/>
+          </p:nvPr>
+        </p:nvSpPr>
+        <p:spPr>
+          <a:xfrm>
+            <a:off x="1428750" y="252414"/>
+            <a:ext cx="9144000" cy="656850"/>
+          </a:xfrm>
+        </p:spPr>
+        <p:txBody>
+          <a:bodyPr>
+            <a:normAutofit fontScale="90000"/>
+          </a:bodyPr>
+          <a:lstStyle/>
+          <a:p>
+            <a:r>
+              <a:rPr lang="en-GB" dirty="0"/>
+              <a:t>Power BI Azure Machine Learning</a:t>
+            </a:r>
+          </a:p>
+        </p:txBody>
+      </p:sp>
+      <p:sp>
+        <p:nvSpPr>
+          <p:cNvPr id="3" name="Subtitle 2">
+            <a:extLst>
+              <a:ext uri="{FF2B5EF4-FFF2-40B4-BE49-F238E27FC236}">
+                <a16:creationId xmlns:a16="http://schemas.microsoft.com/office/drawing/2014/main" id="{EA597543-2A3A-4FD5-9DA6-D09EB6B64855}"/>
+              </a:ext>
+            </a:extLst>
+          </p:cNvPr>
+          <p:cNvSpPr>
+            <a:spLocks noGrp="1"/>
+          </p:cNvSpPr>
+          <p:nvPr>
+            <p:ph type="subTitle" idx="1"/>
+          </p:nvPr>
+        </p:nvSpPr>
+        <p:spPr>
+          <a:xfrm>
+            <a:off x="1524000" y="1063671"/>
+            <a:ext cx="9144000" cy="4435867"/>
+          </a:xfrm>
+        </p:spPr>
+        <p:txBody>
+          <a:bodyPr>
+            <a:normAutofit/>
+          </a:bodyPr>
+          <a:lstStyle/>
+          <a:p>
+            <a:pPr algn="l"/>
+            <a:endParaRPr lang="en-GB" dirty="0"/>
+          </a:p>
+          <a:p>
+            <a:pPr algn="l"/>
+            <a:endParaRPr lang="en-GB" dirty="0"/>
+          </a:p>
+          <a:p>
+            <a:pPr algn="l"/>
+            <a:endParaRPr lang="en-GB" dirty="0"/>
+          </a:p>
+        </p:txBody>
+      </p:sp>
+    </p:spTree>
+    <p:extLst>
+      <p:ext uri="{BB962C8B-B14F-4D97-AF65-F5344CB8AC3E}">
+        <p14:creationId xmlns:p14="http://schemas.microsoft.com/office/powerpoint/2010/main" val="3459993194"/>
       </p:ext>
     </p:extLst>
   </p:cSld>

--- a/PBIID/PowerBI Int Dev slides Q1-2019-shared.pptx
+++ b/PBIID/PowerBI Int Dev slides Q1-2019-shared.pptx
@@ -5,7 +5,7 @@
     <p:sldMasterId id="2147483648" r:id="rId1"/>
   </p:sldMasterIdLst>
   <p:notesMasterIdLst>
-    <p:notesMasterId r:id="rId35"/>
+    <p:notesMasterId r:id="rId57"/>
   </p:notesMasterIdLst>
   <p:sldIdLst>
     <p:sldId id="270" r:id="rId2"/>
@@ -37,10 +37,32 @@
     <p:sldId id="287" r:id="rId28"/>
     <p:sldId id="278" r:id="rId29"/>
     <p:sldId id="298" r:id="rId30"/>
-    <p:sldId id="292" r:id="rId31"/>
-    <p:sldId id="297" r:id="rId32"/>
-    <p:sldId id="296" r:id="rId33"/>
-    <p:sldId id="294" r:id="rId34"/>
+    <p:sldId id="299" r:id="rId31"/>
+    <p:sldId id="304" r:id="rId32"/>
+    <p:sldId id="309" r:id="rId33"/>
+    <p:sldId id="257" r:id="rId34"/>
+    <p:sldId id="310" r:id="rId35"/>
+    <p:sldId id="259" r:id="rId36"/>
+    <p:sldId id="311" r:id="rId37"/>
+    <p:sldId id="306" r:id="rId38"/>
+    <p:sldId id="312" r:id="rId39"/>
+    <p:sldId id="313" r:id="rId40"/>
+    <p:sldId id="314" r:id="rId41"/>
+    <p:sldId id="263" r:id="rId42"/>
+    <p:sldId id="315" r:id="rId43"/>
+    <p:sldId id="273" r:id="rId44"/>
+    <p:sldId id="300" r:id="rId45"/>
+    <p:sldId id="303" r:id="rId46"/>
+    <p:sldId id="292" r:id="rId47"/>
+    <p:sldId id="290" r:id="rId48"/>
+    <p:sldId id="297" r:id="rId49"/>
+    <p:sldId id="302" r:id="rId50"/>
+    <p:sldId id="296" r:id="rId51"/>
+    <p:sldId id="293" r:id="rId52"/>
+    <p:sldId id="294" r:id="rId53"/>
+    <p:sldId id="276" r:id="rId54"/>
+    <p:sldId id="301" r:id="rId55"/>
+    <p:sldId id="274" r:id="rId56"/>
   </p:sldIdLst>
   <p:sldSz cx="12192000" cy="6858000"/>
   <p:notesSz cx="6858000" cy="9144000"/>
@@ -229,7 +251,7 @@
           <a:p>
             <a:fld id="{B843760A-9520-4BC0-B10F-C5CF685FC6EF}" type="datetimeFigureOut">
               <a:rPr lang="en-GB" smtClean="0"/>
-              <a:t>08/02/2019</a:t>
+              <a:t>16/02/2019</a:t>
             </a:fld>
             <a:endParaRPr lang="en-GB"/>
           </a:p>
@@ -1929,7 +1951,7 @@
     </p:spTree>
     <p:extLst>
       <p:ext uri="{BB962C8B-B14F-4D97-AF65-F5344CB8AC3E}">
-        <p14:creationId xmlns:p14="http://schemas.microsoft.com/office/powerpoint/2010/main" val="522867657"/>
+        <p14:creationId xmlns:p14="http://schemas.microsoft.com/office/powerpoint/2010/main" val="654872576"/>
       </p:ext>
     </p:extLst>
   </p:cSld>
@@ -2013,7 +2035,7 @@
     </p:spTree>
     <p:extLst>
       <p:ext uri="{BB962C8B-B14F-4D97-AF65-F5344CB8AC3E}">
-        <p14:creationId xmlns:p14="http://schemas.microsoft.com/office/powerpoint/2010/main" val="3166562621"/>
+        <p14:creationId xmlns:p14="http://schemas.microsoft.com/office/powerpoint/2010/main" val="2002585990"/>
       </p:ext>
     </p:extLst>
   </p:cSld>
@@ -2088,7 +2110,7 @@
           <a:p>
             <a:fld id="{EBB36E36-5F05-4A8D-8B75-4C30BD81749B}" type="slidenum">
               <a:rPr lang="en-GB" smtClean="0"/>
-              <a:t>32</a:t>
+              <a:t>37</a:t>
             </a:fld>
             <a:endParaRPr lang="en-GB"/>
           </a:p>
@@ -2097,7 +2119,7 @@
     </p:spTree>
     <p:extLst>
       <p:ext uri="{BB962C8B-B14F-4D97-AF65-F5344CB8AC3E}">
-        <p14:creationId xmlns:p14="http://schemas.microsoft.com/office/powerpoint/2010/main" val="3777899884"/>
+        <p14:creationId xmlns:p14="http://schemas.microsoft.com/office/powerpoint/2010/main" val="464649995"/>
       </p:ext>
     </p:extLst>
   </p:cSld>
@@ -2172,7 +2194,7 @@
           <a:p>
             <a:fld id="{EBB36E36-5F05-4A8D-8B75-4C30BD81749B}" type="slidenum">
               <a:rPr lang="en-GB" smtClean="0"/>
-              <a:t>33</a:t>
+              <a:t>43</a:t>
             </a:fld>
             <a:endParaRPr lang="en-GB"/>
           </a:p>
@@ -2181,7 +2203,175 @@
     </p:spTree>
     <p:extLst>
       <p:ext uri="{BB962C8B-B14F-4D97-AF65-F5344CB8AC3E}">
-        <p14:creationId xmlns:p14="http://schemas.microsoft.com/office/powerpoint/2010/main" val="1165681388"/>
+        <p14:creationId xmlns:p14="http://schemas.microsoft.com/office/powerpoint/2010/main" val="1794309397"/>
+      </p:ext>
+    </p:extLst>
+  </p:cSld>
+  <p:clrMapOvr>
+    <a:masterClrMapping/>
+  </p:clrMapOvr>
+</p:notes>
+</file>
+
+<file path=ppt/notesSlides/notesSlide28.xml><?xml version="1.0" encoding="utf-8"?>
+<p:notes xmlns:a="http://schemas.openxmlformats.org/drawingml/2006/main" xmlns:r="http://schemas.openxmlformats.org/officeDocument/2006/relationships" xmlns:p="http://schemas.openxmlformats.org/presentationml/2006/main">
+  <p:cSld>
+    <p:spTree>
+      <p:nvGrpSpPr>
+        <p:cNvPr id="1" name=""/>
+        <p:cNvGrpSpPr/>
+        <p:nvPr/>
+      </p:nvGrpSpPr>
+      <p:grpSpPr>
+        <a:xfrm>
+          <a:off x="0" y="0"/>
+          <a:ext cx="0" cy="0"/>
+          <a:chOff x="0" y="0"/>
+          <a:chExt cx="0" cy="0"/>
+        </a:xfrm>
+      </p:grpSpPr>
+      <p:sp>
+        <p:nvSpPr>
+          <p:cNvPr id="2" name="Slide Image Placeholder 1"/>
+          <p:cNvSpPr>
+            <a:spLocks noGrp="1" noRot="1" noChangeAspect="1"/>
+          </p:cNvSpPr>
+          <p:nvPr>
+            <p:ph type="sldImg"/>
+          </p:nvPr>
+        </p:nvSpPr>
+        <p:spPr/>
+      </p:sp>
+      <p:sp>
+        <p:nvSpPr>
+          <p:cNvPr id="3" name="Notes Placeholder 2"/>
+          <p:cNvSpPr>
+            <a:spLocks noGrp="1"/>
+          </p:cNvSpPr>
+          <p:nvPr>
+            <p:ph type="body" idx="1"/>
+          </p:nvPr>
+        </p:nvSpPr>
+        <p:spPr/>
+        <p:txBody>
+          <a:bodyPr/>
+          <a:lstStyle/>
+          <a:p>
+            <a:endParaRPr lang="en-GB" dirty="0"/>
+          </a:p>
+        </p:txBody>
+      </p:sp>
+      <p:sp>
+        <p:nvSpPr>
+          <p:cNvPr id="4" name="Slide Number Placeholder 3"/>
+          <p:cNvSpPr>
+            <a:spLocks noGrp="1"/>
+          </p:cNvSpPr>
+          <p:nvPr>
+            <p:ph type="sldNum" sz="quarter" idx="5"/>
+          </p:nvPr>
+        </p:nvSpPr>
+        <p:spPr/>
+        <p:txBody>
+          <a:bodyPr/>
+          <a:lstStyle/>
+          <a:p>
+            <a:fld id="{EBB36E36-5F05-4A8D-8B75-4C30BD81749B}" type="slidenum">
+              <a:rPr lang="en-GB" smtClean="0"/>
+              <a:t>44</a:t>
+            </a:fld>
+            <a:endParaRPr lang="en-GB"/>
+          </a:p>
+        </p:txBody>
+      </p:sp>
+    </p:spTree>
+    <p:extLst>
+      <p:ext uri="{BB962C8B-B14F-4D97-AF65-F5344CB8AC3E}">
+        <p14:creationId xmlns:p14="http://schemas.microsoft.com/office/powerpoint/2010/main" val="3935842268"/>
+      </p:ext>
+    </p:extLst>
+  </p:cSld>
+  <p:clrMapOvr>
+    <a:masterClrMapping/>
+  </p:clrMapOvr>
+</p:notes>
+</file>
+
+<file path=ppt/notesSlides/notesSlide29.xml><?xml version="1.0" encoding="utf-8"?>
+<p:notes xmlns:a="http://schemas.openxmlformats.org/drawingml/2006/main" xmlns:r="http://schemas.openxmlformats.org/officeDocument/2006/relationships" xmlns:p="http://schemas.openxmlformats.org/presentationml/2006/main">
+  <p:cSld>
+    <p:spTree>
+      <p:nvGrpSpPr>
+        <p:cNvPr id="1" name=""/>
+        <p:cNvGrpSpPr/>
+        <p:nvPr/>
+      </p:nvGrpSpPr>
+      <p:grpSpPr>
+        <a:xfrm>
+          <a:off x="0" y="0"/>
+          <a:ext cx="0" cy="0"/>
+          <a:chOff x="0" y="0"/>
+          <a:chExt cx="0" cy="0"/>
+        </a:xfrm>
+      </p:grpSpPr>
+      <p:sp>
+        <p:nvSpPr>
+          <p:cNvPr id="2" name="Slide Image Placeholder 1"/>
+          <p:cNvSpPr>
+            <a:spLocks noGrp="1" noRot="1" noChangeAspect="1"/>
+          </p:cNvSpPr>
+          <p:nvPr>
+            <p:ph type="sldImg"/>
+          </p:nvPr>
+        </p:nvSpPr>
+        <p:spPr/>
+      </p:sp>
+      <p:sp>
+        <p:nvSpPr>
+          <p:cNvPr id="3" name="Notes Placeholder 2"/>
+          <p:cNvSpPr>
+            <a:spLocks noGrp="1"/>
+          </p:cNvSpPr>
+          <p:nvPr>
+            <p:ph type="body" idx="1"/>
+          </p:nvPr>
+        </p:nvSpPr>
+        <p:spPr/>
+        <p:txBody>
+          <a:bodyPr/>
+          <a:lstStyle/>
+          <a:p>
+            <a:endParaRPr lang="en-GB" dirty="0"/>
+          </a:p>
+        </p:txBody>
+      </p:sp>
+      <p:sp>
+        <p:nvSpPr>
+          <p:cNvPr id="4" name="Slide Number Placeholder 3"/>
+          <p:cNvSpPr>
+            <a:spLocks noGrp="1"/>
+          </p:cNvSpPr>
+          <p:nvPr>
+            <p:ph type="sldNum" sz="quarter" idx="5"/>
+          </p:nvPr>
+        </p:nvSpPr>
+        <p:spPr/>
+        <p:txBody>
+          <a:bodyPr/>
+          <a:lstStyle/>
+          <a:p>
+            <a:fld id="{EBB36E36-5F05-4A8D-8B75-4C30BD81749B}" type="slidenum">
+              <a:rPr lang="en-GB" smtClean="0"/>
+              <a:t>45</a:t>
+            </a:fld>
+            <a:endParaRPr lang="en-GB"/>
+          </a:p>
+        </p:txBody>
+      </p:sp>
+    </p:spTree>
+    <p:extLst>
+      <p:ext uri="{BB962C8B-B14F-4D97-AF65-F5344CB8AC3E}">
+        <p14:creationId xmlns:p14="http://schemas.microsoft.com/office/powerpoint/2010/main" val="2513381945"/>
       </p:ext>
     </p:extLst>
   </p:cSld>
@@ -2266,6 +2456,869 @@
     <p:extLst>
       <p:ext uri="{BB962C8B-B14F-4D97-AF65-F5344CB8AC3E}">
         <p14:creationId xmlns:p14="http://schemas.microsoft.com/office/powerpoint/2010/main" val="1120164411"/>
+      </p:ext>
+    </p:extLst>
+  </p:cSld>
+  <p:clrMapOvr>
+    <a:masterClrMapping/>
+  </p:clrMapOvr>
+</p:notes>
+</file>
+
+<file path=ppt/notesSlides/notesSlide30.xml><?xml version="1.0" encoding="utf-8"?>
+<p:notes xmlns:a="http://schemas.openxmlformats.org/drawingml/2006/main" xmlns:r="http://schemas.openxmlformats.org/officeDocument/2006/relationships" xmlns:p="http://schemas.openxmlformats.org/presentationml/2006/main">
+  <p:cSld>
+    <p:spTree>
+      <p:nvGrpSpPr>
+        <p:cNvPr id="1" name=""/>
+        <p:cNvGrpSpPr/>
+        <p:nvPr/>
+      </p:nvGrpSpPr>
+      <p:grpSpPr>
+        <a:xfrm>
+          <a:off x="0" y="0"/>
+          <a:ext cx="0" cy="0"/>
+          <a:chOff x="0" y="0"/>
+          <a:chExt cx="0" cy="0"/>
+        </a:xfrm>
+      </p:grpSpPr>
+      <p:sp>
+        <p:nvSpPr>
+          <p:cNvPr id="2" name="Slide Image Placeholder 1"/>
+          <p:cNvSpPr>
+            <a:spLocks noGrp="1" noRot="1" noChangeAspect="1"/>
+          </p:cNvSpPr>
+          <p:nvPr>
+            <p:ph type="sldImg"/>
+          </p:nvPr>
+        </p:nvSpPr>
+        <p:spPr/>
+      </p:sp>
+      <p:sp>
+        <p:nvSpPr>
+          <p:cNvPr id="3" name="Notes Placeholder 2"/>
+          <p:cNvSpPr>
+            <a:spLocks noGrp="1"/>
+          </p:cNvSpPr>
+          <p:nvPr>
+            <p:ph type="body" idx="1"/>
+          </p:nvPr>
+        </p:nvSpPr>
+        <p:spPr/>
+        <p:txBody>
+          <a:bodyPr/>
+          <a:lstStyle/>
+          <a:p>
+            <a:endParaRPr lang="en-GB" dirty="0"/>
+          </a:p>
+        </p:txBody>
+      </p:sp>
+      <p:sp>
+        <p:nvSpPr>
+          <p:cNvPr id="4" name="Slide Number Placeholder 3"/>
+          <p:cNvSpPr>
+            <a:spLocks noGrp="1"/>
+          </p:cNvSpPr>
+          <p:nvPr>
+            <p:ph type="sldNum" sz="quarter" idx="5"/>
+          </p:nvPr>
+        </p:nvSpPr>
+        <p:spPr/>
+        <p:txBody>
+          <a:bodyPr/>
+          <a:lstStyle/>
+          <a:p>
+            <a:fld id="{EBB36E36-5F05-4A8D-8B75-4C30BD81749B}" type="slidenum">
+              <a:rPr lang="en-GB" smtClean="0"/>
+              <a:t>46</a:t>
+            </a:fld>
+            <a:endParaRPr lang="en-GB"/>
+          </a:p>
+        </p:txBody>
+      </p:sp>
+    </p:spTree>
+    <p:extLst>
+      <p:ext uri="{BB962C8B-B14F-4D97-AF65-F5344CB8AC3E}">
+        <p14:creationId xmlns:p14="http://schemas.microsoft.com/office/powerpoint/2010/main" val="522867657"/>
+      </p:ext>
+    </p:extLst>
+  </p:cSld>
+  <p:clrMapOvr>
+    <a:masterClrMapping/>
+  </p:clrMapOvr>
+</p:notes>
+</file>
+
+<file path=ppt/notesSlides/notesSlide31.xml><?xml version="1.0" encoding="utf-8"?>
+<p:notes xmlns:a="http://schemas.openxmlformats.org/drawingml/2006/main" xmlns:r="http://schemas.openxmlformats.org/officeDocument/2006/relationships" xmlns:p="http://schemas.openxmlformats.org/presentationml/2006/main">
+  <p:cSld>
+    <p:spTree>
+      <p:nvGrpSpPr>
+        <p:cNvPr id="1" name=""/>
+        <p:cNvGrpSpPr/>
+        <p:nvPr/>
+      </p:nvGrpSpPr>
+      <p:grpSpPr>
+        <a:xfrm>
+          <a:off x="0" y="0"/>
+          <a:ext cx="0" cy="0"/>
+          <a:chOff x="0" y="0"/>
+          <a:chExt cx="0" cy="0"/>
+        </a:xfrm>
+      </p:grpSpPr>
+      <p:sp>
+        <p:nvSpPr>
+          <p:cNvPr id="2" name="Slide Image Placeholder 1"/>
+          <p:cNvSpPr>
+            <a:spLocks noGrp="1" noRot="1" noChangeAspect="1"/>
+          </p:cNvSpPr>
+          <p:nvPr>
+            <p:ph type="sldImg"/>
+          </p:nvPr>
+        </p:nvSpPr>
+        <p:spPr/>
+      </p:sp>
+      <p:sp>
+        <p:nvSpPr>
+          <p:cNvPr id="3" name="Notes Placeholder 2"/>
+          <p:cNvSpPr>
+            <a:spLocks noGrp="1"/>
+          </p:cNvSpPr>
+          <p:nvPr>
+            <p:ph type="body" idx="1"/>
+          </p:nvPr>
+        </p:nvSpPr>
+        <p:spPr/>
+        <p:txBody>
+          <a:bodyPr/>
+          <a:lstStyle/>
+          <a:p>
+            <a:endParaRPr lang="en-GB" dirty="0"/>
+          </a:p>
+        </p:txBody>
+      </p:sp>
+      <p:sp>
+        <p:nvSpPr>
+          <p:cNvPr id="4" name="Slide Number Placeholder 3"/>
+          <p:cNvSpPr>
+            <a:spLocks noGrp="1"/>
+          </p:cNvSpPr>
+          <p:nvPr>
+            <p:ph type="sldNum" sz="quarter" idx="5"/>
+          </p:nvPr>
+        </p:nvSpPr>
+        <p:spPr/>
+        <p:txBody>
+          <a:bodyPr/>
+          <a:lstStyle/>
+          <a:p>
+            <a:fld id="{EBB36E36-5F05-4A8D-8B75-4C30BD81749B}" type="slidenum">
+              <a:rPr lang="en-GB" smtClean="0"/>
+              <a:t>47</a:t>
+            </a:fld>
+            <a:endParaRPr lang="en-GB"/>
+          </a:p>
+        </p:txBody>
+      </p:sp>
+    </p:spTree>
+    <p:extLst>
+      <p:ext uri="{BB962C8B-B14F-4D97-AF65-F5344CB8AC3E}">
+        <p14:creationId xmlns:p14="http://schemas.microsoft.com/office/powerpoint/2010/main" val="2785548561"/>
+      </p:ext>
+    </p:extLst>
+  </p:cSld>
+  <p:clrMapOvr>
+    <a:masterClrMapping/>
+  </p:clrMapOvr>
+</p:notes>
+</file>
+
+<file path=ppt/notesSlides/notesSlide32.xml><?xml version="1.0" encoding="utf-8"?>
+<p:notes xmlns:a="http://schemas.openxmlformats.org/drawingml/2006/main" xmlns:r="http://schemas.openxmlformats.org/officeDocument/2006/relationships" xmlns:p="http://schemas.openxmlformats.org/presentationml/2006/main">
+  <p:cSld>
+    <p:spTree>
+      <p:nvGrpSpPr>
+        <p:cNvPr id="1" name=""/>
+        <p:cNvGrpSpPr/>
+        <p:nvPr/>
+      </p:nvGrpSpPr>
+      <p:grpSpPr>
+        <a:xfrm>
+          <a:off x="0" y="0"/>
+          <a:ext cx="0" cy="0"/>
+          <a:chOff x="0" y="0"/>
+          <a:chExt cx="0" cy="0"/>
+        </a:xfrm>
+      </p:grpSpPr>
+      <p:sp>
+        <p:nvSpPr>
+          <p:cNvPr id="2" name="Slide Image Placeholder 1"/>
+          <p:cNvSpPr>
+            <a:spLocks noGrp="1" noRot="1" noChangeAspect="1"/>
+          </p:cNvSpPr>
+          <p:nvPr>
+            <p:ph type="sldImg"/>
+          </p:nvPr>
+        </p:nvSpPr>
+        <p:spPr/>
+      </p:sp>
+      <p:sp>
+        <p:nvSpPr>
+          <p:cNvPr id="3" name="Notes Placeholder 2"/>
+          <p:cNvSpPr>
+            <a:spLocks noGrp="1"/>
+          </p:cNvSpPr>
+          <p:nvPr>
+            <p:ph type="body" idx="1"/>
+          </p:nvPr>
+        </p:nvSpPr>
+        <p:spPr/>
+        <p:txBody>
+          <a:bodyPr/>
+          <a:lstStyle/>
+          <a:p>
+            <a:endParaRPr lang="en-GB" dirty="0"/>
+          </a:p>
+        </p:txBody>
+      </p:sp>
+      <p:sp>
+        <p:nvSpPr>
+          <p:cNvPr id="4" name="Slide Number Placeholder 3"/>
+          <p:cNvSpPr>
+            <a:spLocks noGrp="1"/>
+          </p:cNvSpPr>
+          <p:nvPr>
+            <p:ph type="sldNum" sz="quarter" idx="5"/>
+          </p:nvPr>
+        </p:nvSpPr>
+        <p:spPr/>
+        <p:txBody>
+          <a:bodyPr/>
+          <a:lstStyle/>
+          <a:p>
+            <a:fld id="{EBB36E36-5F05-4A8D-8B75-4C30BD81749B}" type="slidenum">
+              <a:rPr lang="en-GB" smtClean="0"/>
+              <a:t>48</a:t>
+            </a:fld>
+            <a:endParaRPr lang="en-GB"/>
+          </a:p>
+        </p:txBody>
+      </p:sp>
+    </p:spTree>
+    <p:extLst>
+      <p:ext uri="{BB962C8B-B14F-4D97-AF65-F5344CB8AC3E}">
+        <p14:creationId xmlns:p14="http://schemas.microsoft.com/office/powerpoint/2010/main" val="3166562621"/>
+      </p:ext>
+    </p:extLst>
+  </p:cSld>
+  <p:clrMapOvr>
+    <a:masterClrMapping/>
+  </p:clrMapOvr>
+</p:notes>
+</file>
+
+<file path=ppt/notesSlides/notesSlide33.xml><?xml version="1.0" encoding="utf-8"?>
+<p:notes xmlns:a="http://schemas.openxmlformats.org/drawingml/2006/main" xmlns:r="http://schemas.openxmlformats.org/officeDocument/2006/relationships" xmlns:p="http://schemas.openxmlformats.org/presentationml/2006/main">
+  <p:cSld>
+    <p:spTree>
+      <p:nvGrpSpPr>
+        <p:cNvPr id="1" name=""/>
+        <p:cNvGrpSpPr/>
+        <p:nvPr/>
+      </p:nvGrpSpPr>
+      <p:grpSpPr>
+        <a:xfrm>
+          <a:off x="0" y="0"/>
+          <a:ext cx="0" cy="0"/>
+          <a:chOff x="0" y="0"/>
+          <a:chExt cx="0" cy="0"/>
+        </a:xfrm>
+      </p:grpSpPr>
+      <p:sp>
+        <p:nvSpPr>
+          <p:cNvPr id="2" name="Slide Image Placeholder 1"/>
+          <p:cNvSpPr>
+            <a:spLocks noGrp="1" noRot="1" noChangeAspect="1"/>
+          </p:cNvSpPr>
+          <p:nvPr>
+            <p:ph type="sldImg"/>
+          </p:nvPr>
+        </p:nvSpPr>
+        <p:spPr/>
+      </p:sp>
+      <p:sp>
+        <p:nvSpPr>
+          <p:cNvPr id="3" name="Notes Placeholder 2"/>
+          <p:cNvSpPr>
+            <a:spLocks noGrp="1"/>
+          </p:cNvSpPr>
+          <p:nvPr>
+            <p:ph type="body" idx="1"/>
+          </p:nvPr>
+        </p:nvSpPr>
+        <p:spPr/>
+        <p:txBody>
+          <a:bodyPr/>
+          <a:lstStyle/>
+          <a:p>
+            <a:endParaRPr lang="en-GB" dirty="0"/>
+          </a:p>
+        </p:txBody>
+      </p:sp>
+      <p:sp>
+        <p:nvSpPr>
+          <p:cNvPr id="4" name="Slide Number Placeholder 3"/>
+          <p:cNvSpPr>
+            <a:spLocks noGrp="1"/>
+          </p:cNvSpPr>
+          <p:nvPr>
+            <p:ph type="sldNum" sz="quarter" idx="5"/>
+          </p:nvPr>
+        </p:nvSpPr>
+        <p:spPr/>
+        <p:txBody>
+          <a:bodyPr/>
+          <a:lstStyle/>
+          <a:p>
+            <a:fld id="{EBB36E36-5F05-4A8D-8B75-4C30BD81749B}" type="slidenum">
+              <a:rPr lang="en-GB" smtClean="0"/>
+              <a:t>49</a:t>
+            </a:fld>
+            <a:endParaRPr lang="en-GB"/>
+          </a:p>
+        </p:txBody>
+      </p:sp>
+    </p:spTree>
+    <p:extLst>
+      <p:ext uri="{BB962C8B-B14F-4D97-AF65-F5344CB8AC3E}">
+        <p14:creationId xmlns:p14="http://schemas.microsoft.com/office/powerpoint/2010/main" val="2397362473"/>
+      </p:ext>
+    </p:extLst>
+  </p:cSld>
+  <p:clrMapOvr>
+    <a:masterClrMapping/>
+  </p:clrMapOvr>
+</p:notes>
+</file>
+
+<file path=ppt/notesSlides/notesSlide34.xml><?xml version="1.0" encoding="utf-8"?>
+<p:notes xmlns:a="http://schemas.openxmlformats.org/drawingml/2006/main" xmlns:r="http://schemas.openxmlformats.org/officeDocument/2006/relationships" xmlns:p="http://schemas.openxmlformats.org/presentationml/2006/main">
+  <p:cSld>
+    <p:spTree>
+      <p:nvGrpSpPr>
+        <p:cNvPr id="1" name=""/>
+        <p:cNvGrpSpPr/>
+        <p:nvPr/>
+      </p:nvGrpSpPr>
+      <p:grpSpPr>
+        <a:xfrm>
+          <a:off x="0" y="0"/>
+          <a:ext cx="0" cy="0"/>
+          <a:chOff x="0" y="0"/>
+          <a:chExt cx="0" cy="0"/>
+        </a:xfrm>
+      </p:grpSpPr>
+      <p:sp>
+        <p:nvSpPr>
+          <p:cNvPr id="2" name="Slide Image Placeholder 1"/>
+          <p:cNvSpPr>
+            <a:spLocks noGrp="1" noRot="1" noChangeAspect="1"/>
+          </p:cNvSpPr>
+          <p:nvPr>
+            <p:ph type="sldImg"/>
+          </p:nvPr>
+        </p:nvSpPr>
+        <p:spPr/>
+      </p:sp>
+      <p:sp>
+        <p:nvSpPr>
+          <p:cNvPr id="3" name="Notes Placeholder 2"/>
+          <p:cNvSpPr>
+            <a:spLocks noGrp="1"/>
+          </p:cNvSpPr>
+          <p:nvPr>
+            <p:ph type="body" idx="1"/>
+          </p:nvPr>
+        </p:nvSpPr>
+        <p:spPr/>
+        <p:txBody>
+          <a:bodyPr/>
+          <a:lstStyle/>
+          <a:p>
+            <a:endParaRPr lang="en-GB" dirty="0"/>
+          </a:p>
+        </p:txBody>
+      </p:sp>
+      <p:sp>
+        <p:nvSpPr>
+          <p:cNvPr id="4" name="Slide Number Placeholder 3"/>
+          <p:cNvSpPr>
+            <a:spLocks noGrp="1"/>
+          </p:cNvSpPr>
+          <p:nvPr>
+            <p:ph type="sldNum" sz="quarter" idx="5"/>
+          </p:nvPr>
+        </p:nvSpPr>
+        <p:spPr/>
+        <p:txBody>
+          <a:bodyPr/>
+          <a:lstStyle/>
+          <a:p>
+            <a:fld id="{EBB36E36-5F05-4A8D-8B75-4C30BD81749B}" type="slidenum">
+              <a:rPr lang="en-GB" smtClean="0"/>
+              <a:t>50</a:t>
+            </a:fld>
+            <a:endParaRPr lang="en-GB"/>
+          </a:p>
+        </p:txBody>
+      </p:sp>
+    </p:spTree>
+    <p:extLst>
+      <p:ext uri="{BB962C8B-B14F-4D97-AF65-F5344CB8AC3E}">
+        <p14:creationId xmlns:p14="http://schemas.microsoft.com/office/powerpoint/2010/main" val="3777899884"/>
+      </p:ext>
+    </p:extLst>
+  </p:cSld>
+  <p:clrMapOvr>
+    <a:masterClrMapping/>
+  </p:clrMapOvr>
+</p:notes>
+</file>
+
+<file path=ppt/notesSlides/notesSlide35.xml><?xml version="1.0" encoding="utf-8"?>
+<p:notes xmlns:a="http://schemas.openxmlformats.org/drawingml/2006/main" xmlns:r="http://schemas.openxmlformats.org/officeDocument/2006/relationships" xmlns:p="http://schemas.openxmlformats.org/presentationml/2006/main">
+  <p:cSld>
+    <p:spTree>
+      <p:nvGrpSpPr>
+        <p:cNvPr id="1" name=""/>
+        <p:cNvGrpSpPr/>
+        <p:nvPr/>
+      </p:nvGrpSpPr>
+      <p:grpSpPr>
+        <a:xfrm>
+          <a:off x="0" y="0"/>
+          <a:ext cx="0" cy="0"/>
+          <a:chOff x="0" y="0"/>
+          <a:chExt cx="0" cy="0"/>
+        </a:xfrm>
+      </p:grpSpPr>
+      <p:sp>
+        <p:nvSpPr>
+          <p:cNvPr id="2" name="Slide Image Placeholder 1"/>
+          <p:cNvSpPr>
+            <a:spLocks noGrp="1" noRot="1" noChangeAspect="1"/>
+          </p:cNvSpPr>
+          <p:nvPr>
+            <p:ph type="sldImg"/>
+          </p:nvPr>
+        </p:nvSpPr>
+        <p:spPr/>
+      </p:sp>
+      <p:sp>
+        <p:nvSpPr>
+          <p:cNvPr id="3" name="Notes Placeholder 2"/>
+          <p:cNvSpPr>
+            <a:spLocks noGrp="1"/>
+          </p:cNvSpPr>
+          <p:nvPr>
+            <p:ph type="body" idx="1"/>
+          </p:nvPr>
+        </p:nvSpPr>
+        <p:spPr/>
+        <p:txBody>
+          <a:bodyPr/>
+          <a:lstStyle/>
+          <a:p>
+            <a:endParaRPr lang="en-GB" dirty="0"/>
+          </a:p>
+        </p:txBody>
+      </p:sp>
+      <p:sp>
+        <p:nvSpPr>
+          <p:cNvPr id="4" name="Slide Number Placeholder 3"/>
+          <p:cNvSpPr>
+            <a:spLocks noGrp="1"/>
+          </p:cNvSpPr>
+          <p:nvPr>
+            <p:ph type="sldNum" sz="quarter" idx="5"/>
+          </p:nvPr>
+        </p:nvSpPr>
+        <p:spPr/>
+        <p:txBody>
+          <a:bodyPr/>
+          <a:lstStyle/>
+          <a:p>
+            <a:fld id="{EBB36E36-5F05-4A8D-8B75-4C30BD81749B}" type="slidenum">
+              <a:rPr lang="en-GB" smtClean="0"/>
+              <a:t>51</a:t>
+            </a:fld>
+            <a:endParaRPr lang="en-GB"/>
+          </a:p>
+        </p:txBody>
+      </p:sp>
+    </p:spTree>
+    <p:extLst>
+      <p:ext uri="{BB962C8B-B14F-4D97-AF65-F5344CB8AC3E}">
+        <p14:creationId xmlns:p14="http://schemas.microsoft.com/office/powerpoint/2010/main" val="972753508"/>
+      </p:ext>
+    </p:extLst>
+  </p:cSld>
+  <p:clrMapOvr>
+    <a:masterClrMapping/>
+  </p:clrMapOvr>
+</p:notes>
+</file>
+
+<file path=ppt/notesSlides/notesSlide36.xml><?xml version="1.0" encoding="utf-8"?>
+<p:notes xmlns:a="http://schemas.openxmlformats.org/drawingml/2006/main" xmlns:r="http://schemas.openxmlformats.org/officeDocument/2006/relationships" xmlns:p="http://schemas.openxmlformats.org/presentationml/2006/main">
+  <p:cSld>
+    <p:spTree>
+      <p:nvGrpSpPr>
+        <p:cNvPr id="1" name=""/>
+        <p:cNvGrpSpPr/>
+        <p:nvPr/>
+      </p:nvGrpSpPr>
+      <p:grpSpPr>
+        <a:xfrm>
+          <a:off x="0" y="0"/>
+          <a:ext cx="0" cy="0"/>
+          <a:chOff x="0" y="0"/>
+          <a:chExt cx="0" cy="0"/>
+        </a:xfrm>
+      </p:grpSpPr>
+      <p:sp>
+        <p:nvSpPr>
+          <p:cNvPr id="2" name="Slide Image Placeholder 1"/>
+          <p:cNvSpPr>
+            <a:spLocks noGrp="1" noRot="1" noChangeAspect="1"/>
+          </p:cNvSpPr>
+          <p:nvPr>
+            <p:ph type="sldImg"/>
+          </p:nvPr>
+        </p:nvSpPr>
+        <p:spPr/>
+      </p:sp>
+      <p:sp>
+        <p:nvSpPr>
+          <p:cNvPr id="3" name="Notes Placeholder 2"/>
+          <p:cNvSpPr>
+            <a:spLocks noGrp="1"/>
+          </p:cNvSpPr>
+          <p:nvPr>
+            <p:ph type="body" idx="1"/>
+          </p:nvPr>
+        </p:nvSpPr>
+        <p:spPr/>
+        <p:txBody>
+          <a:bodyPr/>
+          <a:lstStyle/>
+          <a:p>
+            <a:endParaRPr lang="en-GB" dirty="0"/>
+          </a:p>
+        </p:txBody>
+      </p:sp>
+      <p:sp>
+        <p:nvSpPr>
+          <p:cNvPr id="4" name="Slide Number Placeholder 3"/>
+          <p:cNvSpPr>
+            <a:spLocks noGrp="1"/>
+          </p:cNvSpPr>
+          <p:nvPr>
+            <p:ph type="sldNum" sz="quarter" idx="5"/>
+          </p:nvPr>
+        </p:nvSpPr>
+        <p:spPr/>
+        <p:txBody>
+          <a:bodyPr/>
+          <a:lstStyle/>
+          <a:p>
+            <a:fld id="{EBB36E36-5F05-4A8D-8B75-4C30BD81749B}" type="slidenum">
+              <a:rPr lang="en-GB" smtClean="0"/>
+              <a:t>52</a:t>
+            </a:fld>
+            <a:endParaRPr lang="en-GB"/>
+          </a:p>
+        </p:txBody>
+      </p:sp>
+    </p:spTree>
+    <p:extLst>
+      <p:ext uri="{BB962C8B-B14F-4D97-AF65-F5344CB8AC3E}">
+        <p14:creationId xmlns:p14="http://schemas.microsoft.com/office/powerpoint/2010/main" val="1165681388"/>
+      </p:ext>
+    </p:extLst>
+  </p:cSld>
+  <p:clrMapOvr>
+    <a:masterClrMapping/>
+  </p:clrMapOvr>
+</p:notes>
+</file>
+
+<file path=ppt/notesSlides/notesSlide37.xml><?xml version="1.0" encoding="utf-8"?>
+<p:notes xmlns:a="http://schemas.openxmlformats.org/drawingml/2006/main" xmlns:r="http://schemas.openxmlformats.org/officeDocument/2006/relationships" xmlns:p="http://schemas.openxmlformats.org/presentationml/2006/main">
+  <p:cSld>
+    <p:spTree>
+      <p:nvGrpSpPr>
+        <p:cNvPr id="1" name=""/>
+        <p:cNvGrpSpPr/>
+        <p:nvPr/>
+      </p:nvGrpSpPr>
+      <p:grpSpPr>
+        <a:xfrm>
+          <a:off x="0" y="0"/>
+          <a:ext cx="0" cy="0"/>
+          <a:chOff x="0" y="0"/>
+          <a:chExt cx="0" cy="0"/>
+        </a:xfrm>
+      </p:grpSpPr>
+      <p:sp>
+        <p:nvSpPr>
+          <p:cNvPr id="2" name="Slide Image Placeholder 1"/>
+          <p:cNvSpPr>
+            <a:spLocks noGrp="1" noRot="1" noChangeAspect="1"/>
+          </p:cNvSpPr>
+          <p:nvPr>
+            <p:ph type="sldImg"/>
+          </p:nvPr>
+        </p:nvSpPr>
+        <p:spPr/>
+      </p:sp>
+      <p:sp>
+        <p:nvSpPr>
+          <p:cNvPr id="3" name="Notes Placeholder 2"/>
+          <p:cNvSpPr>
+            <a:spLocks noGrp="1"/>
+          </p:cNvSpPr>
+          <p:nvPr>
+            <p:ph type="body" idx="1"/>
+          </p:nvPr>
+        </p:nvSpPr>
+        <p:spPr/>
+        <p:txBody>
+          <a:bodyPr/>
+          <a:lstStyle/>
+          <a:p>
+            <a:endParaRPr lang="en-GB" dirty="0"/>
+          </a:p>
+        </p:txBody>
+      </p:sp>
+      <p:sp>
+        <p:nvSpPr>
+          <p:cNvPr id="4" name="Slide Number Placeholder 3"/>
+          <p:cNvSpPr>
+            <a:spLocks noGrp="1"/>
+          </p:cNvSpPr>
+          <p:nvPr>
+            <p:ph type="sldNum" sz="quarter" idx="5"/>
+          </p:nvPr>
+        </p:nvSpPr>
+        <p:spPr/>
+        <p:txBody>
+          <a:bodyPr/>
+          <a:lstStyle/>
+          <a:p>
+            <a:fld id="{EBB36E36-5F05-4A8D-8B75-4C30BD81749B}" type="slidenum">
+              <a:rPr lang="en-GB" smtClean="0"/>
+              <a:t>53</a:t>
+            </a:fld>
+            <a:endParaRPr lang="en-GB"/>
+          </a:p>
+        </p:txBody>
+      </p:sp>
+    </p:spTree>
+    <p:extLst>
+      <p:ext uri="{BB962C8B-B14F-4D97-AF65-F5344CB8AC3E}">
+        <p14:creationId xmlns:p14="http://schemas.microsoft.com/office/powerpoint/2010/main" val="2387782813"/>
+      </p:ext>
+    </p:extLst>
+  </p:cSld>
+  <p:clrMapOvr>
+    <a:masterClrMapping/>
+  </p:clrMapOvr>
+</p:notes>
+</file>
+
+<file path=ppt/notesSlides/notesSlide38.xml><?xml version="1.0" encoding="utf-8"?>
+<p:notes xmlns:a="http://schemas.openxmlformats.org/drawingml/2006/main" xmlns:r="http://schemas.openxmlformats.org/officeDocument/2006/relationships" xmlns:p="http://schemas.openxmlformats.org/presentationml/2006/main">
+  <p:cSld>
+    <p:spTree>
+      <p:nvGrpSpPr>
+        <p:cNvPr id="1" name=""/>
+        <p:cNvGrpSpPr/>
+        <p:nvPr/>
+      </p:nvGrpSpPr>
+      <p:grpSpPr>
+        <a:xfrm>
+          <a:off x="0" y="0"/>
+          <a:ext cx="0" cy="0"/>
+          <a:chOff x="0" y="0"/>
+          <a:chExt cx="0" cy="0"/>
+        </a:xfrm>
+      </p:grpSpPr>
+      <p:sp>
+        <p:nvSpPr>
+          <p:cNvPr id="2" name="Slide Image Placeholder 1"/>
+          <p:cNvSpPr>
+            <a:spLocks noGrp="1" noRot="1" noChangeAspect="1"/>
+          </p:cNvSpPr>
+          <p:nvPr>
+            <p:ph type="sldImg"/>
+          </p:nvPr>
+        </p:nvSpPr>
+        <p:spPr/>
+      </p:sp>
+      <p:sp>
+        <p:nvSpPr>
+          <p:cNvPr id="3" name="Notes Placeholder 2"/>
+          <p:cNvSpPr>
+            <a:spLocks noGrp="1"/>
+          </p:cNvSpPr>
+          <p:nvPr>
+            <p:ph type="body" idx="1"/>
+          </p:nvPr>
+        </p:nvSpPr>
+        <p:spPr/>
+        <p:txBody>
+          <a:bodyPr/>
+          <a:lstStyle/>
+          <a:p>
+            <a:endParaRPr lang="en-GB" dirty="0"/>
+          </a:p>
+        </p:txBody>
+      </p:sp>
+      <p:sp>
+        <p:nvSpPr>
+          <p:cNvPr id="4" name="Slide Number Placeholder 3"/>
+          <p:cNvSpPr>
+            <a:spLocks noGrp="1"/>
+          </p:cNvSpPr>
+          <p:nvPr>
+            <p:ph type="sldNum" sz="quarter" idx="5"/>
+          </p:nvPr>
+        </p:nvSpPr>
+        <p:spPr/>
+        <p:txBody>
+          <a:bodyPr/>
+          <a:lstStyle/>
+          <a:p>
+            <a:fld id="{EBB36E36-5F05-4A8D-8B75-4C30BD81749B}" type="slidenum">
+              <a:rPr lang="en-GB" smtClean="0"/>
+              <a:t>54</a:t>
+            </a:fld>
+            <a:endParaRPr lang="en-GB"/>
+          </a:p>
+        </p:txBody>
+      </p:sp>
+    </p:spTree>
+    <p:extLst>
+      <p:ext uri="{BB962C8B-B14F-4D97-AF65-F5344CB8AC3E}">
+        <p14:creationId xmlns:p14="http://schemas.microsoft.com/office/powerpoint/2010/main" val="2621903133"/>
+      </p:ext>
+    </p:extLst>
+  </p:cSld>
+  <p:clrMapOvr>
+    <a:masterClrMapping/>
+  </p:clrMapOvr>
+</p:notes>
+</file>
+
+<file path=ppt/notesSlides/notesSlide39.xml><?xml version="1.0" encoding="utf-8"?>
+<p:notes xmlns:a="http://schemas.openxmlformats.org/drawingml/2006/main" xmlns:r="http://schemas.openxmlformats.org/officeDocument/2006/relationships" xmlns:p="http://schemas.openxmlformats.org/presentationml/2006/main">
+  <p:cSld>
+    <p:spTree>
+      <p:nvGrpSpPr>
+        <p:cNvPr id="1" name=""/>
+        <p:cNvGrpSpPr/>
+        <p:nvPr/>
+      </p:nvGrpSpPr>
+      <p:grpSpPr>
+        <a:xfrm>
+          <a:off x="0" y="0"/>
+          <a:ext cx="0" cy="0"/>
+          <a:chOff x="0" y="0"/>
+          <a:chExt cx="0" cy="0"/>
+        </a:xfrm>
+      </p:grpSpPr>
+      <p:sp>
+        <p:nvSpPr>
+          <p:cNvPr id="2" name="Slide Image Placeholder 1"/>
+          <p:cNvSpPr>
+            <a:spLocks noGrp="1" noRot="1" noChangeAspect="1"/>
+          </p:cNvSpPr>
+          <p:nvPr>
+            <p:ph type="sldImg"/>
+          </p:nvPr>
+        </p:nvSpPr>
+        <p:spPr/>
+      </p:sp>
+      <p:sp>
+        <p:nvSpPr>
+          <p:cNvPr id="3" name="Notes Placeholder 2"/>
+          <p:cNvSpPr>
+            <a:spLocks noGrp="1"/>
+          </p:cNvSpPr>
+          <p:nvPr>
+            <p:ph type="body" idx="1"/>
+          </p:nvPr>
+        </p:nvSpPr>
+        <p:spPr/>
+        <p:txBody>
+          <a:bodyPr/>
+          <a:lstStyle/>
+          <a:p>
+            <a:pPr marL="0" marR="0" lvl="0" indent="0" algn="l" defTabSz="914400" rtl="0" eaLnBrk="1" fontAlgn="auto" latinLnBrk="0" hangingPunct="1">
+              <a:lnSpc>
+                <a:spcPct val="100000"/>
+              </a:lnSpc>
+              <a:spcBef>
+                <a:spcPts val="0"/>
+              </a:spcBef>
+              <a:spcAft>
+                <a:spcPts val="0"/>
+              </a:spcAft>
+              <a:buClrTx/>
+              <a:buSzTx/>
+              <a:buFontTx/>
+              <a:buNone/>
+              <a:tabLst/>
+              <a:defRPr/>
+            </a:pPr>
+            <a:r>
+              <a:rPr lang="en-GB" dirty="0"/>
+              <a:t>See folder C:\Users\david\Documents\CurAct2017\2017_Study\PowerBI\Training\Power Bi Report Server\wbpbirs-AzureJan2019</a:t>
+            </a:r>
+          </a:p>
+          <a:p>
+            <a:endParaRPr lang="en-GB" dirty="0"/>
+          </a:p>
+        </p:txBody>
+      </p:sp>
+      <p:sp>
+        <p:nvSpPr>
+          <p:cNvPr id="4" name="Slide Number Placeholder 3"/>
+          <p:cNvSpPr>
+            <a:spLocks noGrp="1"/>
+          </p:cNvSpPr>
+          <p:nvPr>
+            <p:ph type="sldNum" sz="quarter" idx="5"/>
+          </p:nvPr>
+        </p:nvSpPr>
+        <p:spPr/>
+        <p:txBody>
+          <a:bodyPr/>
+          <a:lstStyle/>
+          <a:p>
+            <a:fld id="{EBB36E36-5F05-4A8D-8B75-4C30BD81749B}" type="slidenum">
+              <a:rPr lang="en-GB" smtClean="0"/>
+              <a:t>55</a:t>
+            </a:fld>
+            <a:endParaRPr lang="en-GB"/>
+          </a:p>
+        </p:txBody>
+      </p:sp>
+    </p:spTree>
+    <p:extLst>
+      <p:ext uri="{BB962C8B-B14F-4D97-AF65-F5344CB8AC3E}">
+        <p14:creationId xmlns:p14="http://schemas.microsoft.com/office/powerpoint/2010/main" val="2954056020"/>
       </p:ext>
     </p:extLst>
   </p:cSld>
@@ -3126,7 +4179,7 @@
           <a:p>
             <a:fld id="{E5D7BA62-63A5-4D0D-BF80-A1F4909EFF75}" type="datetimeFigureOut">
               <a:rPr lang="en-GB" smtClean="0"/>
-              <a:t>08/02/2019</a:t>
+              <a:t>16/02/2019</a:t>
             </a:fld>
             <a:endParaRPr lang="en-GB"/>
           </a:p>
@@ -3336,7 +4389,7 @@
           <a:p>
             <a:fld id="{E5D7BA62-63A5-4D0D-BF80-A1F4909EFF75}" type="datetimeFigureOut">
               <a:rPr lang="en-GB" smtClean="0"/>
-              <a:t>08/02/2019</a:t>
+              <a:t>16/02/2019</a:t>
             </a:fld>
             <a:endParaRPr lang="en-GB"/>
           </a:p>
@@ -3614,7 +4667,7 @@
           <a:p>
             <a:fld id="{E5D7BA62-63A5-4D0D-BF80-A1F4909EFF75}" type="datetimeFigureOut">
               <a:rPr lang="en-GB" smtClean="0"/>
-              <a:t>08/02/2019</a:t>
+              <a:t>16/02/2019</a:t>
             </a:fld>
             <a:endParaRPr lang="en-GB"/>
           </a:p>
@@ -3890,7 +4943,7 @@
           <a:p>
             <a:fld id="{E5D7BA62-63A5-4D0D-BF80-A1F4909EFF75}" type="datetimeFigureOut">
               <a:rPr lang="en-GB" smtClean="0"/>
-              <a:t>08/02/2019</a:t>
+              <a:t>16/02/2019</a:t>
             </a:fld>
             <a:endParaRPr lang="en-GB"/>
           </a:p>
@@ -4158,7 +5211,7 @@
           <a:p>
             <a:fld id="{E5D7BA62-63A5-4D0D-BF80-A1F4909EFF75}" type="datetimeFigureOut">
               <a:rPr lang="en-GB" smtClean="0"/>
-              <a:t>08/02/2019</a:t>
+              <a:t>16/02/2019</a:t>
             </a:fld>
             <a:endParaRPr lang="en-GB"/>
           </a:p>
@@ -4573,7 +5626,7 @@
           <a:p>
             <a:fld id="{E5D7BA62-63A5-4D0D-BF80-A1F4909EFF75}" type="datetimeFigureOut">
               <a:rPr lang="en-GB" smtClean="0"/>
-              <a:t>08/02/2019</a:t>
+              <a:t>16/02/2019</a:t>
             </a:fld>
             <a:endParaRPr lang="en-GB"/>
           </a:p>
@@ -4715,7 +5768,7 @@
           <a:p>
             <a:fld id="{E5D7BA62-63A5-4D0D-BF80-A1F4909EFF75}" type="datetimeFigureOut">
               <a:rPr lang="en-GB" smtClean="0"/>
-              <a:t>08/02/2019</a:t>
+              <a:t>16/02/2019</a:t>
             </a:fld>
             <a:endParaRPr lang="en-GB"/>
           </a:p>
@@ -4828,7 +5881,7 @@
           <a:p>
             <a:fld id="{E5D7BA62-63A5-4D0D-BF80-A1F4909EFF75}" type="datetimeFigureOut">
               <a:rPr lang="en-GB" smtClean="0"/>
-              <a:t>08/02/2019</a:t>
+              <a:t>16/02/2019</a:t>
             </a:fld>
             <a:endParaRPr lang="en-GB"/>
           </a:p>
@@ -5141,7 +6194,7 @@
           <a:p>
             <a:fld id="{E5D7BA62-63A5-4D0D-BF80-A1F4909EFF75}" type="datetimeFigureOut">
               <a:rPr lang="en-GB" smtClean="0"/>
-              <a:t>08/02/2019</a:t>
+              <a:t>16/02/2019</a:t>
             </a:fld>
             <a:endParaRPr lang="en-GB"/>
           </a:p>
@@ -5430,7 +6483,7 @@
           <a:p>
             <a:fld id="{E5D7BA62-63A5-4D0D-BF80-A1F4909EFF75}" type="datetimeFigureOut">
               <a:rPr lang="en-GB" smtClean="0"/>
-              <a:t>08/02/2019</a:t>
+              <a:t>16/02/2019</a:t>
             </a:fld>
             <a:endParaRPr lang="en-GB"/>
           </a:p>
@@ -5673,7 +6726,7 @@
           <a:p>
             <a:fld id="{E5D7BA62-63A5-4D0D-BF80-A1F4909EFF75}" type="datetimeFigureOut">
               <a:rPr lang="en-GB" smtClean="0"/>
-              <a:t>08/02/2019</a:t>
+              <a:t>16/02/2019</a:t>
             </a:fld>
             <a:endParaRPr lang="en-GB"/>
           </a:p>
@@ -12923,8 +13976,22 @@
           <a:p>
             <a:pPr algn="l"/>
             <a:r>
-              <a:rPr lang="en-GB" dirty="0"/>
+              <a:rPr lang="en-GB" dirty="0">
+                <a:hlinkClick r:id="rId3"/>
+              </a:rPr>
               <a:t>https://www.meetup.com/Power-BI-Data-Scientist-Artificial-Intelligence-Solutions/events/258666451/</a:t>
+            </a:r>
+            <a:endParaRPr lang="en-GB" dirty="0"/>
+          </a:p>
+          <a:p>
+            <a:pPr algn="l"/>
+            <a:endParaRPr lang="en-GB" dirty="0"/>
+          </a:p>
+          <a:p>
+            <a:pPr algn="l"/>
+            <a:r>
+              <a:rPr lang="en-GB" dirty="0"/>
+              <a:t>See slides on Cognitive Services</a:t>
             </a:r>
           </a:p>
           <a:p>
@@ -13185,19 +14252,19 @@
         </p:nvSpPr>
         <p:spPr>
           <a:xfrm>
-            <a:off x="1428750" y="252414"/>
-            <a:ext cx="9144000" cy="656850"/>
+            <a:off x="1428750" y="252413"/>
+            <a:ext cx="9144000" cy="759591"/>
           </a:xfrm>
         </p:spPr>
         <p:txBody>
           <a:bodyPr>
-            <a:normAutofit fontScale="90000"/>
+            <a:normAutofit/>
           </a:bodyPr>
           <a:lstStyle/>
           <a:p>
             <a:r>
               <a:rPr lang="en-GB" dirty="0"/>
-              <a:t>Power BI AI </a:t>
+              <a:t>Power BI Lesson 6 of 6</a:t>
             </a:r>
           </a:p>
         </p:txBody>
@@ -13226,7 +14293,7 @@
         </p:spPr>
         <p:txBody>
           <a:bodyPr>
-            <a:normAutofit/>
+            <a:normAutofit fontScale="55000" lnSpcReduction="20000"/>
           </a:bodyPr>
           <a:lstStyle/>
           <a:p>
@@ -13237,58 +14304,131 @@
             <a:pPr algn="l"/>
             <a:r>
               <a:rPr lang="en-GB" dirty="0"/>
-              <a:t>Microsoft is introducing four new AI-related features in Power BI:</a:t>
-            </a:r>
-          </a:p>
-          <a:p>
-            <a:pPr algn="l"/>
-            <a:r>
-              <a:rPr lang="en-GB" dirty="0"/>
-              <a:t>Integration of Azure Cognitive Services</a:t>
-            </a:r>
-          </a:p>
-          <a:p>
-            <a:pPr algn="l"/>
-            <a:r>
-              <a:rPr lang="en-GB" dirty="0"/>
-              <a:t>Integration of ML models hosted in Azure Machine Learning, including those built in Azure Databricks</a:t>
-            </a:r>
-          </a:p>
-          <a:p>
-            <a:pPr algn="l"/>
-            <a:r>
-              <a:rPr lang="en-GB" dirty="0"/>
-              <a:t>The ability to create, and then use, ML models using </a:t>
-            </a:r>
-            <a:r>
-              <a:rPr lang="en-GB" dirty="0">
-                <a:hlinkClick r:id="rId3"/>
-              </a:rPr>
-              <a:t>Azure Automated ML</a:t>
-            </a:r>
-            <a:r>
-              <a:rPr lang="en-GB" dirty="0"/>
-              <a:t> (</a:t>
-            </a:r>
+              <a:t>Lesson 6 Mon 18</a:t>
+            </a:r>
+            <a:r>
+              <a:rPr lang="en-GB" baseline="30000" dirty="0"/>
+              <a:t>th</a:t>
+            </a:r>
+            <a:r>
+              <a:rPr lang="en-GB" dirty="0"/>
+              <a:t> Feb 2019</a:t>
+            </a:r>
+          </a:p>
+          <a:p>
+            <a:pPr algn="l"/>
             <a:r>
               <a:rPr lang="en-GB" dirty="0" err="1"/>
-              <a:t>AutoML</a:t>
-            </a:r>
-            <a:r>
-              <a:rPr lang="en-GB" dirty="0"/>
-              <a:t>)</a:t>
-            </a:r>
-          </a:p>
-          <a:p>
-            <a:pPr algn="l"/>
-            <a:r>
-              <a:rPr lang="en-GB" dirty="0"/>
-              <a:t>A new Key Driver Analysis visualization that reveals which columns and values drive specific outcomes (values) for data columns serving as measures or Key Performance Indicators (KPIs)</a:t>
-            </a:r>
-          </a:p>
-          <a:p>
-            <a:pPr algn="l"/>
-            <a:endParaRPr lang="en-GB" dirty="0"/>
+              <a:t>Hoemwork</a:t>
+            </a:r>
+            <a:r>
+              <a:rPr lang="en-GB" dirty="0"/>
+              <a:t> </a:t>
+            </a:r>
+            <a:r>
+              <a:rPr lang="en-GB" dirty="0" err="1"/>
+              <a:t>Starwars</a:t>
+            </a:r>
+            <a:r>
+              <a:rPr lang="en-GB" dirty="0"/>
+              <a:t> RLS.</a:t>
+            </a:r>
+          </a:p>
+          <a:p>
+            <a:pPr algn="l"/>
+            <a:r>
+              <a:rPr lang="en-GB" dirty="0"/>
+              <a:t>Final lesson : Demos of work progress in service. Any demos ?</a:t>
+            </a:r>
+          </a:p>
+          <a:p>
+            <a:pPr algn="l"/>
+            <a:r>
+              <a:rPr lang="en-GB" dirty="0"/>
+              <a:t>Resume of what we have learnt. (review past slides)</a:t>
+            </a:r>
+          </a:p>
+          <a:p>
+            <a:pPr algn="l"/>
+            <a:r>
+              <a:rPr lang="en-GB" dirty="0"/>
+              <a:t>Exam 70-778 enrol</a:t>
+            </a:r>
+          </a:p>
+          <a:p>
+            <a:pPr algn="l"/>
+            <a:endParaRPr lang="en-GB" dirty="0"/>
+          </a:p>
+          <a:p>
+            <a:pPr algn="l"/>
+            <a:r>
+              <a:rPr lang="en-GB" dirty="0"/>
+              <a:t>Power BI grows up</a:t>
+            </a:r>
+          </a:p>
+          <a:p>
+            <a:pPr algn="l"/>
+            <a:r>
+              <a:rPr lang="en-GB" dirty="0"/>
+              <a:t>Modelling 9 realms Turley (slides 19)</a:t>
+            </a:r>
+          </a:p>
+          <a:p>
+            <a:pPr algn="l"/>
+            <a:r>
+              <a:rPr lang="en-GB" dirty="0"/>
+              <a:t>Direct Query . Try it our now.</a:t>
+            </a:r>
+          </a:p>
+          <a:p>
+            <a:pPr algn="l"/>
+            <a:r>
+              <a:rPr lang="en-GB" dirty="0"/>
+              <a:t>Composite models : Direct query &amp; cached.</a:t>
+            </a:r>
+          </a:p>
+          <a:p>
+            <a:pPr algn="l"/>
+            <a:r>
+              <a:rPr lang="en-GB" dirty="0"/>
+              <a:t>Incremental refresh (also on Dataflows)</a:t>
+            </a:r>
+          </a:p>
+          <a:p>
+            <a:pPr algn="l"/>
+            <a:r>
+              <a:rPr lang="en-GB" dirty="0"/>
+              <a:t>Power BI Premium explain what is. </a:t>
+            </a:r>
+          </a:p>
+          <a:p>
+            <a:pPr algn="l"/>
+            <a:r>
+              <a:rPr lang="en-GB" dirty="0"/>
+              <a:t>Power BI Admin roles &amp; duties</a:t>
+            </a:r>
+          </a:p>
+          <a:p>
+            <a:pPr algn="l"/>
+            <a:r>
+              <a:rPr lang="en-GB" dirty="0"/>
+              <a:t>Enterprise rollouts  (</a:t>
+            </a:r>
+            <a:r>
+              <a:rPr lang="en-GB" dirty="0" err="1"/>
+              <a:t>datamodellers</a:t>
+            </a:r>
+            <a:r>
+              <a:rPr lang="en-GB" dirty="0"/>
+              <a:t>/reporters/BAU consumers)</a:t>
+            </a:r>
+          </a:p>
+          <a:p>
+            <a:pPr algn="l"/>
+            <a:r>
+              <a:rPr lang="en-GB" dirty="0"/>
+              <a:t>Other tools : DAX Studio/ Publisher for Excel/ PowerPoint Power BI Tiles / </a:t>
+            </a:r>
           </a:p>
           <a:p>
             <a:pPr algn="l"/>
@@ -13303,7 +14443,7 @@
     </p:spTree>
     <p:extLst>
       <p:ext uri="{BB962C8B-B14F-4D97-AF65-F5344CB8AC3E}">
-        <p14:creationId xmlns:p14="http://schemas.microsoft.com/office/powerpoint/2010/main" val="1525929478"/>
+        <p14:creationId xmlns:p14="http://schemas.microsoft.com/office/powerpoint/2010/main" val="2391681918"/>
       </p:ext>
     </p:extLst>
   </p:cSld>
@@ -13360,7 +14500,7 @@
           <a:p>
             <a:r>
               <a:rPr lang="en-GB" dirty="0"/>
-              <a:t>Power BI &amp; R</a:t>
+              <a:t>Resume previous 5 lessons</a:t>
             </a:r>
           </a:p>
         </p:txBody>
@@ -13409,7 +14549,7 @@
     </p:spTree>
     <p:extLst>
       <p:ext uri="{BB962C8B-B14F-4D97-AF65-F5344CB8AC3E}">
-        <p14:creationId xmlns:p14="http://schemas.microsoft.com/office/powerpoint/2010/main" val="436745474"/>
+        <p14:creationId xmlns:p14="http://schemas.microsoft.com/office/powerpoint/2010/main" val="1814601767"/>
       </p:ext>
     </p:extLst>
   </p:cSld>
@@ -13438,13 +14578,7 @@
       </p:grpSpPr>
       <p:sp>
         <p:nvSpPr>
-          <p:cNvPr id="2" name="Title 1">
-            <a:extLst>
-              <a:ext uri="{FF2B5EF4-FFF2-40B4-BE49-F238E27FC236}">
-                <a16:creationId xmlns:a16="http://schemas.microsoft.com/office/drawing/2014/main" id="{4F5FFE88-7B14-4763-806D-A2BFC137C899}"/>
-              </a:ext>
-            </a:extLst>
-          </p:cNvPr>
+          <p:cNvPr id="2" name="Title 1"/>
           <p:cNvSpPr>
             <a:spLocks noGrp="1"/>
           </p:cNvSpPr>
@@ -13452,34 +14586,35 @@
             <p:ph type="ctrTitle"/>
           </p:nvPr>
         </p:nvSpPr>
-        <p:spPr>
-          <a:xfrm>
-            <a:off x="1428750" y="252414"/>
-            <a:ext cx="9144000" cy="656850"/>
-          </a:xfrm>
-        </p:spPr>
-        <p:txBody>
-          <a:bodyPr>
-            <a:normAutofit fontScale="90000"/>
-          </a:bodyPr>
-          <a:lstStyle/>
-          <a:p>
-            <a:r>
-              <a:rPr lang="en-GB" dirty="0"/>
-              <a:t>Power BI Python</a:t>
-            </a:r>
-          </a:p>
-        </p:txBody>
-      </p:sp>
-      <p:sp>
-        <p:nvSpPr>
-          <p:cNvPr id="3" name="Subtitle 2">
-            <a:extLst>
-              <a:ext uri="{FF2B5EF4-FFF2-40B4-BE49-F238E27FC236}">
-                <a16:creationId xmlns:a16="http://schemas.microsoft.com/office/drawing/2014/main" id="{EA597543-2A3A-4FD5-9DA6-D09EB6B64855}"/>
-              </a:ext>
-            </a:extLst>
-          </p:cNvPr>
+        <p:spPr/>
+        <p:txBody>
+          <a:bodyPr/>
+          <a:lstStyle/>
+          <a:p>
+            <a:r>
+              <a:rPr lang="en-US" dirty="0">
+                <a:cs typeface="Calibri Light"/>
+              </a:rPr>
+              <a:t>Power BI</a:t>
+            </a:r>
+            <a:br>
+              <a:rPr lang="en-US" dirty="0">
+                <a:cs typeface="Calibri Light"/>
+              </a:rPr>
+            </a:br>
+            <a:r>
+              <a:rPr lang="en-US" dirty="0">
+                <a:cs typeface="Calibri Light"/>
+              </a:rPr>
+              <a:t>Composite Data models</a:t>
+            </a:r>
+            <a:endParaRPr lang="en-US" dirty="0"/>
+          </a:p>
+        </p:txBody>
+      </p:sp>
+      <p:sp>
+        <p:nvSpPr>
+          <p:cNvPr id="3" name="Subtitle 2"/>
           <p:cNvSpPr>
             <a:spLocks noGrp="1"/>
           </p:cNvSpPr>
@@ -13487,35 +14622,19 @@
             <p:ph type="subTitle" idx="1"/>
           </p:nvPr>
         </p:nvSpPr>
-        <p:spPr>
-          <a:xfrm>
-            <a:off x="1524000" y="1063671"/>
-            <a:ext cx="9144000" cy="4435867"/>
-          </a:xfrm>
-        </p:spPr>
-        <p:txBody>
-          <a:bodyPr>
-            <a:normAutofit/>
-          </a:bodyPr>
-          <a:lstStyle/>
-          <a:p>
-            <a:pPr algn="l"/>
-            <a:endParaRPr lang="en-GB" dirty="0"/>
-          </a:p>
-          <a:p>
-            <a:pPr algn="l"/>
-            <a:endParaRPr lang="en-GB" dirty="0"/>
-          </a:p>
-          <a:p>
-            <a:pPr algn="l"/>
-            <a:endParaRPr lang="en-GB" dirty="0"/>
+        <p:spPr/>
+        <p:txBody>
+          <a:bodyPr/>
+          <a:lstStyle/>
+          <a:p>
+            <a:endParaRPr lang="en-US"/>
           </a:p>
         </p:txBody>
       </p:sp>
     </p:spTree>
     <p:extLst>
       <p:ext uri="{BB962C8B-B14F-4D97-AF65-F5344CB8AC3E}">
-        <p14:creationId xmlns:p14="http://schemas.microsoft.com/office/powerpoint/2010/main" val="4234575051"/>
+        <p14:creationId xmlns:p14="http://schemas.microsoft.com/office/powerpoint/2010/main" val="109857222"/>
       </p:ext>
     </p:extLst>
   </p:cSld>
@@ -13547,6 +14666,561 @@
           <p:cNvPr id="2" name="Title 1">
             <a:extLst>
               <a:ext uri="{FF2B5EF4-FFF2-40B4-BE49-F238E27FC236}">
+                <a16:creationId xmlns:a16="http://schemas.microsoft.com/office/drawing/2014/main" id="{51182E84-9C9E-4E15-B418-0B61DF4D41E3}"/>
+              </a:ext>
+            </a:extLst>
+          </p:cNvPr>
+          <p:cNvSpPr>
+            <a:spLocks noGrp="1"/>
+          </p:cNvSpPr>
+          <p:nvPr>
+            <p:ph type="title"/>
+          </p:nvPr>
+        </p:nvSpPr>
+        <p:spPr/>
+        <p:txBody>
+          <a:bodyPr/>
+          <a:lstStyle/>
+          <a:p>
+            <a:r>
+              <a:rPr lang="en-US" dirty="0"/>
+              <a:t>Direct Query</a:t>
+            </a:r>
+          </a:p>
+          <a:p>
+            <a:endParaRPr lang="en-US" dirty="0">
+              <a:cs typeface="Calibri Light"/>
+            </a:endParaRPr>
+          </a:p>
+        </p:txBody>
+      </p:sp>
+      <p:sp>
+        <p:nvSpPr>
+          <p:cNvPr id="3" name="Content Placeholder 2">
+            <a:extLst>
+              <a:ext uri="{FF2B5EF4-FFF2-40B4-BE49-F238E27FC236}">
+                <a16:creationId xmlns:a16="http://schemas.microsoft.com/office/drawing/2014/main" id="{EFE153A2-1B07-453D-B65F-E42F46C15EFE}"/>
+              </a:ext>
+            </a:extLst>
+          </p:cNvPr>
+          <p:cNvSpPr>
+            <a:spLocks noGrp="1"/>
+          </p:cNvSpPr>
+          <p:nvPr>
+            <p:ph idx="1"/>
+          </p:nvPr>
+        </p:nvSpPr>
+        <p:spPr/>
+        <p:txBody>
+          <a:bodyPr vert="horz" lIns="91440" tIns="45720" rIns="91440" bIns="45720" rtlCol="0" anchor="t">
+            <a:normAutofit/>
+          </a:bodyPr>
+          <a:lstStyle/>
+          <a:p>
+            <a:r>
+              <a:rPr lang="en-US" dirty="0">
+                <a:cs typeface="Calibri"/>
+              </a:rPr>
+              <a:t>Do a demo of DQ</a:t>
+            </a:r>
+          </a:p>
+          <a:p>
+            <a:r>
+              <a:rPr lang="en-US" dirty="0">
+                <a:cs typeface="Calibri"/>
+              </a:rPr>
+              <a:t>Do a demo of Live Connection (like to a PBI </a:t>
+            </a:r>
+            <a:r>
+              <a:rPr lang="en-US" dirty="0" err="1">
+                <a:cs typeface="Calibri"/>
+              </a:rPr>
+              <a:t>datamodel</a:t>
+            </a:r>
+            <a:r>
+              <a:rPr lang="en-US" dirty="0">
+                <a:cs typeface="Calibri"/>
+              </a:rPr>
+              <a:t>)</a:t>
+            </a:r>
+            <a:endParaRPr lang="en-US" dirty="0"/>
+          </a:p>
+          <a:p>
+            <a:endParaRPr lang="en-US" dirty="0">
+              <a:cs typeface="Calibri"/>
+            </a:endParaRPr>
+          </a:p>
+        </p:txBody>
+      </p:sp>
+    </p:spTree>
+    <p:extLst>
+      <p:ext uri="{BB962C8B-B14F-4D97-AF65-F5344CB8AC3E}">
+        <p14:creationId xmlns:p14="http://schemas.microsoft.com/office/powerpoint/2010/main" val="4266658858"/>
+      </p:ext>
+    </p:extLst>
+  </p:cSld>
+  <p:clrMapOvr>
+    <a:masterClrMapping/>
+  </p:clrMapOvr>
+</p:sld>
+</file>
+
+<file path=ppt/slides/slide34.xml><?xml version="1.0" encoding="utf-8"?>
+<p:sld xmlns:a="http://schemas.openxmlformats.org/drawingml/2006/main" xmlns:r="http://schemas.openxmlformats.org/officeDocument/2006/relationships" xmlns:p="http://schemas.openxmlformats.org/presentationml/2006/main">
+  <p:cSld>
+    <p:spTree>
+      <p:nvGrpSpPr>
+        <p:cNvPr id="1" name=""/>
+        <p:cNvGrpSpPr/>
+        <p:nvPr/>
+      </p:nvGrpSpPr>
+      <p:grpSpPr>
+        <a:xfrm>
+          <a:off x="0" y="0"/>
+          <a:ext cx="0" cy="0"/>
+          <a:chOff x="0" y="0"/>
+          <a:chExt cx="0" cy="0"/>
+        </a:xfrm>
+      </p:grpSpPr>
+      <p:sp>
+        <p:nvSpPr>
+          <p:cNvPr id="2" name="Title 1">
+            <a:extLst>
+              <a:ext uri="{FF2B5EF4-FFF2-40B4-BE49-F238E27FC236}">
+                <a16:creationId xmlns:a16="http://schemas.microsoft.com/office/drawing/2014/main" id="{3792D8F5-4F35-400D-B39A-62BB75B930AB}"/>
+              </a:ext>
+            </a:extLst>
+          </p:cNvPr>
+          <p:cNvSpPr>
+            <a:spLocks noGrp="1"/>
+          </p:cNvSpPr>
+          <p:nvPr>
+            <p:ph type="title"/>
+          </p:nvPr>
+        </p:nvSpPr>
+        <p:spPr/>
+        <p:txBody>
+          <a:bodyPr/>
+          <a:lstStyle/>
+          <a:p>
+            <a:r>
+              <a:rPr lang="en-US" dirty="0"/>
+              <a:t>Modelling View</a:t>
+            </a:r>
+          </a:p>
+          <a:p>
+            <a:endParaRPr lang="en-US" dirty="0">
+              <a:cs typeface="Calibri Light"/>
+            </a:endParaRPr>
+          </a:p>
+        </p:txBody>
+      </p:sp>
+      <p:sp>
+        <p:nvSpPr>
+          <p:cNvPr id="3" name="Content Placeholder 2">
+            <a:extLst>
+              <a:ext uri="{FF2B5EF4-FFF2-40B4-BE49-F238E27FC236}">
+                <a16:creationId xmlns:a16="http://schemas.microsoft.com/office/drawing/2014/main" id="{146D0F99-05DA-4F2B-9F35-72BB4557DB8B}"/>
+              </a:ext>
+            </a:extLst>
+          </p:cNvPr>
+          <p:cNvSpPr>
+            <a:spLocks noGrp="1"/>
+          </p:cNvSpPr>
+          <p:nvPr>
+            <p:ph idx="1"/>
+          </p:nvPr>
+        </p:nvSpPr>
+        <p:spPr/>
+        <p:txBody>
+          <a:bodyPr vert="horz" lIns="91440" tIns="45720" rIns="91440" bIns="45720" rtlCol="0" anchor="t">
+            <a:normAutofit/>
+          </a:bodyPr>
+          <a:lstStyle/>
+          <a:p>
+            <a:r>
+              <a:rPr lang="en-US" dirty="0">
+                <a:cs typeface="Calibri"/>
+              </a:rPr>
+              <a:t>Preview Features: Enable modelling View</a:t>
+            </a:r>
+          </a:p>
+          <a:p>
+            <a:r>
+              <a:rPr lang="en-US" dirty="0">
+                <a:cs typeface="Calibri"/>
+              </a:rPr>
+              <a:t>+add new </a:t>
+            </a:r>
+            <a:r>
+              <a:rPr lang="en-US" dirty="0" err="1">
+                <a:cs typeface="Calibri"/>
+              </a:rPr>
+              <a:t>datamodelling</a:t>
+            </a:r>
+            <a:r>
+              <a:rPr lang="en-US" dirty="0">
+                <a:cs typeface="Calibri"/>
+              </a:rPr>
+              <a:t> view</a:t>
+            </a:r>
+          </a:p>
+          <a:p>
+            <a:r>
+              <a:rPr lang="en-US" dirty="0">
+                <a:cs typeface="Calibri"/>
+              </a:rPr>
+              <a:t>Drag a table on top the view </a:t>
+            </a:r>
+            <a:endParaRPr lang="en-US"/>
+          </a:p>
+          <a:p>
+            <a:r>
+              <a:rPr lang="en-US" dirty="0">
+                <a:cs typeface="Calibri"/>
+              </a:rPr>
+              <a:t>Right click the same table and add related tables.</a:t>
+            </a:r>
+            <a:endParaRPr lang="en-US" dirty="0"/>
+          </a:p>
+          <a:p>
+            <a:r>
+              <a:rPr lang="en-US" dirty="0">
+                <a:cs typeface="Calibri"/>
+              </a:rPr>
+              <a:t>In the properties pane you can Set common properties</a:t>
+            </a:r>
+            <a:endParaRPr lang="en-US" dirty="0"/>
+          </a:p>
+          <a:p>
+            <a:endParaRPr lang="en-US" dirty="0">
+              <a:cs typeface="Calibri"/>
+            </a:endParaRPr>
+          </a:p>
+        </p:txBody>
+      </p:sp>
+    </p:spTree>
+    <p:extLst>
+      <p:ext uri="{BB962C8B-B14F-4D97-AF65-F5344CB8AC3E}">
+        <p14:creationId xmlns:p14="http://schemas.microsoft.com/office/powerpoint/2010/main" val="2540925242"/>
+      </p:ext>
+    </p:extLst>
+  </p:cSld>
+  <p:clrMapOvr>
+    <a:masterClrMapping/>
+  </p:clrMapOvr>
+</p:sld>
+</file>
+
+<file path=ppt/slides/slide35.xml><?xml version="1.0" encoding="utf-8"?>
+<p:sld xmlns:a="http://schemas.openxmlformats.org/drawingml/2006/main" xmlns:r="http://schemas.openxmlformats.org/officeDocument/2006/relationships" xmlns:p="http://schemas.openxmlformats.org/presentationml/2006/main">
+  <p:cSld>
+    <p:spTree>
+      <p:nvGrpSpPr>
+        <p:cNvPr id="1" name=""/>
+        <p:cNvGrpSpPr/>
+        <p:nvPr/>
+      </p:nvGrpSpPr>
+      <p:grpSpPr>
+        <a:xfrm>
+          <a:off x="0" y="0"/>
+          <a:ext cx="0" cy="0"/>
+          <a:chOff x="0" y="0"/>
+          <a:chExt cx="0" cy="0"/>
+        </a:xfrm>
+      </p:grpSpPr>
+      <p:sp>
+        <p:nvSpPr>
+          <p:cNvPr id="2" name="Title 1">
+            <a:extLst>
+              <a:ext uri="{FF2B5EF4-FFF2-40B4-BE49-F238E27FC236}">
+                <a16:creationId xmlns:a16="http://schemas.microsoft.com/office/drawing/2014/main" id="{AB441B24-0A98-4C2E-8B92-10379B0EC8E6}"/>
+              </a:ext>
+            </a:extLst>
+          </p:cNvPr>
+          <p:cNvSpPr>
+            <a:spLocks noGrp="1"/>
+          </p:cNvSpPr>
+          <p:nvPr>
+            <p:ph type="title"/>
+          </p:nvPr>
+        </p:nvSpPr>
+        <p:spPr/>
+        <p:txBody>
+          <a:bodyPr/>
+          <a:lstStyle/>
+          <a:p>
+            <a:r>
+              <a:rPr lang="en-US" dirty="0">
+                <a:cs typeface="Calibri Light"/>
+              </a:rPr>
+              <a:t>Storage Mode</a:t>
+            </a:r>
+            <a:endParaRPr lang="en-US" dirty="0"/>
+          </a:p>
+        </p:txBody>
+      </p:sp>
+      <p:sp>
+        <p:nvSpPr>
+          <p:cNvPr id="3" name="Content Placeholder 2">
+            <a:extLst>
+              <a:ext uri="{FF2B5EF4-FFF2-40B4-BE49-F238E27FC236}">
+                <a16:creationId xmlns:a16="http://schemas.microsoft.com/office/drawing/2014/main" id="{04704EDB-086D-4E68-8F38-4E70F4C90B15}"/>
+              </a:ext>
+            </a:extLst>
+          </p:cNvPr>
+          <p:cNvSpPr>
+            <a:spLocks noGrp="1"/>
+          </p:cNvSpPr>
+          <p:nvPr>
+            <p:ph idx="1"/>
+          </p:nvPr>
+        </p:nvSpPr>
+        <p:spPr/>
+        <p:txBody>
+          <a:bodyPr vert="horz" lIns="91440" tIns="45720" rIns="91440" bIns="45720" rtlCol="0" anchor="t">
+            <a:normAutofit/>
+          </a:bodyPr>
+          <a:lstStyle/>
+          <a:p>
+            <a:r>
+              <a:rPr lang="en-US" dirty="0">
+                <a:cs typeface="Calibri"/>
+                <a:hlinkClick r:id="rId2"/>
+              </a:rPr>
+              <a:t>https://docs.microsoft.com/en-us/power-bi/desktop-storage-mode</a:t>
+            </a:r>
+            <a:endParaRPr lang="en-US">
+              <a:cs typeface="Calibri" panose="020F0502020204030204"/>
+            </a:endParaRPr>
+          </a:p>
+          <a:p>
+            <a:r>
+              <a:rPr lang="en-US" dirty="0">
+                <a:cs typeface="Calibri" panose="020F0502020204030204"/>
+              </a:rPr>
+              <a:t>Import / Direct Query / Dual</a:t>
+            </a:r>
+          </a:p>
+          <a:p>
+            <a:r>
+              <a:rPr lang="en-US" dirty="0">
+                <a:cs typeface="Calibri" panose="020F0502020204030204"/>
+              </a:rPr>
+              <a:t>Dual think dimension in composite models</a:t>
+            </a:r>
+          </a:p>
+          <a:p>
+            <a:r>
+              <a:rPr lang="en-US" dirty="0">
+                <a:cs typeface="Calibri" panose="020F0502020204030204"/>
+              </a:rPr>
+              <a:t>Even if DQ like a dimension now it is cached all the same for a composite </a:t>
+            </a:r>
+            <a:r>
+              <a:rPr lang="en-US" dirty="0" err="1">
+                <a:cs typeface="Calibri" panose="020F0502020204030204"/>
+              </a:rPr>
+              <a:t>datamodel</a:t>
+            </a:r>
+            <a:r>
+              <a:rPr lang="en-US" dirty="0">
+                <a:cs typeface="Calibri" panose="020F0502020204030204"/>
+              </a:rPr>
+              <a:t> to make it speedy.</a:t>
+            </a:r>
+          </a:p>
+          <a:p>
+            <a:r>
+              <a:rPr lang="en-US" dirty="0">
+                <a:cs typeface="Calibri" panose="020F0502020204030204"/>
+              </a:rPr>
+              <a:t>Right click table &gt; Properties&gt;</a:t>
+            </a:r>
+            <a:endParaRPr lang="en-US" dirty="0"/>
+          </a:p>
+          <a:p>
+            <a:endParaRPr lang="en-US" dirty="0">
+              <a:cs typeface="Calibri"/>
+            </a:endParaRPr>
+          </a:p>
+        </p:txBody>
+      </p:sp>
+    </p:spTree>
+    <p:extLst>
+      <p:ext uri="{BB962C8B-B14F-4D97-AF65-F5344CB8AC3E}">
+        <p14:creationId xmlns:p14="http://schemas.microsoft.com/office/powerpoint/2010/main" val="1270050208"/>
+      </p:ext>
+    </p:extLst>
+  </p:cSld>
+  <p:clrMapOvr>
+    <a:masterClrMapping/>
+  </p:clrMapOvr>
+</p:sld>
+</file>
+
+<file path=ppt/slides/slide36.xml><?xml version="1.0" encoding="utf-8"?>
+<p:sld xmlns:a="http://schemas.openxmlformats.org/drawingml/2006/main" xmlns:r="http://schemas.openxmlformats.org/officeDocument/2006/relationships" xmlns:p="http://schemas.openxmlformats.org/presentationml/2006/main">
+  <p:cSld>
+    <p:spTree>
+      <p:nvGrpSpPr>
+        <p:cNvPr id="1" name=""/>
+        <p:cNvGrpSpPr/>
+        <p:nvPr/>
+      </p:nvGrpSpPr>
+      <p:grpSpPr>
+        <a:xfrm>
+          <a:off x="0" y="0"/>
+          <a:ext cx="0" cy="0"/>
+          <a:chOff x="0" y="0"/>
+          <a:chExt cx="0" cy="0"/>
+        </a:xfrm>
+      </p:grpSpPr>
+      <p:sp>
+        <p:nvSpPr>
+          <p:cNvPr id="2" name="Title 1">
+            <a:extLst>
+              <a:ext uri="{FF2B5EF4-FFF2-40B4-BE49-F238E27FC236}">
+                <a16:creationId xmlns:a16="http://schemas.microsoft.com/office/drawing/2014/main" id="{94DED91C-F70B-4388-8374-6837FB1F8D32}"/>
+              </a:ext>
+            </a:extLst>
+          </p:cNvPr>
+          <p:cNvSpPr>
+            <a:spLocks noGrp="1"/>
+          </p:cNvSpPr>
+          <p:nvPr>
+            <p:ph type="title"/>
+          </p:nvPr>
+        </p:nvSpPr>
+        <p:spPr/>
+        <p:txBody>
+          <a:bodyPr/>
+          <a:lstStyle/>
+          <a:p>
+            <a:r>
+              <a:rPr lang="en-US" dirty="0">
+                <a:cs typeface="Calibri Light"/>
+              </a:rPr>
+              <a:t>Composite </a:t>
+            </a:r>
+            <a:r>
+              <a:rPr lang="en-US" dirty="0" err="1">
+                <a:cs typeface="Calibri Light"/>
+              </a:rPr>
+              <a:t>Datamodels</a:t>
+            </a:r>
+            <a:endParaRPr lang="en-US" dirty="0" err="1"/>
+          </a:p>
+        </p:txBody>
+      </p:sp>
+      <p:sp>
+        <p:nvSpPr>
+          <p:cNvPr id="3" name="Content Placeholder 2">
+            <a:extLst>
+              <a:ext uri="{FF2B5EF4-FFF2-40B4-BE49-F238E27FC236}">
+                <a16:creationId xmlns:a16="http://schemas.microsoft.com/office/drawing/2014/main" id="{D8C5ACF1-BCB3-448D-985F-CDA09E99465D}"/>
+              </a:ext>
+            </a:extLst>
+          </p:cNvPr>
+          <p:cNvSpPr>
+            <a:spLocks noGrp="1"/>
+          </p:cNvSpPr>
+          <p:nvPr>
+            <p:ph idx="1"/>
+          </p:nvPr>
+        </p:nvSpPr>
+        <p:spPr>
+          <a:xfrm>
+            <a:off x="769815" y="1864702"/>
+            <a:ext cx="10515600" cy="4351338"/>
+          </a:xfrm>
+        </p:spPr>
+        <p:txBody>
+          <a:bodyPr vert="horz" lIns="91440" tIns="45720" rIns="91440" bIns="45720" rtlCol="0" anchor="t">
+            <a:normAutofit/>
+          </a:bodyPr>
+          <a:lstStyle/>
+          <a:p>
+            <a:r>
+              <a:rPr lang="en-US" dirty="0">
+                <a:cs typeface="Calibri"/>
+                <a:hlinkClick r:id="rId2"/>
+              </a:rPr>
+              <a:t>https://docs.microsoft.com/en-us/power-bi/desktop-composite-models</a:t>
+            </a:r>
+            <a:endParaRPr lang="en-US">
+              <a:cs typeface="Calibri" panose="020F0502020204030204"/>
+            </a:endParaRPr>
+          </a:p>
+          <a:p>
+            <a:r>
+              <a:rPr lang="en-US" dirty="0">
+                <a:cs typeface="Calibri" panose="020F0502020204030204"/>
+              </a:rPr>
+              <a:t>Multiple data connections DQ &amp; cached.</a:t>
+            </a:r>
+            <a:endParaRPr lang="en-US" dirty="0"/>
+          </a:p>
+          <a:p>
+            <a:r>
+              <a:rPr lang="en-US" dirty="0">
+                <a:cs typeface="Calibri"/>
+              </a:rPr>
+              <a:t>If a relationship is cross-source then it  must be many-to-many</a:t>
+            </a:r>
+            <a:endParaRPr lang="en-US" dirty="0"/>
+          </a:p>
+          <a:p>
+            <a:r>
+              <a:rPr lang="en-US" dirty="0">
+                <a:cs typeface="Calibri"/>
+              </a:rPr>
+              <a:t>See property pane to view table connection mode and settings</a:t>
+            </a:r>
+            <a:endParaRPr lang="en-US" dirty="0"/>
+          </a:p>
+          <a:p>
+            <a:endParaRPr lang="en-US" dirty="0">
+              <a:cs typeface="Calibri"/>
+            </a:endParaRPr>
+          </a:p>
+        </p:txBody>
+      </p:sp>
+    </p:spTree>
+    <p:extLst>
+      <p:ext uri="{BB962C8B-B14F-4D97-AF65-F5344CB8AC3E}">
+        <p14:creationId xmlns:p14="http://schemas.microsoft.com/office/powerpoint/2010/main" val="2429712080"/>
+      </p:ext>
+    </p:extLst>
+  </p:cSld>
+  <p:clrMapOvr>
+    <a:masterClrMapping/>
+  </p:clrMapOvr>
+</p:sld>
+</file>
+
+<file path=ppt/slides/slide37.xml><?xml version="1.0" encoding="utf-8"?>
+<p:sld xmlns:a="http://schemas.openxmlformats.org/drawingml/2006/main" xmlns:r="http://schemas.openxmlformats.org/officeDocument/2006/relationships" xmlns:p="http://schemas.openxmlformats.org/presentationml/2006/main">
+  <p:cSld>
+    <p:spTree>
+      <p:nvGrpSpPr>
+        <p:cNvPr id="1" name=""/>
+        <p:cNvGrpSpPr/>
+        <p:nvPr/>
+      </p:nvGrpSpPr>
+      <p:grpSpPr>
+        <a:xfrm>
+          <a:off x="0" y="0"/>
+          <a:ext cx="0" cy="0"/>
+          <a:chOff x="0" y="0"/>
+          <a:chExt cx="0" cy="0"/>
+        </a:xfrm>
+      </p:grpSpPr>
+      <p:sp>
+        <p:nvSpPr>
+          <p:cNvPr id="2" name="Title 1">
+            <a:extLst>
+              <a:ext uri="{FF2B5EF4-FFF2-40B4-BE49-F238E27FC236}">
                 <a16:creationId xmlns:a16="http://schemas.microsoft.com/office/drawing/2014/main" id="{4F5FFE88-7B14-4763-806D-A2BFC137C899}"/>
               </a:ext>
             </a:extLst>
@@ -13572,8 +15246,13 @@
           <a:p>
             <a:r>
               <a:rPr lang="en-GB" dirty="0"/>
-              <a:t>Power BI Azure Machine Learning</a:t>
-            </a:r>
+              <a:t>Power BI Composite </a:t>
+            </a:r>
+            <a:r>
+              <a:rPr lang="en-GB" dirty="0" err="1"/>
+              <a:t>Datamodels</a:t>
+            </a:r>
+            <a:endParaRPr lang="en-GB" dirty="0"/>
           </a:p>
         </p:txBody>
       </p:sp>
@@ -13618,10 +15297,333 @@
           </a:p>
         </p:txBody>
       </p:sp>
+      <p:sp>
+        <p:nvSpPr>
+          <p:cNvPr id="4" name="TextBox 3">
+            <a:extLst>
+              <a:ext uri="{FF2B5EF4-FFF2-40B4-BE49-F238E27FC236}">
+                <a16:creationId xmlns:a16="http://schemas.microsoft.com/office/drawing/2014/main" id="{19B69812-1031-4F9B-8543-0BD5BC0F9FF4}"/>
+              </a:ext>
+            </a:extLst>
+          </p:cNvPr>
+          <p:cNvSpPr txBox="1"/>
+          <p:nvPr/>
+        </p:nvSpPr>
+        <p:spPr>
+          <a:xfrm>
+            <a:off x="1639370" y="1263722"/>
+            <a:ext cx="8722759" cy="2308324"/>
+          </a:xfrm>
+          <a:prstGeom prst="rect">
+            <a:avLst/>
+          </a:prstGeom>
+          <a:noFill/>
+        </p:spPr>
+        <p:txBody>
+          <a:bodyPr wrap="square" rtlCol="0">
+            <a:spAutoFit/>
+          </a:bodyPr>
+          <a:lstStyle/>
+          <a:p>
+            <a:r>
+              <a:rPr lang="en-GB" dirty="0"/>
+              <a:t>Composite models Demo</a:t>
+            </a:r>
+          </a:p>
+          <a:p>
+            <a:endParaRPr lang="en-GB" dirty="0"/>
+          </a:p>
+          <a:p>
+            <a:r>
+              <a:rPr lang="en-GB" dirty="0"/>
+              <a:t>Do direct Query (SQL DB) then model data see DQ only</a:t>
+            </a:r>
+          </a:p>
+          <a:p>
+            <a:r>
+              <a:rPr lang="en-GB" dirty="0"/>
+              <a:t>Then do load data and see dual mode</a:t>
+            </a:r>
+          </a:p>
+          <a:p>
+            <a:r>
+              <a:rPr lang="en-GB" dirty="0"/>
+              <a:t>Connect table and show many 2 many only</a:t>
+            </a:r>
+          </a:p>
+          <a:p>
+            <a:r>
+              <a:rPr lang="en-GB" dirty="0"/>
+              <a:t>Then show table report (think sales v budget)</a:t>
+            </a:r>
+          </a:p>
+          <a:p>
+            <a:endParaRPr lang="en-GB" dirty="0"/>
+          </a:p>
+          <a:p>
+            <a:endParaRPr lang="en-GB" dirty="0"/>
+          </a:p>
+        </p:txBody>
+      </p:sp>
+      <p:pic>
+        <p:nvPicPr>
+          <p:cNvPr id="5" name="Picture 4">
+            <a:extLst>
+              <a:ext uri="{FF2B5EF4-FFF2-40B4-BE49-F238E27FC236}">
+                <a16:creationId xmlns:a16="http://schemas.microsoft.com/office/drawing/2014/main" id="{A0FD92DB-7FEC-42FE-8A2D-B42D8E04F39F}"/>
+              </a:ext>
+            </a:extLst>
+          </p:cNvPr>
+          <p:cNvPicPr>
+            <a:picLocks noChangeAspect="1"/>
+          </p:cNvPicPr>
+          <p:nvPr/>
+        </p:nvPicPr>
+        <p:blipFill>
+          <a:blip r:embed="rId3"/>
+          <a:stretch>
+            <a:fillRect/>
+          </a:stretch>
+        </p:blipFill>
+        <p:spPr>
+          <a:xfrm>
+            <a:off x="1700584" y="3564087"/>
+            <a:ext cx="4237879" cy="2774336"/>
+          </a:xfrm>
+          <a:prstGeom prst="rect">
+            <a:avLst/>
+          </a:prstGeom>
+        </p:spPr>
+      </p:pic>
+      <p:pic>
+        <p:nvPicPr>
+          <p:cNvPr id="6" name="Picture 5">
+            <a:extLst>
+              <a:ext uri="{FF2B5EF4-FFF2-40B4-BE49-F238E27FC236}">
+                <a16:creationId xmlns:a16="http://schemas.microsoft.com/office/drawing/2014/main" id="{2E58E7F4-30EF-4B0D-9741-150A4A32E587}"/>
+              </a:ext>
+            </a:extLst>
+          </p:cNvPr>
+          <p:cNvPicPr>
+            <a:picLocks noChangeAspect="1"/>
+          </p:cNvPicPr>
+          <p:nvPr/>
+        </p:nvPicPr>
+        <p:blipFill>
+          <a:blip r:embed="rId4"/>
+          <a:stretch>
+            <a:fillRect/>
+          </a:stretch>
+        </p:blipFill>
+        <p:spPr>
+          <a:xfrm>
+            <a:off x="6653990" y="2781570"/>
+            <a:ext cx="5445544" cy="2872375"/>
+          </a:xfrm>
+          <a:prstGeom prst="rect">
+            <a:avLst/>
+          </a:prstGeom>
+        </p:spPr>
+      </p:pic>
     </p:spTree>
     <p:extLst>
       <p:ext uri="{BB962C8B-B14F-4D97-AF65-F5344CB8AC3E}">
-        <p14:creationId xmlns:p14="http://schemas.microsoft.com/office/powerpoint/2010/main" val="3459993194"/>
+        <p14:creationId xmlns:p14="http://schemas.microsoft.com/office/powerpoint/2010/main" val="2489372324"/>
+      </p:ext>
+    </p:extLst>
+  </p:cSld>
+  <p:clrMapOvr>
+    <a:masterClrMapping/>
+  </p:clrMapOvr>
+</p:sld>
+</file>
+
+<file path=ppt/slides/slide38.xml><?xml version="1.0" encoding="utf-8"?>
+<p:sld xmlns:a="http://schemas.openxmlformats.org/drawingml/2006/main" xmlns:r="http://schemas.openxmlformats.org/officeDocument/2006/relationships" xmlns:p="http://schemas.openxmlformats.org/presentationml/2006/main">
+  <p:cSld>
+    <p:spTree>
+      <p:nvGrpSpPr>
+        <p:cNvPr id="1" name=""/>
+        <p:cNvGrpSpPr/>
+        <p:nvPr/>
+      </p:nvGrpSpPr>
+      <p:grpSpPr>
+        <a:xfrm>
+          <a:off x="0" y="0"/>
+          <a:ext cx="0" cy="0"/>
+          <a:chOff x="0" y="0"/>
+          <a:chExt cx="0" cy="0"/>
+        </a:xfrm>
+      </p:grpSpPr>
+      <p:sp>
+        <p:nvSpPr>
+          <p:cNvPr id="2" name="Title 1">
+            <a:extLst>
+              <a:ext uri="{FF2B5EF4-FFF2-40B4-BE49-F238E27FC236}">
+                <a16:creationId xmlns:a16="http://schemas.microsoft.com/office/drawing/2014/main" id="{F487E615-A217-424A-87F4-211D10BE25F7}"/>
+              </a:ext>
+            </a:extLst>
+          </p:cNvPr>
+          <p:cNvSpPr>
+            <a:spLocks noGrp="1"/>
+          </p:cNvSpPr>
+          <p:nvPr>
+            <p:ph type="title"/>
+          </p:nvPr>
+        </p:nvSpPr>
+        <p:spPr/>
+        <p:txBody>
+          <a:bodyPr/>
+          <a:lstStyle/>
+          <a:p>
+            <a:r>
+              <a:rPr lang="en-US" dirty="0">
+                <a:cs typeface="Calibri Light"/>
+              </a:rPr>
+              <a:t>Many 2 Many relationships</a:t>
+            </a:r>
+            <a:endParaRPr lang="en-US" dirty="0"/>
+          </a:p>
+        </p:txBody>
+      </p:sp>
+      <p:sp>
+        <p:nvSpPr>
+          <p:cNvPr id="3" name="Content Placeholder 2">
+            <a:extLst>
+              <a:ext uri="{FF2B5EF4-FFF2-40B4-BE49-F238E27FC236}">
+                <a16:creationId xmlns:a16="http://schemas.microsoft.com/office/drawing/2014/main" id="{68722406-96B9-4A5D-BDD9-207BDB88F6BC}"/>
+              </a:ext>
+            </a:extLst>
+          </p:cNvPr>
+          <p:cNvSpPr>
+            <a:spLocks noGrp="1"/>
+          </p:cNvSpPr>
+          <p:nvPr>
+            <p:ph idx="1"/>
+          </p:nvPr>
+        </p:nvSpPr>
+        <p:spPr/>
+        <p:txBody>
+          <a:bodyPr vert="horz" lIns="91440" tIns="45720" rIns="91440" bIns="45720" rtlCol="0" anchor="t">
+            <a:normAutofit/>
+          </a:bodyPr>
+          <a:lstStyle/>
+          <a:p>
+            <a:r>
+              <a:rPr lang="en-US" dirty="0">
+                <a:cs typeface="Calibri"/>
+              </a:rPr>
+              <a:t>From July 2018</a:t>
+            </a:r>
+          </a:p>
+          <a:p>
+            <a:r>
+              <a:rPr lang="en-US" dirty="0">
+                <a:cs typeface="Calibri"/>
+                <a:hlinkClick r:id="rId2"/>
+              </a:rPr>
+              <a:t>https://docs.microsoft.com/en-us/power-bi/desktop-many-to-many-relationships</a:t>
+            </a:r>
+            <a:endParaRPr lang="en-US"/>
+          </a:p>
+          <a:p>
+            <a:r>
+              <a:rPr lang="en-US" dirty="0">
+                <a:cs typeface="Calibri"/>
+              </a:rPr>
+              <a:t>Historically 1 table must have unique attribute (think many to 1)</a:t>
+            </a:r>
+            <a:endParaRPr lang="en-US" dirty="0"/>
+          </a:p>
+          <a:p>
+            <a:r>
+              <a:rPr lang="en-US" dirty="0">
+                <a:cs typeface="Calibri"/>
+              </a:rPr>
+              <a:t>Avoids staging tables </a:t>
+            </a:r>
+            <a:endParaRPr lang="en-US"/>
+          </a:p>
+          <a:p>
+            <a:r>
+              <a:rPr lang="en-US" dirty="0">
+                <a:cs typeface="Calibri"/>
+              </a:rPr>
+              <a:t>Only mode for an aggregation table to hit the DQ source (see Aggregations)</a:t>
+            </a:r>
+            <a:endParaRPr lang="en-US" dirty="0"/>
+          </a:p>
+          <a:p>
+            <a:endParaRPr lang="en-US" dirty="0">
+              <a:cs typeface="Calibri"/>
+            </a:endParaRPr>
+          </a:p>
+        </p:txBody>
+      </p:sp>
+    </p:spTree>
+    <p:extLst>
+      <p:ext uri="{BB962C8B-B14F-4D97-AF65-F5344CB8AC3E}">
+        <p14:creationId xmlns:p14="http://schemas.microsoft.com/office/powerpoint/2010/main" val="3916897342"/>
+      </p:ext>
+    </p:extLst>
+  </p:cSld>
+  <p:clrMapOvr>
+    <a:masterClrMapping/>
+  </p:clrMapOvr>
+</p:sld>
+</file>
+
+<file path=ppt/slides/slide39.xml><?xml version="1.0" encoding="utf-8"?>
+<p:sld xmlns:a="http://schemas.openxmlformats.org/drawingml/2006/main" xmlns:r="http://schemas.openxmlformats.org/officeDocument/2006/relationships" xmlns:p="http://schemas.openxmlformats.org/presentationml/2006/main">
+  <p:cSld>
+    <p:spTree>
+      <p:nvGrpSpPr>
+        <p:cNvPr id="1" name=""/>
+        <p:cNvGrpSpPr/>
+        <p:nvPr/>
+      </p:nvGrpSpPr>
+      <p:grpSpPr>
+        <a:xfrm>
+          <a:off x="0" y="0"/>
+          <a:ext cx="0" cy="0"/>
+          <a:chOff x="0" y="0"/>
+          <a:chExt cx="0" cy="0"/>
+        </a:xfrm>
+      </p:grpSpPr>
+      <p:pic>
+        <p:nvPicPr>
+          <p:cNvPr id="2" name="Picture 2" descr="A screenshot of a social media post&#10;&#10;Description generated with very high confidence">
+            <a:extLst>
+              <a:ext uri="{FF2B5EF4-FFF2-40B4-BE49-F238E27FC236}">
+                <a16:creationId xmlns:a16="http://schemas.microsoft.com/office/drawing/2014/main" id="{BBBD93EA-69DE-4825-91E7-FCB47BAE2E2B}"/>
+              </a:ext>
+            </a:extLst>
+          </p:cNvPr>
+          <p:cNvPicPr>
+            <a:picLocks noChangeAspect="1"/>
+          </p:cNvPicPr>
+          <p:nvPr/>
+        </p:nvPicPr>
+        <p:blipFill>
+          <a:blip r:embed="rId2"/>
+          <a:stretch>
+            <a:fillRect/>
+          </a:stretch>
+        </p:blipFill>
+        <p:spPr>
+          <a:xfrm>
+            <a:off x="2360246" y="98498"/>
+            <a:ext cx="7500815" cy="6758695"/>
+          </a:xfrm>
+          <a:prstGeom prst="rect">
+            <a:avLst/>
+          </a:prstGeom>
+        </p:spPr>
+      </p:pic>
+    </p:spTree>
+    <p:extLst>
+      <p:ext uri="{BB962C8B-B14F-4D97-AF65-F5344CB8AC3E}">
+        <p14:creationId xmlns:p14="http://schemas.microsoft.com/office/powerpoint/2010/main" val="557608452"/>
       </p:ext>
     </p:extLst>
   </p:cSld>
@@ -13808,6 +15810,1525 @@
 </p:sld>
 </file>
 
+<file path=ppt/slides/slide40.xml><?xml version="1.0" encoding="utf-8"?>
+<p:sld xmlns:a="http://schemas.openxmlformats.org/drawingml/2006/main" xmlns:r="http://schemas.openxmlformats.org/officeDocument/2006/relationships" xmlns:p="http://schemas.openxmlformats.org/presentationml/2006/main">
+  <p:cSld>
+    <p:spTree>
+      <p:nvGrpSpPr>
+        <p:cNvPr id="1" name=""/>
+        <p:cNvGrpSpPr/>
+        <p:nvPr/>
+      </p:nvGrpSpPr>
+      <p:grpSpPr>
+        <a:xfrm>
+          <a:off x="0" y="0"/>
+          <a:ext cx="0" cy="0"/>
+          <a:chOff x="0" y="0"/>
+          <a:chExt cx="0" cy="0"/>
+        </a:xfrm>
+      </p:grpSpPr>
+      <p:sp>
+        <p:nvSpPr>
+          <p:cNvPr id="2" name="Title 1">
+            <a:extLst>
+              <a:ext uri="{FF2B5EF4-FFF2-40B4-BE49-F238E27FC236}">
+                <a16:creationId xmlns:a16="http://schemas.microsoft.com/office/drawing/2014/main" id="{A8710D7C-488F-467D-AA7D-93771C20A48E}"/>
+              </a:ext>
+            </a:extLst>
+          </p:cNvPr>
+          <p:cNvSpPr>
+            <a:spLocks noGrp="1"/>
+          </p:cNvSpPr>
+          <p:nvPr>
+            <p:ph type="title"/>
+          </p:nvPr>
+        </p:nvSpPr>
+        <p:spPr/>
+        <p:txBody>
+          <a:bodyPr/>
+          <a:lstStyle/>
+          <a:p>
+            <a:r>
+              <a:rPr lang="en-US" dirty="0">
+                <a:cs typeface="Calibri Light"/>
+              </a:rPr>
+              <a:t>Aggregations</a:t>
+            </a:r>
+            <a:endParaRPr lang="en-US" dirty="0"/>
+          </a:p>
+        </p:txBody>
+      </p:sp>
+      <p:pic>
+        <p:nvPicPr>
+          <p:cNvPr id="3" name="Picture 3" descr="A screenshot of a social media post&#10;&#10;Description generated with very high confidence">
+            <a:extLst>
+              <a:ext uri="{FF2B5EF4-FFF2-40B4-BE49-F238E27FC236}">
+                <a16:creationId xmlns:a16="http://schemas.microsoft.com/office/drawing/2014/main" id="{DC1ED9F6-71F3-4389-B088-4880B8EE7E22}"/>
+              </a:ext>
+            </a:extLst>
+          </p:cNvPr>
+          <p:cNvPicPr>
+            <a:picLocks noChangeAspect="1"/>
+          </p:cNvPicPr>
+          <p:nvPr/>
+        </p:nvPicPr>
+        <p:blipFill>
+          <a:blip r:embed="rId2"/>
+          <a:stretch>
+            <a:fillRect/>
+          </a:stretch>
+        </p:blipFill>
+        <p:spPr>
+          <a:xfrm>
+            <a:off x="2624015" y="1722833"/>
+            <a:ext cx="4101123" cy="4994949"/>
+          </a:xfrm>
+          <a:prstGeom prst="rect">
+            <a:avLst/>
+          </a:prstGeom>
+        </p:spPr>
+      </p:pic>
+    </p:spTree>
+    <p:extLst>
+      <p:ext uri="{BB962C8B-B14F-4D97-AF65-F5344CB8AC3E}">
+        <p14:creationId xmlns:p14="http://schemas.microsoft.com/office/powerpoint/2010/main" val="4071335543"/>
+      </p:ext>
+    </p:extLst>
+  </p:cSld>
+  <p:clrMapOvr>
+    <a:masterClrMapping/>
+  </p:clrMapOvr>
+</p:sld>
+</file>
+
+<file path=ppt/slides/slide41.xml><?xml version="1.0" encoding="utf-8"?>
+<p:sld xmlns:a="http://schemas.openxmlformats.org/drawingml/2006/main" xmlns:r="http://schemas.openxmlformats.org/officeDocument/2006/relationships" xmlns:p="http://schemas.openxmlformats.org/presentationml/2006/main">
+  <p:cSld>
+    <p:spTree>
+      <p:nvGrpSpPr>
+        <p:cNvPr id="1" name=""/>
+        <p:cNvGrpSpPr/>
+        <p:nvPr/>
+      </p:nvGrpSpPr>
+      <p:grpSpPr>
+        <a:xfrm>
+          <a:off x="0" y="0"/>
+          <a:ext cx="0" cy="0"/>
+          <a:chOff x="0" y="0"/>
+          <a:chExt cx="0" cy="0"/>
+        </a:xfrm>
+      </p:grpSpPr>
+      <p:sp>
+        <p:nvSpPr>
+          <p:cNvPr id="2" name="Title 1">
+            <a:extLst>
+              <a:ext uri="{FF2B5EF4-FFF2-40B4-BE49-F238E27FC236}">
+                <a16:creationId xmlns:a16="http://schemas.microsoft.com/office/drawing/2014/main" id="{CC0A86D8-6AFF-4F51-8923-AF7C71E3852B}"/>
+              </a:ext>
+            </a:extLst>
+          </p:cNvPr>
+          <p:cNvSpPr>
+            <a:spLocks noGrp="1"/>
+          </p:cNvSpPr>
+          <p:nvPr>
+            <p:ph type="title"/>
+          </p:nvPr>
+        </p:nvSpPr>
+        <p:spPr/>
+        <p:txBody>
+          <a:bodyPr/>
+          <a:lstStyle/>
+          <a:p>
+            <a:r>
+              <a:rPr lang="en-US" dirty="0">
+                <a:cs typeface="Calibri Light"/>
+              </a:rPr>
+              <a:t>Aggregations</a:t>
+            </a:r>
+            <a:endParaRPr lang="en-US" dirty="0"/>
+          </a:p>
+        </p:txBody>
+      </p:sp>
+      <p:sp>
+        <p:nvSpPr>
+          <p:cNvPr id="3" name="Content Placeholder 2">
+            <a:extLst>
+              <a:ext uri="{FF2B5EF4-FFF2-40B4-BE49-F238E27FC236}">
+                <a16:creationId xmlns:a16="http://schemas.microsoft.com/office/drawing/2014/main" id="{28F97782-C906-4EE3-9394-093B02D2EA11}"/>
+              </a:ext>
+            </a:extLst>
+          </p:cNvPr>
+          <p:cNvSpPr>
+            <a:spLocks noGrp="1"/>
+          </p:cNvSpPr>
+          <p:nvPr>
+            <p:ph idx="1"/>
+          </p:nvPr>
+        </p:nvSpPr>
+        <p:spPr/>
+        <p:txBody>
+          <a:bodyPr vert="horz" lIns="91440" tIns="45720" rIns="91440" bIns="45720" rtlCol="0" anchor="t">
+            <a:normAutofit fontScale="70000" lnSpcReduction="20000"/>
+          </a:bodyPr>
+          <a:lstStyle/>
+          <a:p>
+            <a:r>
+              <a:rPr lang="en-GB" dirty="0" err="1"/>
+              <a:t>Agg</a:t>
+            </a:r>
+            <a:r>
+              <a:rPr lang="en-GB" dirty="0"/>
+              <a:t> tables with Chris Wade </a:t>
+            </a:r>
+          </a:p>
+          <a:p>
+            <a:r>
+              <a:rPr lang="en-US" dirty="0">
+                <a:cs typeface="Calibri"/>
+                <a:hlinkClick r:id="rId2"/>
+              </a:rPr>
+              <a:t>https://www.youtube.com/watch?v=RdHSo43LkQg</a:t>
+            </a:r>
+            <a:endParaRPr lang="en-US" dirty="0"/>
+          </a:p>
+          <a:p>
+            <a:r>
+              <a:rPr lang="en-US" dirty="0">
+                <a:cs typeface="Calibri"/>
+              </a:rPr>
+              <a:t>Weak relationships v strong relationships</a:t>
+            </a:r>
+            <a:endParaRPr lang="en-US" dirty="0"/>
+          </a:p>
+          <a:p>
+            <a:r>
+              <a:rPr lang="en-US" dirty="0">
+                <a:cs typeface="Calibri"/>
+              </a:rPr>
+              <a:t>Hide aggregation table</a:t>
+            </a:r>
+            <a:endParaRPr lang="en-US" dirty="0"/>
+          </a:p>
+          <a:p>
+            <a:r>
+              <a:rPr lang="en-US" dirty="0">
+                <a:cs typeface="Calibri"/>
+              </a:rPr>
+              <a:t>Manage the actual aggregations, right click </a:t>
+            </a:r>
+            <a:r>
+              <a:rPr lang="en-US" dirty="0" err="1">
+                <a:cs typeface="Calibri"/>
+              </a:rPr>
+              <a:t>Agg</a:t>
+            </a:r>
+            <a:r>
+              <a:rPr lang="en-US" dirty="0">
+                <a:cs typeface="Calibri"/>
+              </a:rPr>
+              <a:t> table &gt; Manage aggregations</a:t>
+            </a:r>
+            <a:endParaRPr lang="en-US" dirty="0"/>
+          </a:p>
+          <a:p>
+            <a:r>
+              <a:rPr lang="en-US" dirty="0">
+                <a:cs typeface="Calibri"/>
+              </a:rPr>
+              <a:t>Map </a:t>
+            </a:r>
+            <a:r>
+              <a:rPr lang="en-US" dirty="0" err="1">
+                <a:cs typeface="Calibri"/>
+              </a:rPr>
+              <a:t>agg</a:t>
+            </a:r>
+            <a:r>
+              <a:rPr lang="en-US" dirty="0">
+                <a:cs typeface="Calibri"/>
+              </a:rPr>
+              <a:t> table to detailed (DQ) table</a:t>
+            </a:r>
+            <a:endParaRPr lang="en-US" dirty="0"/>
+          </a:p>
+          <a:p>
+            <a:r>
+              <a:rPr lang="en-US" dirty="0">
+                <a:cs typeface="Calibri"/>
+              </a:rPr>
+              <a:t>Specify ‘</a:t>
+            </a:r>
+            <a:r>
+              <a:rPr lang="en-US" dirty="0" err="1">
+                <a:cs typeface="Calibri"/>
+              </a:rPr>
+              <a:t>Summaarization</a:t>
+            </a:r>
+            <a:r>
+              <a:rPr lang="en-US" dirty="0">
+                <a:cs typeface="Calibri"/>
+              </a:rPr>
+              <a:t>’ of the associated Detailed Table[column]</a:t>
+            </a:r>
+            <a:endParaRPr lang="en-US" dirty="0"/>
+          </a:p>
+          <a:p>
+            <a:r>
+              <a:rPr lang="en-US" dirty="0">
+                <a:cs typeface="Calibri"/>
+              </a:rPr>
+              <a:t>Summarizations Count/ </a:t>
+            </a:r>
+            <a:r>
+              <a:rPr lang="en-US" dirty="0" err="1">
+                <a:cs typeface="Calibri"/>
+              </a:rPr>
+              <a:t>GroupBY</a:t>
+            </a:r>
+            <a:r>
+              <a:rPr lang="en-US" dirty="0">
+                <a:cs typeface="Calibri"/>
+              </a:rPr>
+              <a:t>/ Max/ Min/ Sum/ </a:t>
+            </a:r>
+            <a:r>
+              <a:rPr lang="en-US" dirty="0" err="1">
+                <a:cs typeface="Calibri"/>
+              </a:rPr>
+              <a:t>CountRows</a:t>
+            </a:r>
+            <a:endParaRPr lang="en-US" dirty="0" err="1"/>
+          </a:p>
+          <a:p>
+            <a:r>
+              <a:rPr lang="en-US" dirty="0">
+                <a:cs typeface="Calibri"/>
+              </a:rPr>
+              <a:t>Talk about relationship models V Hadoop </a:t>
+            </a:r>
+            <a:r>
+              <a:rPr lang="en-US" dirty="0" err="1">
+                <a:cs typeface="Calibri"/>
+              </a:rPr>
+              <a:t>normalised</a:t>
+            </a:r>
+            <a:r>
+              <a:rPr lang="en-US" dirty="0">
+                <a:cs typeface="Calibri"/>
+              </a:rPr>
+              <a:t> tables and that </a:t>
+            </a:r>
+            <a:r>
+              <a:rPr lang="en-US" dirty="0" err="1">
+                <a:cs typeface="Calibri"/>
+              </a:rPr>
+              <a:t>GroupBy</a:t>
+            </a:r>
+            <a:r>
+              <a:rPr lang="en-US" dirty="0">
+                <a:cs typeface="Calibri"/>
+              </a:rPr>
+              <a:t> mapping for each column is required.</a:t>
+            </a:r>
+            <a:endParaRPr lang="en-US" dirty="0"/>
+          </a:p>
+          <a:p>
+            <a:r>
+              <a:rPr lang="en-US" dirty="0">
+                <a:cs typeface="Calibri"/>
+              </a:rPr>
+              <a:t>Different Aggregation tables and different granularity and Precedence.</a:t>
+            </a:r>
+            <a:endParaRPr lang="en-US" dirty="0"/>
+          </a:p>
+          <a:p>
+            <a:r>
+              <a:rPr lang="en-US" dirty="0">
+                <a:cs typeface="Calibri"/>
+                <a:hlinkClick r:id="rId3"/>
+              </a:rPr>
+              <a:t>https://docs.microsoft.com/en-us/power-bi/desktop-aggregations#aggregation-precedence</a:t>
+            </a:r>
+            <a:endParaRPr lang="en-US" dirty="0"/>
+          </a:p>
+          <a:p>
+            <a:endParaRPr lang="en-US" dirty="0">
+              <a:cs typeface="Calibri"/>
+            </a:endParaRPr>
+          </a:p>
+        </p:txBody>
+      </p:sp>
+    </p:spTree>
+    <p:extLst>
+      <p:ext uri="{BB962C8B-B14F-4D97-AF65-F5344CB8AC3E}">
+        <p14:creationId xmlns:p14="http://schemas.microsoft.com/office/powerpoint/2010/main" val="2231816432"/>
+      </p:ext>
+    </p:extLst>
+  </p:cSld>
+  <p:clrMapOvr>
+    <a:masterClrMapping/>
+  </p:clrMapOvr>
+</p:sld>
+</file>
+
+<file path=ppt/slides/slide42.xml><?xml version="1.0" encoding="utf-8"?>
+<p:sld xmlns:a="http://schemas.openxmlformats.org/drawingml/2006/main" xmlns:r="http://schemas.openxmlformats.org/officeDocument/2006/relationships" xmlns:p="http://schemas.openxmlformats.org/presentationml/2006/main">
+  <p:cSld>
+    <p:spTree>
+      <p:nvGrpSpPr>
+        <p:cNvPr id="1" name=""/>
+        <p:cNvGrpSpPr/>
+        <p:nvPr/>
+      </p:nvGrpSpPr>
+      <p:grpSpPr>
+        <a:xfrm>
+          <a:off x="0" y="0"/>
+          <a:ext cx="0" cy="0"/>
+          <a:chOff x="0" y="0"/>
+          <a:chExt cx="0" cy="0"/>
+        </a:xfrm>
+      </p:grpSpPr>
+      <p:sp>
+        <p:nvSpPr>
+          <p:cNvPr id="2" name="Title 1">
+            <a:extLst>
+              <a:ext uri="{FF2B5EF4-FFF2-40B4-BE49-F238E27FC236}">
+                <a16:creationId xmlns:a16="http://schemas.microsoft.com/office/drawing/2014/main" id="{26E75583-83D0-487E-AAFA-D3C8A308243F}"/>
+              </a:ext>
+            </a:extLst>
+          </p:cNvPr>
+          <p:cNvSpPr>
+            <a:spLocks noGrp="1"/>
+          </p:cNvSpPr>
+          <p:nvPr>
+            <p:ph type="title"/>
+          </p:nvPr>
+        </p:nvSpPr>
+        <p:spPr/>
+        <p:txBody>
+          <a:bodyPr/>
+          <a:lstStyle/>
+          <a:p>
+            <a:r>
+              <a:rPr lang="en-US" dirty="0">
+                <a:cs typeface="Calibri Light"/>
+              </a:rPr>
+              <a:t>Power BI Tools</a:t>
+            </a:r>
+            <a:endParaRPr lang="en-US" dirty="0"/>
+          </a:p>
+        </p:txBody>
+      </p:sp>
+      <p:sp>
+        <p:nvSpPr>
+          <p:cNvPr id="3" name="Content Placeholder 2">
+            <a:extLst>
+              <a:ext uri="{FF2B5EF4-FFF2-40B4-BE49-F238E27FC236}">
+                <a16:creationId xmlns:a16="http://schemas.microsoft.com/office/drawing/2014/main" id="{503D5D21-088C-40AB-BFDF-0481DBB2DF36}"/>
+              </a:ext>
+            </a:extLst>
+          </p:cNvPr>
+          <p:cNvSpPr>
+            <a:spLocks noGrp="1"/>
+          </p:cNvSpPr>
+          <p:nvPr>
+            <p:ph idx="1"/>
+          </p:nvPr>
+        </p:nvSpPr>
+        <p:spPr/>
+        <p:txBody>
+          <a:bodyPr vert="horz" lIns="91440" tIns="45720" rIns="91440" bIns="45720" rtlCol="0" anchor="t">
+            <a:normAutofit/>
+          </a:bodyPr>
+          <a:lstStyle/>
+          <a:p>
+            <a:r>
+              <a:rPr lang="en-US" dirty="0" err="1">
+                <a:cs typeface="Calibri"/>
+              </a:rPr>
+              <a:t>Sql</a:t>
+            </a:r>
+            <a:r>
+              <a:rPr lang="en-US" dirty="0">
+                <a:cs typeface="Calibri"/>
+              </a:rPr>
+              <a:t> Profiler</a:t>
+            </a:r>
+          </a:p>
+          <a:p>
+            <a:r>
+              <a:rPr lang="en-US" dirty="0">
+                <a:cs typeface="Calibri"/>
+              </a:rPr>
+              <a:t>Dax Studio</a:t>
+            </a:r>
+          </a:p>
+          <a:p>
+            <a:endParaRPr lang="en-US" dirty="0">
+              <a:cs typeface="Calibri"/>
+            </a:endParaRPr>
+          </a:p>
+        </p:txBody>
+      </p:sp>
+    </p:spTree>
+    <p:extLst>
+      <p:ext uri="{BB962C8B-B14F-4D97-AF65-F5344CB8AC3E}">
+        <p14:creationId xmlns:p14="http://schemas.microsoft.com/office/powerpoint/2010/main" val="495545267"/>
+      </p:ext>
+    </p:extLst>
+  </p:cSld>
+  <p:clrMapOvr>
+    <a:masterClrMapping/>
+  </p:clrMapOvr>
+</p:sld>
+</file>
+
+<file path=ppt/slides/slide43.xml><?xml version="1.0" encoding="utf-8"?>
+<p:sld xmlns:a="http://schemas.openxmlformats.org/drawingml/2006/main" xmlns:r="http://schemas.openxmlformats.org/officeDocument/2006/relationships" xmlns:p="http://schemas.openxmlformats.org/presentationml/2006/main">
+  <p:cSld>
+    <p:spTree>
+      <p:nvGrpSpPr>
+        <p:cNvPr id="1" name=""/>
+        <p:cNvGrpSpPr/>
+        <p:nvPr/>
+      </p:nvGrpSpPr>
+      <p:grpSpPr>
+        <a:xfrm>
+          <a:off x="0" y="0"/>
+          <a:ext cx="0" cy="0"/>
+          <a:chOff x="0" y="0"/>
+          <a:chExt cx="0" cy="0"/>
+        </a:xfrm>
+      </p:grpSpPr>
+      <p:sp>
+        <p:nvSpPr>
+          <p:cNvPr id="2" name="Title 1">
+            <a:extLst>
+              <a:ext uri="{FF2B5EF4-FFF2-40B4-BE49-F238E27FC236}">
+                <a16:creationId xmlns:a16="http://schemas.microsoft.com/office/drawing/2014/main" id="{4F5FFE88-7B14-4763-806D-A2BFC137C899}"/>
+              </a:ext>
+            </a:extLst>
+          </p:cNvPr>
+          <p:cNvSpPr>
+            <a:spLocks noGrp="1"/>
+          </p:cNvSpPr>
+          <p:nvPr>
+            <p:ph type="ctrTitle"/>
+          </p:nvPr>
+        </p:nvSpPr>
+        <p:spPr>
+          <a:xfrm>
+            <a:off x="1428750" y="252414"/>
+            <a:ext cx="9144000" cy="656850"/>
+          </a:xfrm>
+        </p:spPr>
+        <p:txBody>
+          <a:bodyPr>
+            <a:normAutofit fontScale="90000"/>
+          </a:bodyPr>
+          <a:lstStyle/>
+          <a:p>
+            <a:r>
+              <a:rPr lang="en-GB" dirty="0"/>
+              <a:t>Power BI Premium : Incremental Refresh</a:t>
+            </a:r>
+          </a:p>
+        </p:txBody>
+      </p:sp>
+      <p:sp>
+        <p:nvSpPr>
+          <p:cNvPr id="3" name="Subtitle 2">
+            <a:extLst>
+              <a:ext uri="{FF2B5EF4-FFF2-40B4-BE49-F238E27FC236}">
+                <a16:creationId xmlns:a16="http://schemas.microsoft.com/office/drawing/2014/main" id="{EA597543-2A3A-4FD5-9DA6-D09EB6B64855}"/>
+              </a:ext>
+            </a:extLst>
+          </p:cNvPr>
+          <p:cNvSpPr>
+            <a:spLocks noGrp="1"/>
+          </p:cNvSpPr>
+          <p:nvPr>
+            <p:ph type="subTitle" idx="1"/>
+          </p:nvPr>
+        </p:nvSpPr>
+        <p:spPr>
+          <a:xfrm>
+            <a:off x="1524000" y="1063671"/>
+            <a:ext cx="9144000" cy="4435867"/>
+          </a:xfrm>
+        </p:spPr>
+        <p:txBody>
+          <a:bodyPr>
+            <a:normAutofit/>
+          </a:bodyPr>
+          <a:lstStyle/>
+          <a:p>
+            <a:pPr algn="l"/>
+            <a:r>
+              <a:rPr lang="en-GB" dirty="0"/>
+              <a:t>See </a:t>
+            </a:r>
+            <a:r>
+              <a:rPr lang="en-GB" dirty="0">
+                <a:hlinkClick r:id="rId3"/>
+              </a:rPr>
+              <a:t>https://www.youtube.com/watch?v=CajQjq70Kpg</a:t>
+            </a:r>
+            <a:endParaRPr lang="en-GB" dirty="0"/>
+          </a:p>
+          <a:p>
+            <a:pPr algn="l"/>
+            <a:r>
+              <a:rPr lang="en-GB" dirty="0"/>
+              <a:t>Read </a:t>
+            </a:r>
+            <a:r>
+              <a:rPr lang="en-GB" dirty="0">
+                <a:hlinkClick r:id="rId4"/>
+              </a:rPr>
+              <a:t>https://docs.microsoft.com/en-gb/power-bi/service-premium-incremental-refresh</a:t>
+            </a:r>
+            <a:endParaRPr lang="en-GB" dirty="0"/>
+          </a:p>
+          <a:p>
+            <a:pPr marL="457200" indent="-457200" algn="l">
+              <a:buFont typeface="+mj-lt"/>
+              <a:buAutoNum type="arabicPeriod"/>
+            </a:pPr>
+            <a:r>
+              <a:rPr lang="en-GB" dirty="0"/>
+              <a:t>Preview feature</a:t>
+            </a:r>
+          </a:p>
+          <a:p>
+            <a:pPr marL="457200" indent="-457200" algn="l">
+              <a:buFont typeface="+mj-lt"/>
+              <a:buAutoNum type="arabicPeriod"/>
+            </a:pPr>
+            <a:r>
+              <a:rPr lang="en-GB" dirty="0"/>
+              <a:t>In Power Query set Parameters</a:t>
+            </a:r>
+          </a:p>
+          <a:p>
+            <a:pPr marL="457200" indent="-457200" algn="l">
+              <a:buFont typeface="+mj-lt"/>
+              <a:buAutoNum type="arabicPeriod"/>
+            </a:pPr>
+            <a:r>
+              <a:rPr lang="en-GB" dirty="0"/>
+              <a:t>Filter on date range is&gt;= </a:t>
+            </a:r>
+            <a:r>
+              <a:rPr lang="en-GB" dirty="0" err="1"/>
+              <a:t>RangeStart</a:t>
+            </a:r>
+            <a:r>
+              <a:rPr lang="en-GB" dirty="0"/>
+              <a:t> and &lt; </a:t>
+            </a:r>
+            <a:r>
+              <a:rPr lang="en-GB" dirty="0" err="1"/>
+              <a:t>RangeEnd</a:t>
+            </a:r>
+            <a:endParaRPr lang="en-GB" dirty="0"/>
+          </a:p>
+          <a:p>
+            <a:pPr marL="457200" indent="-457200" algn="l">
+              <a:buFont typeface="+mj-lt"/>
+              <a:buAutoNum type="arabicPeriod"/>
+            </a:pPr>
+            <a:r>
+              <a:rPr lang="en-GB" dirty="0" err="1"/>
+              <a:t>PBIdesktop</a:t>
+            </a:r>
+            <a:r>
+              <a:rPr lang="en-GB" dirty="0"/>
+              <a:t> data table define ‘incremental refresh’</a:t>
+            </a:r>
+          </a:p>
+          <a:p>
+            <a:pPr marL="457200" indent="-457200" algn="l">
+              <a:buFont typeface="+mj-lt"/>
+              <a:buAutoNum type="arabicPeriod"/>
+            </a:pPr>
+            <a:r>
+              <a:rPr lang="en-GB" dirty="0"/>
+              <a:t>Publish to Premium</a:t>
+            </a:r>
+          </a:p>
+          <a:p>
+            <a:pPr algn="l"/>
+            <a:endParaRPr lang="en-GB" dirty="0"/>
+          </a:p>
+          <a:p>
+            <a:pPr algn="l"/>
+            <a:endParaRPr lang="en-GB" dirty="0"/>
+          </a:p>
+        </p:txBody>
+      </p:sp>
+    </p:spTree>
+    <p:extLst>
+      <p:ext uri="{BB962C8B-B14F-4D97-AF65-F5344CB8AC3E}">
+        <p14:creationId xmlns:p14="http://schemas.microsoft.com/office/powerpoint/2010/main" val="943223471"/>
+      </p:ext>
+    </p:extLst>
+  </p:cSld>
+  <p:clrMapOvr>
+    <a:masterClrMapping/>
+  </p:clrMapOvr>
+</p:sld>
+</file>
+
+<file path=ppt/slides/slide44.xml><?xml version="1.0" encoding="utf-8"?>
+<p:sld xmlns:a="http://schemas.openxmlformats.org/drawingml/2006/main" xmlns:r="http://schemas.openxmlformats.org/officeDocument/2006/relationships" xmlns:p="http://schemas.openxmlformats.org/presentationml/2006/main">
+  <p:cSld>
+    <p:spTree>
+      <p:nvGrpSpPr>
+        <p:cNvPr id="1" name=""/>
+        <p:cNvGrpSpPr/>
+        <p:nvPr/>
+      </p:nvGrpSpPr>
+      <p:grpSpPr>
+        <a:xfrm>
+          <a:off x="0" y="0"/>
+          <a:ext cx="0" cy="0"/>
+          <a:chOff x="0" y="0"/>
+          <a:chExt cx="0" cy="0"/>
+        </a:xfrm>
+      </p:grpSpPr>
+      <p:sp>
+        <p:nvSpPr>
+          <p:cNvPr id="2" name="Title 1">
+            <a:extLst>
+              <a:ext uri="{FF2B5EF4-FFF2-40B4-BE49-F238E27FC236}">
+                <a16:creationId xmlns:a16="http://schemas.microsoft.com/office/drawing/2014/main" id="{4F5FFE88-7B14-4763-806D-A2BFC137C899}"/>
+              </a:ext>
+            </a:extLst>
+          </p:cNvPr>
+          <p:cNvSpPr>
+            <a:spLocks noGrp="1"/>
+          </p:cNvSpPr>
+          <p:nvPr>
+            <p:ph type="ctrTitle"/>
+          </p:nvPr>
+        </p:nvSpPr>
+        <p:spPr>
+          <a:xfrm>
+            <a:off x="1428750" y="252414"/>
+            <a:ext cx="9144000" cy="656850"/>
+          </a:xfrm>
+        </p:spPr>
+        <p:txBody>
+          <a:bodyPr>
+            <a:normAutofit fontScale="90000"/>
+          </a:bodyPr>
+          <a:lstStyle/>
+          <a:p>
+            <a:r>
+              <a:rPr lang="en-GB" dirty="0"/>
+              <a:t>Power BI Premium</a:t>
+            </a:r>
+          </a:p>
+        </p:txBody>
+      </p:sp>
+      <p:sp>
+        <p:nvSpPr>
+          <p:cNvPr id="3" name="Subtitle 2">
+            <a:extLst>
+              <a:ext uri="{FF2B5EF4-FFF2-40B4-BE49-F238E27FC236}">
+                <a16:creationId xmlns:a16="http://schemas.microsoft.com/office/drawing/2014/main" id="{EA597543-2A3A-4FD5-9DA6-D09EB6B64855}"/>
+              </a:ext>
+            </a:extLst>
+          </p:cNvPr>
+          <p:cNvSpPr>
+            <a:spLocks noGrp="1"/>
+          </p:cNvSpPr>
+          <p:nvPr>
+            <p:ph type="subTitle" idx="1"/>
+          </p:nvPr>
+        </p:nvSpPr>
+        <p:spPr>
+          <a:xfrm>
+            <a:off x="1524000" y="1063671"/>
+            <a:ext cx="9144000" cy="4435867"/>
+          </a:xfrm>
+        </p:spPr>
+        <p:txBody>
+          <a:bodyPr>
+            <a:normAutofit/>
+          </a:bodyPr>
+          <a:lstStyle/>
+          <a:p>
+            <a:pPr algn="l"/>
+            <a:endParaRPr lang="en-GB" dirty="0"/>
+          </a:p>
+          <a:p>
+            <a:pPr algn="l"/>
+            <a:endParaRPr lang="en-GB" dirty="0"/>
+          </a:p>
+          <a:p>
+            <a:pPr algn="l"/>
+            <a:endParaRPr lang="en-GB" dirty="0"/>
+          </a:p>
+        </p:txBody>
+      </p:sp>
+      <p:sp>
+        <p:nvSpPr>
+          <p:cNvPr id="4" name="TextBox 3">
+            <a:extLst>
+              <a:ext uri="{FF2B5EF4-FFF2-40B4-BE49-F238E27FC236}">
+                <a16:creationId xmlns:a16="http://schemas.microsoft.com/office/drawing/2014/main" id="{8BA21483-18B0-4750-BA0A-F7A7CEC787F6}"/>
+              </a:ext>
+            </a:extLst>
+          </p:cNvPr>
+          <p:cNvSpPr txBox="1"/>
+          <p:nvPr/>
+        </p:nvSpPr>
+        <p:spPr>
+          <a:xfrm>
+            <a:off x="2013735" y="1916130"/>
+            <a:ext cx="2625047" cy="369332"/>
+          </a:xfrm>
+          <a:prstGeom prst="rect">
+            <a:avLst/>
+          </a:prstGeom>
+          <a:noFill/>
+        </p:spPr>
+        <p:txBody>
+          <a:bodyPr wrap="square" rtlCol="0">
+            <a:spAutoFit/>
+          </a:bodyPr>
+          <a:lstStyle/>
+          <a:p>
+            <a:r>
+              <a:rPr lang="en-GB"/>
+              <a:t>See slides 5.2</a:t>
+            </a:r>
+            <a:endParaRPr lang="en-GB" dirty="0"/>
+          </a:p>
+        </p:txBody>
+      </p:sp>
+    </p:spTree>
+    <p:extLst>
+      <p:ext uri="{BB962C8B-B14F-4D97-AF65-F5344CB8AC3E}">
+        <p14:creationId xmlns:p14="http://schemas.microsoft.com/office/powerpoint/2010/main" val="2009532564"/>
+      </p:ext>
+    </p:extLst>
+  </p:cSld>
+  <p:clrMapOvr>
+    <a:masterClrMapping/>
+  </p:clrMapOvr>
+</p:sld>
+</file>
+
+<file path=ppt/slides/slide45.xml><?xml version="1.0" encoding="utf-8"?>
+<p:sld xmlns:a="http://schemas.openxmlformats.org/drawingml/2006/main" xmlns:r="http://schemas.openxmlformats.org/officeDocument/2006/relationships" xmlns:p="http://schemas.openxmlformats.org/presentationml/2006/main">
+  <p:cSld>
+    <p:spTree>
+      <p:nvGrpSpPr>
+        <p:cNvPr id="1" name=""/>
+        <p:cNvGrpSpPr/>
+        <p:nvPr/>
+      </p:nvGrpSpPr>
+      <p:grpSpPr>
+        <a:xfrm>
+          <a:off x="0" y="0"/>
+          <a:ext cx="0" cy="0"/>
+          <a:chOff x="0" y="0"/>
+          <a:chExt cx="0" cy="0"/>
+        </a:xfrm>
+      </p:grpSpPr>
+      <p:sp>
+        <p:nvSpPr>
+          <p:cNvPr id="2" name="Title 1">
+            <a:extLst>
+              <a:ext uri="{FF2B5EF4-FFF2-40B4-BE49-F238E27FC236}">
+                <a16:creationId xmlns:a16="http://schemas.microsoft.com/office/drawing/2014/main" id="{4F5FFE88-7B14-4763-806D-A2BFC137C899}"/>
+              </a:ext>
+            </a:extLst>
+          </p:cNvPr>
+          <p:cNvSpPr>
+            <a:spLocks noGrp="1"/>
+          </p:cNvSpPr>
+          <p:nvPr>
+            <p:ph type="ctrTitle"/>
+          </p:nvPr>
+        </p:nvSpPr>
+        <p:spPr>
+          <a:xfrm>
+            <a:off x="1428750" y="252413"/>
+            <a:ext cx="9144000" cy="759591"/>
+          </a:xfrm>
+        </p:spPr>
+        <p:txBody>
+          <a:bodyPr>
+            <a:normAutofit/>
+          </a:bodyPr>
+          <a:lstStyle/>
+          <a:p>
+            <a:r>
+              <a:rPr lang="en-GB" dirty="0"/>
+              <a:t>Power BI Lesson 5 of 6</a:t>
+            </a:r>
+          </a:p>
+        </p:txBody>
+      </p:sp>
+      <p:sp>
+        <p:nvSpPr>
+          <p:cNvPr id="3" name="Subtitle 2">
+            <a:extLst>
+              <a:ext uri="{FF2B5EF4-FFF2-40B4-BE49-F238E27FC236}">
+                <a16:creationId xmlns:a16="http://schemas.microsoft.com/office/drawing/2014/main" id="{EA597543-2A3A-4FD5-9DA6-D09EB6B64855}"/>
+              </a:ext>
+            </a:extLst>
+          </p:cNvPr>
+          <p:cNvSpPr>
+            <a:spLocks noGrp="1"/>
+          </p:cNvSpPr>
+          <p:nvPr>
+            <p:ph type="subTitle" idx="1"/>
+          </p:nvPr>
+        </p:nvSpPr>
+        <p:spPr>
+          <a:xfrm>
+            <a:off x="1524000" y="1063671"/>
+            <a:ext cx="9144000" cy="4435867"/>
+          </a:xfrm>
+        </p:spPr>
+        <p:txBody>
+          <a:bodyPr>
+            <a:normAutofit/>
+          </a:bodyPr>
+          <a:lstStyle/>
+          <a:p>
+            <a:pPr algn="l"/>
+            <a:endParaRPr lang="en-GB" dirty="0"/>
+          </a:p>
+          <a:p>
+            <a:pPr algn="l"/>
+            <a:r>
+              <a:rPr lang="en-GB" dirty="0"/>
+              <a:t>Lesson 5 Mon 11</a:t>
+            </a:r>
+            <a:r>
+              <a:rPr lang="en-GB" baseline="30000" dirty="0"/>
+              <a:t>th</a:t>
+            </a:r>
+            <a:r>
+              <a:rPr lang="en-GB" dirty="0"/>
+              <a:t> Feb 2019</a:t>
+            </a:r>
+          </a:p>
+          <a:p>
+            <a:pPr algn="l"/>
+            <a:r>
+              <a:rPr lang="en-GB" dirty="0" err="1"/>
+              <a:t>PowerBI</a:t>
+            </a:r>
+            <a:r>
+              <a:rPr lang="en-GB" dirty="0"/>
+              <a:t> AI features @ Microsoft Reactor NOT at We Work</a:t>
+            </a:r>
+          </a:p>
+          <a:p>
+            <a:pPr algn="l"/>
+            <a:r>
+              <a:rPr lang="en-GB" dirty="0"/>
+              <a:t>Register here:</a:t>
+            </a:r>
+          </a:p>
+          <a:p>
+            <a:pPr algn="l"/>
+            <a:r>
+              <a:rPr lang="en-GB" dirty="0">
+                <a:hlinkClick r:id="rId3"/>
+              </a:rPr>
+              <a:t>https://www.meetup.com/Power-BI-Data-Scientist-Artificial-Intelligence-Solutions/events/258666451/</a:t>
+            </a:r>
+            <a:endParaRPr lang="en-GB" dirty="0"/>
+          </a:p>
+          <a:p>
+            <a:pPr algn="l"/>
+            <a:endParaRPr lang="en-GB" dirty="0"/>
+          </a:p>
+          <a:p>
+            <a:pPr algn="l"/>
+            <a:r>
+              <a:rPr lang="en-GB" dirty="0"/>
+              <a:t>See slides on Cognitive Services</a:t>
+            </a:r>
+          </a:p>
+          <a:p>
+            <a:pPr algn="l"/>
+            <a:endParaRPr lang="en-GB" dirty="0"/>
+          </a:p>
+        </p:txBody>
+      </p:sp>
+    </p:spTree>
+    <p:extLst>
+      <p:ext uri="{BB962C8B-B14F-4D97-AF65-F5344CB8AC3E}">
+        <p14:creationId xmlns:p14="http://schemas.microsoft.com/office/powerpoint/2010/main" val="4000174760"/>
+      </p:ext>
+    </p:extLst>
+  </p:cSld>
+  <p:clrMapOvr>
+    <a:masterClrMapping/>
+  </p:clrMapOvr>
+</p:sld>
+</file>
+
+<file path=ppt/slides/slide46.xml><?xml version="1.0" encoding="utf-8"?>
+<p:sld xmlns:a="http://schemas.openxmlformats.org/drawingml/2006/main" xmlns:r="http://schemas.openxmlformats.org/officeDocument/2006/relationships" xmlns:p="http://schemas.openxmlformats.org/presentationml/2006/main">
+  <p:cSld>
+    <p:spTree>
+      <p:nvGrpSpPr>
+        <p:cNvPr id="1" name=""/>
+        <p:cNvGrpSpPr/>
+        <p:nvPr/>
+      </p:nvGrpSpPr>
+      <p:grpSpPr>
+        <a:xfrm>
+          <a:off x="0" y="0"/>
+          <a:ext cx="0" cy="0"/>
+          <a:chOff x="0" y="0"/>
+          <a:chExt cx="0" cy="0"/>
+        </a:xfrm>
+      </p:grpSpPr>
+      <p:sp>
+        <p:nvSpPr>
+          <p:cNvPr id="2" name="Title 1">
+            <a:extLst>
+              <a:ext uri="{FF2B5EF4-FFF2-40B4-BE49-F238E27FC236}">
+                <a16:creationId xmlns:a16="http://schemas.microsoft.com/office/drawing/2014/main" id="{4F5FFE88-7B14-4763-806D-A2BFC137C899}"/>
+              </a:ext>
+            </a:extLst>
+          </p:cNvPr>
+          <p:cNvSpPr>
+            <a:spLocks noGrp="1"/>
+          </p:cNvSpPr>
+          <p:nvPr>
+            <p:ph type="ctrTitle"/>
+          </p:nvPr>
+        </p:nvSpPr>
+        <p:spPr>
+          <a:xfrm>
+            <a:off x="1428750" y="252414"/>
+            <a:ext cx="9144000" cy="656850"/>
+          </a:xfrm>
+        </p:spPr>
+        <p:txBody>
+          <a:bodyPr>
+            <a:normAutofit fontScale="90000"/>
+          </a:bodyPr>
+          <a:lstStyle/>
+          <a:p>
+            <a:r>
+              <a:rPr lang="en-GB" dirty="0"/>
+              <a:t>Power BI AI </a:t>
+            </a:r>
+          </a:p>
+        </p:txBody>
+      </p:sp>
+      <p:sp>
+        <p:nvSpPr>
+          <p:cNvPr id="3" name="Subtitle 2">
+            <a:extLst>
+              <a:ext uri="{FF2B5EF4-FFF2-40B4-BE49-F238E27FC236}">
+                <a16:creationId xmlns:a16="http://schemas.microsoft.com/office/drawing/2014/main" id="{EA597543-2A3A-4FD5-9DA6-D09EB6B64855}"/>
+              </a:ext>
+            </a:extLst>
+          </p:cNvPr>
+          <p:cNvSpPr>
+            <a:spLocks noGrp="1"/>
+          </p:cNvSpPr>
+          <p:nvPr>
+            <p:ph type="subTitle" idx="1"/>
+          </p:nvPr>
+        </p:nvSpPr>
+        <p:spPr>
+          <a:xfrm>
+            <a:off x="1524000" y="1063671"/>
+            <a:ext cx="9144000" cy="4435867"/>
+          </a:xfrm>
+        </p:spPr>
+        <p:txBody>
+          <a:bodyPr>
+            <a:normAutofit/>
+          </a:bodyPr>
+          <a:lstStyle/>
+          <a:p>
+            <a:pPr algn="l"/>
+            <a:endParaRPr lang="en-GB" dirty="0"/>
+          </a:p>
+          <a:p>
+            <a:pPr algn="l"/>
+            <a:r>
+              <a:rPr lang="en-GB" dirty="0"/>
+              <a:t>Microsoft is introducing four new AI-related features in Power BI:</a:t>
+            </a:r>
+          </a:p>
+          <a:p>
+            <a:pPr algn="l"/>
+            <a:r>
+              <a:rPr lang="en-GB" dirty="0"/>
+              <a:t>Integration of Azure Cognitive Services</a:t>
+            </a:r>
+          </a:p>
+          <a:p>
+            <a:pPr algn="l"/>
+            <a:r>
+              <a:rPr lang="en-GB" dirty="0"/>
+              <a:t>Integration of ML models hosted in Azure Machine Learning, including those built in Azure Databricks</a:t>
+            </a:r>
+          </a:p>
+          <a:p>
+            <a:pPr algn="l"/>
+            <a:r>
+              <a:rPr lang="en-GB" dirty="0"/>
+              <a:t>The ability to create, and then use, ML models using </a:t>
+            </a:r>
+            <a:r>
+              <a:rPr lang="en-GB" dirty="0">
+                <a:hlinkClick r:id="rId3"/>
+              </a:rPr>
+              <a:t>Azure Automated ML</a:t>
+            </a:r>
+            <a:r>
+              <a:rPr lang="en-GB" dirty="0"/>
+              <a:t> (</a:t>
+            </a:r>
+            <a:r>
+              <a:rPr lang="en-GB" dirty="0" err="1"/>
+              <a:t>AutoML</a:t>
+            </a:r>
+            <a:r>
+              <a:rPr lang="en-GB" dirty="0"/>
+              <a:t>)</a:t>
+            </a:r>
+          </a:p>
+          <a:p>
+            <a:pPr algn="l"/>
+            <a:r>
+              <a:rPr lang="en-GB" dirty="0"/>
+              <a:t>A new Key Driver Analysis visualization that reveals which columns and values drive specific outcomes (values) for data columns serving as measures or Key Performance Indicators (KPIs)</a:t>
+            </a:r>
+          </a:p>
+          <a:p>
+            <a:pPr algn="l"/>
+            <a:endParaRPr lang="en-GB" dirty="0"/>
+          </a:p>
+          <a:p>
+            <a:pPr algn="l"/>
+            <a:endParaRPr lang="en-GB" dirty="0"/>
+          </a:p>
+          <a:p>
+            <a:pPr algn="l"/>
+            <a:endParaRPr lang="en-GB" dirty="0"/>
+          </a:p>
+        </p:txBody>
+      </p:sp>
+    </p:spTree>
+    <p:extLst>
+      <p:ext uri="{BB962C8B-B14F-4D97-AF65-F5344CB8AC3E}">
+        <p14:creationId xmlns:p14="http://schemas.microsoft.com/office/powerpoint/2010/main" val="1525929478"/>
+      </p:ext>
+    </p:extLst>
+  </p:cSld>
+  <p:clrMapOvr>
+    <a:masterClrMapping/>
+  </p:clrMapOvr>
+</p:sld>
+</file>
+
+<file path=ppt/slides/slide47.xml><?xml version="1.0" encoding="utf-8"?>
+<p:sld xmlns:a="http://schemas.openxmlformats.org/drawingml/2006/main" xmlns:r="http://schemas.openxmlformats.org/officeDocument/2006/relationships" xmlns:p="http://schemas.openxmlformats.org/presentationml/2006/main">
+  <p:cSld>
+    <p:spTree>
+      <p:nvGrpSpPr>
+        <p:cNvPr id="1" name=""/>
+        <p:cNvGrpSpPr/>
+        <p:nvPr/>
+      </p:nvGrpSpPr>
+      <p:grpSpPr>
+        <a:xfrm>
+          <a:off x="0" y="0"/>
+          <a:ext cx="0" cy="0"/>
+          <a:chOff x="0" y="0"/>
+          <a:chExt cx="0" cy="0"/>
+        </a:xfrm>
+      </p:grpSpPr>
+      <p:sp>
+        <p:nvSpPr>
+          <p:cNvPr id="2" name="Title 1">
+            <a:extLst>
+              <a:ext uri="{FF2B5EF4-FFF2-40B4-BE49-F238E27FC236}">
+                <a16:creationId xmlns:a16="http://schemas.microsoft.com/office/drawing/2014/main" id="{4F5FFE88-7B14-4763-806D-A2BFC137C899}"/>
+              </a:ext>
+            </a:extLst>
+          </p:cNvPr>
+          <p:cNvSpPr>
+            <a:spLocks noGrp="1"/>
+          </p:cNvSpPr>
+          <p:nvPr>
+            <p:ph type="ctrTitle"/>
+          </p:nvPr>
+        </p:nvSpPr>
+        <p:spPr>
+          <a:xfrm>
+            <a:off x="1428750" y="252414"/>
+            <a:ext cx="9144000" cy="656850"/>
+          </a:xfrm>
+        </p:spPr>
+        <p:txBody>
+          <a:bodyPr>
+            <a:normAutofit fontScale="90000"/>
+          </a:bodyPr>
+          <a:lstStyle/>
+          <a:p>
+            <a:r>
+              <a:rPr lang="en-GB" dirty="0"/>
+              <a:t>Power BI Dataflows</a:t>
+            </a:r>
+          </a:p>
+        </p:txBody>
+      </p:sp>
+      <p:sp>
+        <p:nvSpPr>
+          <p:cNvPr id="3" name="Subtitle 2">
+            <a:extLst>
+              <a:ext uri="{FF2B5EF4-FFF2-40B4-BE49-F238E27FC236}">
+                <a16:creationId xmlns:a16="http://schemas.microsoft.com/office/drawing/2014/main" id="{EA597543-2A3A-4FD5-9DA6-D09EB6B64855}"/>
+              </a:ext>
+            </a:extLst>
+          </p:cNvPr>
+          <p:cNvSpPr>
+            <a:spLocks noGrp="1"/>
+          </p:cNvSpPr>
+          <p:nvPr>
+            <p:ph type="subTitle" idx="1"/>
+          </p:nvPr>
+        </p:nvSpPr>
+        <p:spPr>
+          <a:xfrm>
+            <a:off x="1524000" y="1063671"/>
+            <a:ext cx="9144000" cy="4435867"/>
+          </a:xfrm>
+        </p:spPr>
+        <p:txBody>
+          <a:bodyPr>
+            <a:normAutofit/>
+          </a:bodyPr>
+          <a:lstStyle/>
+          <a:p>
+            <a:pPr algn="l"/>
+            <a:endParaRPr lang="en-GB" dirty="0"/>
+          </a:p>
+          <a:p>
+            <a:pPr algn="l"/>
+            <a:endParaRPr lang="en-GB" dirty="0"/>
+          </a:p>
+          <a:p>
+            <a:pPr algn="l"/>
+            <a:endParaRPr lang="en-GB" dirty="0"/>
+          </a:p>
+        </p:txBody>
+      </p:sp>
+    </p:spTree>
+    <p:extLst>
+      <p:ext uri="{BB962C8B-B14F-4D97-AF65-F5344CB8AC3E}">
+        <p14:creationId xmlns:p14="http://schemas.microsoft.com/office/powerpoint/2010/main" val="370108895"/>
+      </p:ext>
+    </p:extLst>
+  </p:cSld>
+  <p:clrMapOvr>
+    <a:masterClrMapping/>
+  </p:clrMapOvr>
+</p:sld>
+</file>
+
+<file path=ppt/slides/slide48.xml><?xml version="1.0" encoding="utf-8"?>
+<p:sld xmlns:a="http://schemas.openxmlformats.org/drawingml/2006/main" xmlns:r="http://schemas.openxmlformats.org/officeDocument/2006/relationships" xmlns:p="http://schemas.openxmlformats.org/presentationml/2006/main">
+  <p:cSld>
+    <p:spTree>
+      <p:nvGrpSpPr>
+        <p:cNvPr id="1" name=""/>
+        <p:cNvGrpSpPr/>
+        <p:nvPr/>
+      </p:nvGrpSpPr>
+      <p:grpSpPr>
+        <a:xfrm>
+          <a:off x="0" y="0"/>
+          <a:ext cx="0" cy="0"/>
+          <a:chOff x="0" y="0"/>
+          <a:chExt cx="0" cy="0"/>
+        </a:xfrm>
+      </p:grpSpPr>
+      <p:sp>
+        <p:nvSpPr>
+          <p:cNvPr id="2" name="Title 1">
+            <a:extLst>
+              <a:ext uri="{FF2B5EF4-FFF2-40B4-BE49-F238E27FC236}">
+                <a16:creationId xmlns:a16="http://schemas.microsoft.com/office/drawing/2014/main" id="{4F5FFE88-7B14-4763-806D-A2BFC137C899}"/>
+              </a:ext>
+            </a:extLst>
+          </p:cNvPr>
+          <p:cNvSpPr>
+            <a:spLocks noGrp="1"/>
+          </p:cNvSpPr>
+          <p:nvPr>
+            <p:ph type="ctrTitle"/>
+          </p:nvPr>
+        </p:nvSpPr>
+        <p:spPr>
+          <a:xfrm>
+            <a:off x="1428750" y="252414"/>
+            <a:ext cx="9144000" cy="656850"/>
+          </a:xfrm>
+        </p:spPr>
+        <p:txBody>
+          <a:bodyPr>
+            <a:normAutofit fontScale="90000"/>
+          </a:bodyPr>
+          <a:lstStyle/>
+          <a:p>
+            <a:r>
+              <a:rPr lang="en-GB" dirty="0"/>
+              <a:t>Power BI &amp; R</a:t>
+            </a:r>
+          </a:p>
+        </p:txBody>
+      </p:sp>
+      <p:sp>
+        <p:nvSpPr>
+          <p:cNvPr id="3" name="Subtitle 2">
+            <a:extLst>
+              <a:ext uri="{FF2B5EF4-FFF2-40B4-BE49-F238E27FC236}">
+                <a16:creationId xmlns:a16="http://schemas.microsoft.com/office/drawing/2014/main" id="{EA597543-2A3A-4FD5-9DA6-D09EB6B64855}"/>
+              </a:ext>
+            </a:extLst>
+          </p:cNvPr>
+          <p:cNvSpPr>
+            <a:spLocks noGrp="1"/>
+          </p:cNvSpPr>
+          <p:nvPr>
+            <p:ph type="subTitle" idx="1"/>
+          </p:nvPr>
+        </p:nvSpPr>
+        <p:spPr>
+          <a:xfrm>
+            <a:off x="1524000" y="1063671"/>
+            <a:ext cx="9144000" cy="4435867"/>
+          </a:xfrm>
+        </p:spPr>
+        <p:txBody>
+          <a:bodyPr>
+            <a:normAutofit/>
+          </a:bodyPr>
+          <a:lstStyle/>
+          <a:p>
+            <a:pPr algn="l"/>
+            <a:endParaRPr lang="en-GB" dirty="0"/>
+          </a:p>
+          <a:p>
+            <a:pPr algn="l"/>
+            <a:endParaRPr lang="en-GB" dirty="0"/>
+          </a:p>
+          <a:p>
+            <a:pPr algn="l"/>
+            <a:endParaRPr lang="en-GB" dirty="0"/>
+          </a:p>
+        </p:txBody>
+      </p:sp>
+      <p:sp>
+        <p:nvSpPr>
+          <p:cNvPr id="5" name="TextBox 4">
+            <a:extLst>
+              <a:ext uri="{FF2B5EF4-FFF2-40B4-BE49-F238E27FC236}">
+                <a16:creationId xmlns:a16="http://schemas.microsoft.com/office/drawing/2014/main" id="{1CE0C215-E51E-4736-8DA0-B9EBC89C8D8B}"/>
+              </a:ext>
+            </a:extLst>
+          </p:cNvPr>
+          <p:cNvSpPr txBox="1"/>
+          <p:nvPr/>
+        </p:nvSpPr>
+        <p:spPr>
+          <a:xfrm>
+            <a:off x="1343025" y="1333500"/>
+            <a:ext cx="8277225" cy="369332"/>
+          </a:xfrm>
+          <a:prstGeom prst="rect">
+            <a:avLst/>
+          </a:prstGeom>
+          <a:noFill/>
+        </p:spPr>
+        <p:txBody>
+          <a:bodyPr wrap="square" rtlCol="0">
+            <a:spAutoFit/>
+          </a:bodyPr>
+          <a:lstStyle/>
+          <a:p>
+            <a:r>
+              <a:rPr lang="en-GB" dirty="0"/>
+              <a:t>See Oliver’s presentation</a:t>
+            </a:r>
+          </a:p>
+        </p:txBody>
+      </p:sp>
+    </p:spTree>
+    <p:extLst>
+      <p:ext uri="{BB962C8B-B14F-4D97-AF65-F5344CB8AC3E}">
+        <p14:creationId xmlns:p14="http://schemas.microsoft.com/office/powerpoint/2010/main" val="436745474"/>
+      </p:ext>
+    </p:extLst>
+  </p:cSld>
+  <p:clrMapOvr>
+    <a:masterClrMapping/>
+  </p:clrMapOvr>
+</p:sld>
+</file>
+
+<file path=ppt/slides/slide49.xml><?xml version="1.0" encoding="utf-8"?>
+<p:sld xmlns:a="http://schemas.openxmlformats.org/drawingml/2006/main" xmlns:r="http://schemas.openxmlformats.org/officeDocument/2006/relationships" xmlns:p="http://schemas.openxmlformats.org/presentationml/2006/main">
+  <p:cSld>
+    <p:spTree>
+      <p:nvGrpSpPr>
+        <p:cNvPr id="1" name=""/>
+        <p:cNvGrpSpPr/>
+        <p:nvPr/>
+      </p:nvGrpSpPr>
+      <p:grpSpPr>
+        <a:xfrm>
+          <a:off x="0" y="0"/>
+          <a:ext cx="0" cy="0"/>
+          <a:chOff x="0" y="0"/>
+          <a:chExt cx="0" cy="0"/>
+        </a:xfrm>
+      </p:grpSpPr>
+      <p:sp>
+        <p:nvSpPr>
+          <p:cNvPr id="2" name="Title 1">
+            <a:extLst>
+              <a:ext uri="{FF2B5EF4-FFF2-40B4-BE49-F238E27FC236}">
+                <a16:creationId xmlns:a16="http://schemas.microsoft.com/office/drawing/2014/main" id="{4F5FFE88-7B14-4763-806D-A2BFC137C899}"/>
+              </a:ext>
+            </a:extLst>
+          </p:cNvPr>
+          <p:cNvSpPr>
+            <a:spLocks noGrp="1"/>
+          </p:cNvSpPr>
+          <p:nvPr>
+            <p:ph type="ctrTitle"/>
+          </p:nvPr>
+        </p:nvSpPr>
+        <p:spPr>
+          <a:xfrm>
+            <a:off x="1428750" y="252414"/>
+            <a:ext cx="9144000" cy="656850"/>
+          </a:xfrm>
+        </p:spPr>
+        <p:txBody>
+          <a:bodyPr>
+            <a:normAutofit fontScale="90000"/>
+          </a:bodyPr>
+          <a:lstStyle/>
+          <a:p>
+            <a:r>
+              <a:rPr lang="en-GB" dirty="0"/>
+              <a:t>Power BI &amp; Python</a:t>
+            </a:r>
+          </a:p>
+        </p:txBody>
+      </p:sp>
+      <p:sp>
+        <p:nvSpPr>
+          <p:cNvPr id="3" name="Subtitle 2">
+            <a:extLst>
+              <a:ext uri="{FF2B5EF4-FFF2-40B4-BE49-F238E27FC236}">
+                <a16:creationId xmlns:a16="http://schemas.microsoft.com/office/drawing/2014/main" id="{EA597543-2A3A-4FD5-9DA6-D09EB6B64855}"/>
+              </a:ext>
+            </a:extLst>
+          </p:cNvPr>
+          <p:cNvSpPr>
+            <a:spLocks noGrp="1"/>
+          </p:cNvSpPr>
+          <p:nvPr>
+            <p:ph type="subTitle" idx="1"/>
+          </p:nvPr>
+        </p:nvSpPr>
+        <p:spPr>
+          <a:xfrm>
+            <a:off x="1524000" y="1063671"/>
+            <a:ext cx="9144000" cy="4435867"/>
+          </a:xfrm>
+        </p:spPr>
+        <p:txBody>
+          <a:bodyPr>
+            <a:normAutofit/>
+          </a:bodyPr>
+          <a:lstStyle/>
+          <a:p>
+            <a:pPr algn="l"/>
+            <a:endParaRPr lang="en-GB" dirty="0"/>
+          </a:p>
+          <a:p>
+            <a:pPr algn="l"/>
+            <a:endParaRPr lang="en-GB" dirty="0"/>
+          </a:p>
+          <a:p>
+            <a:pPr algn="l"/>
+            <a:endParaRPr lang="en-GB" dirty="0"/>
+          </a:p>
+        </p:txBody>
+      </p:sp>
+      <p:sp>
+        <p:nvSpPr>
+          <p:cNvPr id="5" name="TextBox 4">
+            <a:extLst>
+              <a:ext uri="{FF2B5EF4-FFF2-40B4-BE49-F238E27FC236}">
+                <a16:creationId xmlns:a16="http://schemas.microsoft.com/office/drawing/2014/main" id="{1CE0C215-E51E-4736-8DA0-B9EBC89C8D8B}"/>
+              </a:ext>
+            </a:extLst>
+          </p:cNvPr>
+          <p:cNvSpPr txBox="1"/>
+          <p:nvPr/>
+        </p:nvSpPr>
+        <p:spPr>
+          <a:xfrm>
+            <a:off x="1343025" y="1333500"/>
+            <a:ext cx="8277225" cy="369332"/>
+          </a:xfrm>
+          <a:prstGeom prst="rect">
+            <a:avLst/>
+          </a:prstGeom>
+          <a:noFill/>
+        </p:spPr>
+        <p:txBody>
+          <a:bodyPr wrap="square" rtlCol="0">
+            <a:spAutoFit/>
+          </a:bodyPr>
+          <a:lstStyle/>
+          <a:p>
+            <a:r>
+              <a:rPr lang="en-GB" dirty="0"/>
+              <a:t>See Gaby’s presentation</a:t>
+            </a:r>
+          </a:p>
+        </p:txBody>
+      </p:sp>
+    </p:spTree>
+    <p:extLst>
+      <p:ext uri="{BB962C8B-B14F-4D97-AF65-F5344CB8AC3E}">
+        <p14:creationId xmlns:p14="http://schemas.microsoft.com/office/powerpoint/2010/main" val="265821265"/>
+      </p:ext>
+    </p:extLst>
+  </p:cSld>
+  <p:clrMapOvr>
+    <a:masterClrMapping/>
+  </p:clrMapOvr>
+</p:sld>
+</file>
+
 <file path=ppt/slides/slide5.xml><?xml version="1.0" encoding="utf-8"?>
 <p:sld xmlns:a="http://schemas.openxmlformats.org/drawingml/2006/main" xmlns:r="http://schemas.openxmlformats.org/officeDocument/2006/relationships" xmlns:p="http://schemas.openxmlformats.org/presentationml/2006/main">
   <p:cSld>
@@ -14048,6 +17569,1161 @@
     <p:extLst>
       <p:ext uri="{BB962C8B-B14F-4D97-AF65-F5344CB8AC3E}">
         <p14:creationId xmlns:p14="http://schemas.microsoft.com/office/powerpoint/2010/main" val="3173937527"/>
+      </p:ext>
+    </p:extLst>
+  </p:cSld>
+  <p:clrMapOvr>
+    <a:masterClrMapping/>
+  </p:clrMapOvr>
+</p:sld>
+</file>
+
+<file path=ppt/slides/slide50.xml><?xml version="1.0" encoding="utf-8"?>
+<p:sld xmlns:a="http://schemas.openxmlformats.org/drawingml/2006/main" xmlns:r="http://schemas.openxmlformats.org/officeDocument/2006/relationships" xmlns:p="http://schemas.openxmlformats.org/presentationml/2006/main">
+  <p:cSld>
+    <p:spTree>
+      <p:nvGrpSpPr>
+        <p:cNvPr id="1" name=""/>
+        <p:cNvGrpSpPr/>
+        <p:nvPr/>
+      </p:nvGrpSpPr>
+      <p:grpSpPr>
+        <a:xfrm>
+          <a:off x="0" y="0"/>
+          <a:ext cx="0" cy="0"/>
+          <a:chOff x="0" y="0"/>
+          <a:chExt cx="0" cy="0"/>
+        </a:xfrm>
+      </p:grpSpPr>
+      <p:sp>
+        <p:nvSpPr>
+          <p:cNvPr id="2" name="Title 1">
+            <a:extLst>
+              <a:ext uri="{FF2B5EF4-FFF2-40B4-BE49-F238E27FC236}">
+                <a16:creationId xmlns:a16="http://schemas.microsoft.com/office/drawing/2014/main" id="{4F5FFE88-7B14-4763-806D-A2BFC137C899}"/>
+              </a:ext>
+            </a:extLst>
+          </p:cNvPr>
+          <p:cNvSpPr>
+            <a:spLocks noGrp="1"/>
+          </p:cNvSpPr>
+          <p:nvPr>
+            <p:ph type="ctrTitle"/>
+          </p:nvPr>
+        </p:nvSpPr>
+        <p:spPr>
+          <a:xfrm>
+            <a:off x="1428750" y="252414"/>
+            <a:ext cx="9144000" cy="656850"/>
+          </a:xfrm>
+        </p:spPr>
+        <p:txBody>
+          <a:bodyPr>
+            <a:normAutofit fontScale="90000"/>
+          </a:bodyPr>
+          <a:lstStyle/>
+          <a:p>
+            <a:r>
+              <a:rPr lang="en-GB" dirty="0"/>
+              <a:t>Power BI Python</a:t>
+            </a:r>
+          </a:p>
+        </p:txBody>
+      </p:sp>
+      <p:sp>
+        <p:nvSpPr>
+          <p:cNvPr id="3" name="Subtitle 2">
+            <a:extLst>
+              <a:ext uri="{FF2B5EF4-FFF2-40B4-BE49-F238E27FC236}">
+                <a16:creationId xmlns:a16="http://schemas.microsoft.com/office/drawing/2014/main" id="{EA597543-2A3A-4FD5-9DA6-D09EB6B64855}"/>
+              </a:ext>
+            </a:extLst>
+          </p:cNvPr>
+          <p:cNvSpPr>
+            <a:spLocks noGrp="1"/>
+          </p:cNvSpPr>
+          <p:nvPr>
+            <p:ph type="subTitle" idx="1"/>
+          </p:nvPr>
+        </p:nvSpPr>
+        <p:spPr>
+          <a:xfrm>
+            <a:off x="1524000" y="1063671"/>
+            <a:ext cx="9144000" cy="4435867"/>
+          </a:xfrm>
+        </p:spPr>
+        <p:txBody>
+          <a:bodyPr>
+            <a:normAutofit/>
+          </a:bodyPr>
+          <a:lstStyle/>
+          <a:p>
+            <a:pPr algn="l"/>
+            <a:endParaRPr lang="en-GB" dirty="0"/>
+          </a:p>
+          <a:p>
+            <a:pPr algn="l"/>
+            <a:endParaRPr lang="en-GB" dirty="0"/>
+          </a:p>
+          <a:p>
+            <a:pPr algn="l"/>
+            <a:endParaRPr lang="en-GB" dirty="0"/>
+          </a:p>
+        </p:txBody>
+      </p:sp>
+      <p:sp>
+        <p:nvSpPr>
+          <p:cNvPr id="4" name="TextBox 3">
+            <a:extLst>
+              <a:ext uri="{FF2B5EF4-FFF2-40B4-BE49-F238E27FC236}">
+                <a16:creationId xmlns:a16="http://schemas.microsoft.com/office/drawing/2014/main" id="{3DCB5D17-244B-4CA8-9A68-B76B25B1E43E}"/>
+              </a:ext>
+            </a:extLst>
+          </p:cNvPr>
+          <p:cNvSpPr txBox="1"/>
+          <p:nvPr/>
+        </p:nvSpPr>
+        <p:spPr>
+          <a:xfrm>
+            <a:off x="1714500" y="909264"/>
+            <a:ext cx="8953500" cy="6186309"/>
+          </a:xfrm>
+          <a:prstGeom prst="rect">
+            <a:avLst/>
+          </a:prstGeom>
+          <a:noFill/>
+        </p:spPr>
+        <p:txBody>
+          <a:bodyPr wrap="square" rtlCol="0">
+            <a:spAutoFit/>
+          </a:bodyPr>
+          <a:lstStyle/>
+          <a:p>
+            <a:r>
+              <a:rPr lang="en-GB" dirty="0"/>
+              <a:t>Create PBI visuals using Python</a:t>
+            </a:r>
+          </a:p>
+          <a:p>
+            <a:r>
+              <a:rPr lang="en-GB" dirty="0">
+                <a:hlinkClick r:id="rId3"/>
+              </a:rPr>
+              <a:t>https://docs.microsoft.com/en-us/power-bi/desktop-python-visuals</a:t>
+            </a:r>
+            <a:endParaRPr lang="en-GB" dirty="0"/>
+          </a:p>
+          <a:p>
+            <a:endParaRPr lang="en-GB" dirty="0"/>
+          </a:p>
+          <a:p>
+            <a:r>
+              <a:rPr lang="en-GB" dirty="0"/>
+              <a:t>Using Python in Query Editor</a:t>
+            </a:r>
+          </a:p>
+          <a:p>
+            <a:r>
+              <a:rPr lang="en-GB" dirty="0">
+                <a:hlinkClick r:id="rId4"/>
+              </a:rPr>
+              <a:t>https://docs.microsoft.com/en-us/power-bi/desktop-python-in-query-editor</a:t>
+            </a:r>
+            <a:endParaRPr lang="en-GB" dirty="0"/>
+          </a:p>
+          <a:p>
+            <a:endParaRPr lang="en-GB" dirty="0"/>
+          </a:p>
+          <a:p>
+            <a:r>
+              <a:rPr lang="en-GB" dirty="0"/>
+              <a:t>Use an External IDE</a:t>
+            </a:r>
+          </a:p>
+          <a:p>
+            <a:r>
+              <a:rPr lang="en-GB" dirty="0">
+                <a:hlinkClick r:id="rId5"/>
+              </a:rPr>
+              <a:t>https://docs.microsoft.com/en-us/power-bi/desktop-python-ide</a:t>
+            </a:r>
+            <a:endParaRPr lang="en-GB" dirty="0"/>
+          </a:p>
+          <a:p>
+            <a:endParaRPr lang="en-GB" dirty="0"/>
+          </a:p>
+          <a:p>
+            <a:r>
+              <a:rPr lang="en-GB" dirty="0"/>
+              <a:t>Run Python scripts in PBI</a:t>
+            </a:r>
+          </a:p>
+          <a:p>
+            <a:r>
+              <a:rPr lang="en-GB" dirty="0">
+                <a:hlinkClick r:id="rId6"/>
+              </a:rPr>
+              <a:t>https://docs.microsoft.com/en-us/power-bi/desktop-python-scripts</a:t>
+            </a:r>
+            <a:endParaRPr lang="en-GB" dirty="0"/>
+          </a:p>
+          <a:p>
+            <a:endParaRPr lang="en-GB" dirty="0"/>
+          </a:p>
+          <a:p>
+            <a:r>
+              <a:rPr lang="en-GB" dirty="0"/>
+              <a:t>Hands on demo files</a:t>
+            </a:r>
+          </a:p>
+          <a:p>
+            <a:r>
+              <a:rPr lang="en-GB" dirty="0">
+                <a:hlinkClick r:id="rId7"/>
+              </a:rPr>
+              <a:t>https://powerbi.microsoft.com/en-us/blog/pythonblogepisode1/</a:t>
+            </a:r>
+            <a:endParaRPr lang="en-GB" dirty="0"/>
+          </a:p>
+          <a:p>
+            <a:r>
+              <a:rPr lang="en-GB" dirty="0"/>
+              <a:t>See files here C:\Users\david\Documents\CurAct2017\2017_Study\PowerBI\Training\Python</a:t>
+            </a:r>
+          </a:p>
+          <a:p>
+            <a:endParaRPr lang="en-GB" dirty="0"/>
+          </a:p>
+          <a:p>
+            <a:r>
+              <a:rPr lang="en-GB" dirty="0"/>
+              <a:t>Watch Justyna video on Python in Power BI</a:t>
+            </a:r>
+          </a:p>
+          <a:p>
+            <a:r>
+              <a:rPr lang="en-GB" dirty="0">
+                <a:hlinkClick r:id="rId8"/>
+              </a:rPr>
+              <a:t>https://www.youtube.com/watch?v=G3Vxys_jsqY</a:t>
+            </a:r>
+            <a:endParaRPr lang="en-GB" dirty="0"/>
+          </a:p>
+          <a:p>
+            <a:r>
+              <a:rPr lang="en-GB" dirty="0"/>
+              <a:t>Files here C:\Users\david\Documents\CurAct2017\2017_Study\PowerBI\Training\Python\JustynaHAwaiiDEmo</a:t>
+            </a:r>
+          </a:p>
+          <a:p>
+            <a:endParaRPr lang="en-GB" dirty="0"/>
+          </a:p>
+        </p:txBody>
+      </p:sp>
+    </p:spTree>
+    <p:extLst>
+      <p:ext uri="{BB962C8B-B14F-4D97-AF65-F5344CB8AC3E}">
+        <p14:creationId xmlns:p14="http://schemas.microsoft.com/office/powerpoint/2010/main" val="4234575051"/>
+      </p:ext>
+    </p:extLst>
+  </p:cSld>
+  <p:clrMapOvr>
+    <a:masterClrMapping/>
+  </p:clrMapOvr>
+</p:sld>
+</file>
+
+<file path=ppt/slides/slide51.xml><?xml version="1.0" encoding="utf-8"?>
+<p:sld xmlns:a="http://schemas.openxmlformats.org/drawingml/2006/main" xmlns:r="http://schemas.openxmlformats.org/officeDocument/2006/relationships" xmlns:p="http://schemas.openxmlformats.org/presentationml/2006/main">
+  <p:cSld>
+    <p:spTree>
+      <p:nvGrpSpPr>
+        <p:cNvPr id="1" name=""/>
+        <p:cNvGrpSpPr/>
+        <p:nvPr/>
+      </p:nvGrpSpPr>
+      <p:grpSpPr>
+        <a:xfrm>
+          <a:off x="0" y="0"/>
+          <a:ext cx="0" cy="0"/>
+          <a:chOff x="0" y="0"/>
+          <a:chExt cx="0" cy="0"/>
+        </a:xfrm>
+      </p:grpSpPr>
+      <p:sp>
+        <p:nvSpPr>
+          <p:cNvPr id="2" name="Title 1">
+            <a:extLst>
+              <a:ext uri="{FF2B5EF4-FFF2-40B4-BE49-F238E27FC236}">
+                <a16:creationId xmlns:a16="http://schemas.microsoft.com/office/drawing/2014/main" id="{4F5FFE88-7B14-4763-806D-A2BFC137C899}"/>
+              </a:ext>
+            </a:extLst>
+          </p:cNvPr>
+          <p:cNvSpPr>
+            <a:spLocks noGrp="1"/>
+          </p:cNvSpPr>
+          <p:nvPr>
+            <p:ph type="ctrTitle"/>
+          </p:nvPr>
+        </p:nvSpPr>
+        <p:spPr>
+          <a:xfrm>
+            <a:off x="1428750" y="252414"/>
+            <a:ext cx="9144000" cy="656850"/>
+          </a:xfrm>
+        </p:spPr>
+        <p:txBody>
+          <a:bodyPr>
+            <a:normAutofit fontScale="90000"/>
+          </a:bodyPr>
+          <a:lstStyle/>
+          <a:p>
+            <a:r>
+              <a:rPr lang="en-GB" dirty="0"/>
+              <a:t>Power BI ML</a:t>
+            </a:r>
+          </a:p>
+        </p:txBody>
+      </p:sp>
+      <p:pic>
+        <p:nvPicPr>
+          <p:cNvPr id="7" name="Picture 6">
+            <a:extLst>
+              <a:ext uri="{FF2B5EF4-FFF2-40B4-BE49-F238E27FC236}">
+                <a16:creationId xmlns:a16="http://schemas.microsoft.com/office/drawing/2014/main" id="{F32C7AEA-80AE-4F6E-B841-76BAED5A57EE}"/>
+              </a:ext>
+            </a:extLst>
+          </p:cNvPr>
+          <p:cNvPicPr>
+            <a:picLocks noChangeAspect="1"/>
+          </p:cNvPicPr>
+          <p:nvPr/>
+        </p:nvPicPr>
+        <p:blipFill>
+          <a:blip r:embed="rId3">
+            <a:extLst>
+              <a:ext uri="{28A0092B-C50C-407E-A947-70E740481C1C}">
+                <a14:useLocalDpi xmlns:a14="http://schemas.microsoft.com/office/drawing/2010/main" val="0"/>
+              </a:ext>
+            </a:extLst>
+          </a:blip>
+          <a:stretch>
+            <a:fillRect/>
+          </a:stretch>
+        </p:blipFill>
+        <p:spPr>
+          <a:xfrm>
+            <a:off x="2167847" y="1320632"/>
+            <a:ext cx="7432323" cy="3687204"/>
+          </a:xfrm>
+          <a:prstGeom prst="rect">
+            <a:avLst/>
+          </a:prstGeom>
+        </p:spPr>
+      </p:pic>
+    </p:spTree>
+    <p:extLst>
+      <p:ext uri="{BB962C8B-B14F-4D97-AF65-F5344CB8AC3E}">
+        <p14:creationId xmlns:p14="http://schemas.microsoft.com/office/powerpoint/2010/main" val="4269376086"/>
+      </p:ext>
+    </p:extLst>
+  </p:cSld>
+  <p:clrMapOvr>
+    <a:masterClrMapping/>
+  </p:clrMapOvr>
+</p:sld>
+</file>
+
+<file path=ppt/slides/slide52.xml><?xml version="1.0" encoding="utf-8"?>
+<p:sld xmlns:a="http://schemas.openxmlformats.org/drawingml/2006/main" xmlns:r="http://schemas.openxmlformats.org/officeDocument/2006/relationships" xmlns:p="http://schemas.openxmlformats.org/presentationml/2006/main">
+  <p:cSld>
+    <p:spTree>
+      <p:nvGrpSpPr>
+        <p:cNvPr id="1" name=""/>
+        <p:cNvGrpSpPr/>
+        <p:nvPr/>
+      </p:nvGrpSpPr>
+      <p:grpSpPr>
+        <a:xfrm>
+          <a:off x="0" y="0"/>
+          <a:ext cx="0" cy="0"/>
+          <a:chOff x="0" y="0"/>
+          <a:chExt cx="0" cy="0"/>
+        </a:xfrm>
+      </p:grpSpPr>
+      <p:sp>
+        <p:nvSpPr>
+          <p:cNvPr id="2" name="Title 1">
+            <a:extLst>
+              <a:ext uri="{FF2B5EF4-FFF2-40B4-BE49-F238E27FC236}">
+                <a16:creationId xmlns:a16="http://schemas.microsoft.com/office/drawing/2014/main" id="{4F5FFE88-7B14-4763-806D-A2BFC137C899}"/>
+              </a:ext>
+            </a:extLst>
+          </p:cNvPr>
+          <p:cNvSpPr>
+            <a:spLocks noGrp="1"/>
+          </p:cNvSpPr>
+          <p:nvPr>
+            <p:ph type="ctrTitle"/>
+          </p:nvPr>
+        </p:nvSpPr>
+        <p:spPr>
+          <a:xfrm>
+            <a:off x="1428750" y="252414"/>
+            <a:ext cx="9144000" cy="656850"/>
+          </a:xfrm>
+        </p:spPr>
+        <p:txBody>
+          <a:bodyPr>
+            <a:normAutofit fontScale="90000"/>
+          </a:bodyPr>
+          <a:lstStyle/>
+          <a:p>
+            <a:r>
+              <a:rPr lang="en-GB" dirty="0"/>
+              <a:t>Power BI Azure Machine Learning</a:t>
+            </a:r>
+          </a:p>
+        </p:txBody>
+      </p:sp>
+      <p:sp>
+        <p:nvSpPr>
+          <p:cNvPr id="3" name="Subtitle 2">
+            <a:extLst>
+              <a:ext uri="{FF2B5EF4-FFF2-40B4-BE49-F238E27FC236}">
+                <a16:creationId xmlns:a16="http://schemas.microsoft.com/office/drawing/2014/main" id="{EA597543-2A3A-4FD5-9DA6-D09EB6B64855}"/>
+              </a:ext>
+            </a:extLst>
+          </p:cNvPr>
+          <p:cNvSpPr>
+            <a:spLocks noGrp="1"/>
+          </p:cNvSpPr>
+          <p:nvPr>
+            <p:ph type="subTitle" idx="1"/>
+          </p:nvPr>
+        </p:nvSpPr>
+        <p:spPr>
+          <a:xfrm>
+            <a:off x="1524000" y="1063671"/>
+            <a:ext cx="9144000" cy="4435867"/>
+          </a:xfrm>
+        </p:spPr>
+        <p:txBody>
+          <a:bodyPr>
+            <a:normAutofit/>
+          </a:bodyPr>
+          <a:lstStyle/>
+          <a:p>
+            <a:pPr algn="l"/>
+            <a:endParaRPr lang="en-GB" dirty="0"/>
+          </a:p>
+          <a:p>
+            <a:pPr algn="l"/>
+            <a:endParaRPr lang="en-GB" dirty="0"/>
+          </a:p>
+          <a:p>
+            <a:pPr algn="l"/>
+            <a:endParaRPr lang="en-GB" dirty="0"/>
+          </a:p>
+        </p:txBody>
+      </p:sp>
+    </p:spTree>
+    <p:extLst>
+      <p:ext uri="{BB962C8B-B14F-4D97-AF65-F5344CB8AC3E}">
+        <p14:creationId xmlns:p14="http://schemas.microsoft.com/office/powerpoint/2010/main" val="3459993194"/>
+      </p:ext>
+    </p:extLst>
+  </p:cSld>
+  <p:clrMapOvr>
+    <a:masterClrMapping/>
+  </p:clrMapOvr>
+</p:sld>
+</file>
+
+<file path=ppt/slides/slide53.xml><?xml version="1.0" encoding="utf-8"?>
+<p:sld xmlns:a="http://schemas.openxmlformats.org/drawingml/2006/main" xmlns:r="http://schemas.openxmlformats.org/officeDocument/2006/relationships" xmlns:p="http://schemas.openxmlformats.org/presentationml/2006/main">
+  <p:cSld>
+    <p:spTree>
+      <p:nvGrpSpPr>
+        <p:cNvPr id="1" name=""/>
+        <p:cNvGrpSpPr/>
+        <p:nvPr/>
+      </p:nvGrpSpPr>
+      <p:grpSpPr>
+        <a:xfrm>
+          <a:off x="0" y="0"/>
+          <a:ext cx="0" cy="0"/>
+          <a:chOff x="0" y="0"/>
+          <a:chExt cx="0" cy="0"/>
+        </a:xfrm>
+      </p:grpSpPr>
+      <p:sp>
+        <p:nvSpPr>
+          <p:cNvPr id="2" name="Title 1">
+            <a:extLst>
+              <a:ext uri="{FF2B5EF4-FFF2-40B4-BE49-F238E27FC236}">
+                <a16:creationId xmlns:a16="http://schemas.microsoft.com/office/drawing/2014/main" id="{4F5FFE88-7B14-4763-806D-A2BFC137C899}"/>
+              </a:ext>
+            </a:extLst>
+          </p:cNvPr>
+          <p:cNvSpPr>
+            <a:spLocks noGrp="1"/>
+          </p:cNvSpPr>
+          <p:nvPr>
+            <p:ph type="ctrTitle"/>
+          </p:nvPr>
+        </p:nvSpPr>
+        <p:spPr>
+          <a:xfrm>
+            <a:off x="1428750" y="252414"/>
+            <a:ext cx="9144000" cy="656850"/>
+          </a:xfrm>
+        </p:spPr>
+        <p:txBody>
+          <a:bodyPr>
+            <a:normAutofit fontScale="90000"/>
+          </a:bodyPr>
+          <a:lstStyle/>
+          <a:p>
+            <a:r>
+              <a:rPr lang="en-GB" dirty="0"/>
+              <a:t>Power BI Cognitive Services</a:t>
+            </a:r>
+          </a:p>
+        </p:txBody>
+      </p:sp>
+      <p:sp>
+        <p:nvSpPr>
+          <p:cNvPr id="3" name="Subtitle 2">
+            <a:extLst>
+              <a:ext uri="{FF2B5EF4-FFF2-40B4-BE49-F238E27FC236}">
+                <a16:creationId xmlns:a16="http://schemas.microsoft.com/office/drawing/2014/main" id="{EA597543-2A3A-4FD5-9DA6-D09EB6B64855}"/>
+              </a:ext>
+            </a:extLst>
+          </p:cNvPr>
+          <p:cNvSpPr>
+            <a:spLocks noGrp="1"/>
+          </p:cNvSpPr>
+          <p:nvPr>
+            <p:ph type="subTitle" idx="1"/>
+          </p:nvPr>
+        </p:nvSpPr>
+        <p:spPr>
+          <a:xfrm>
+            <a:off x="1524000" y="1063671"/>
+            <a:ext cx="9144000" cy="4435867"/>
+          </a:xfrm>
+        </p:spPr>
+        <p:txBody>
+          <a:bodyPr>
+            <a:normAutofit/>
+          </a:bodyPr>
+          <a:lstStyle/>
+          <a:p>
+            <a:pPr algn="l"/>
+            <a:endParaRPr lang="en-GB" dirty="0"/>
+          </a:p>
+          <a:p>
+            <a:pPr algn="l"/>
+            <a:endParaRPr lang="en-GB" dirty="0"/>
+          </a:p>
+          <a:p>
+            <a:pPr algn="l"/>
+            <a:endParaRPr lang="en-GB" dirty="0"/>
+          </a:p>
+        </p:txBody>
+      </p:sp>
+      <p:sp>
+        <p:nvSpPr>
+          <p:cNvPr id="4" name="Subtitle 2">
+            <a:extLst>
+              <a:ext uri="{FF2B5EF4-FFF2-40B4-BE49-F238E27FC236}">
+                <a16:creationId xmlns:a16="http://schemas.microsoft.com/office/drawing/2014/main" id="{BBEAD3C8-1314-49F9-AE73-5E410AA0BF11}"/>
+              </a:ext>
+            </a:extLst>
+          </p:cNvPr>
+          <p:cNvSpPr txBox="1">
+            <a:spLocks/>
+          </p:cNvSpPr>
+          <p:nvPr/>
+        </p:nvSpPr>
+        <p:spPr>
+          <a:xfrm>
+            <a:off x="1676400" y="1216071"/>
+            <a:ext cx="9144000" cy="5246374"/>
+          </a:xfrm>
+          <a:prstGeom prst="rect">
+            <a:avLst/>
+          </a:prstGeom>
+        </p:spPr>
+        <p:txBody>
+          <a:bodyPr vert="horz" lIns="91440" tIns="45720" rIns="91440" bIns="45720" rtlCol="0">
+            <a:normAutofit fontScale="92500" lnSpcReduction="10000"/>
+          </a:bodyPr>
+          <a:lstStyle>
+            <a:lvl1pPr marL="0" indent="0" algn="ctr" defTabSz="914400" rtl="0" eaLnBrk="1" latinLnBrk="0" hangingPunct="1">
+              <a:lnSpc>
+                <a:spcPct val="90000"/>
+              </a:lnSpc>
+              <a:spcBef>
+                <a:spcPts val="1000"/>
+              </a:spcBef>
+              <a:buFont typeface="Arial" panose="020B0604020202020204" pitchFamily="34" charset="0"/>
+              <a:buNone/>
+              <a:defRPr sz="2400" kern="1200">
+                <a:solidFill>
+                  <a:schemeClr val="tx1"/>
+                </a:solidFill>
+                <a:latin typeface="+mn-lt"/>
+                <a:ea typeface="+mn-ea"/>
+                <a:cs typeface="+mn-cs"/>
+              </a:defRPr>
+            </a:lvl1pPr>
+            <a:lvl2pPr marL="457200" indent="0" algn="ctr" defTabSz="914400" rtl="0" eaLnBrk="1" latinLnBrk="0" hangingPunct="1">
+              <a:lnSpc>
+                <a:spcPct val="90000"/>
+              </a:lnSpc>
+              <a:spcBef>
+                <a:spcPts val="500"/>
+              </a:spcBef>
+              <a:buFont typeface="Arial" panose="020B0604020202020204" pitchFamily="34" charset="0"/>
+              <a:buNone/>
+              <a:defRPr sz="2000" kern="1200">
+                <a:solidFill>
+                  <a:schemeClr val="tx1"/>
+                </a:solidFill>
+                <a:latin typeface="+mn-lt"/>
+                <a:ea typeface="+mn-ea"/>
+                <a:cs typeface="+mn-cs"/>
+              </a:defRPr>
+            </a:lvl2pPr>
+            <a:lvl3pPr marL="914400" indent="0" algn="ctr" defTabSz="914400" rtl="0" eaLnBrk="1" latinLnBrk="0" hangingPunct="1">
+              <a:lnSpc>
+                <a:spcPct val="90000"/>
+              </a:lnSpc>
+              <a:spcBef>
+                <a:spcPts val="500"/>
+              </a:spcBef>
+              <a:buFont typeface="Arial" panose="020B0604020202020204" pitchFamily="34" charset="0"/>
+              <a:buNone/>
+              <a:defRPr sz="1800" kern="1200">
+                <a:solidFill>
+                  <a:schemeClr val="tx1"/>
+                </a:solidFill>
+                <a:latin typeface="+mn-lt"/>
+                <a:ea typeface="+mn-ea"/>
+                <a:cs typeface="+mn-cs"/>
+              </a:defRPr>
+            </a:lvl3pPr>
+            <a:lvl4pPr marL="1371600" indent="0" algn="ctr" defTabSz="914400" rtl="0" eaLnBrk="1" latinLnBrk="0" hangingPunct="1">
+              <a:lnSpc>
+                <a:spcPct val="90000"/>
+              </a:lnSpc>
+              <a:spcBef>
+                <a:spcPts val="500"/>
+              </a:spcBef>
+              <a:buFont typeface="Arial" panose="020B0604020202020204" pitchFamily="34" charset="0"/>
+              <a:buNone/>
+              <a:defRPr sz="1600" kern="1200">
+                <a:solidFill>
+                  <a:schemeClr val="tx1"/>
+                </a:solidFill>
+                <a:latin typeface="+mn-lt"/>
+                <a:ea typeface="+mn-ea"/>
+                <a:cs typeface="+mn-cs"/>
+              </a:defRPr>
+            </a:lvl4pPr>
+            <a:lvl5pPr marL="1828800" indent="0" algn="ctr" defTabSz="914400" rtl="0" eaLnBrk="1" latinLnBrk="0" hangingPunct="1">
+              <a:lnSpc>
+                <a:spcPct val="90000"/>
+              </a:lnSpc>
+              <a:spcBef>
+                <a:spcPts val="500"/>
+              </a:spcBef>
+              <a:buFont typeface="Arial" panose="020B0604020202020204" pitchFamily="34" charset="0"/>
+              <a:buNone/>
+              <a:defRPr sz="1600" kern="1200">
+                <a:solidFill>
+                  <a:schemeClr val="tx1"/>
+                </a:solidFill>
+                <a:latin typeface="+mn-lt"/>
+                <a:ea typeface="+mn-ea"/>
+                <a:cs typeface="+mn-cs"/>
+              </a:defRPr>
+            </a:lvl5pPr>
+            <a:lvl6pPr marL="2286000" indent="0" algn="ctr" defTabSz="914400" rtl="0" eaLnBrk="1" latinLnBrk="0" hangingPunct="1">
+              <a:lnSpc>
+                <a:spcPct val="90000"/>
+              </a:lnSpc>
+              <a:spcBef>
+                <a:spcPts val="500"/>
+              </a:spcBef>
+              <a:buFont typeface="Arial" panose="020B0604020202020204" pitchFamily="34" charset="0"/>
+              <a:buNone/>
+              <a:defRPr sz="1600" kern="1200">
+                <a:solidFill>
+                  <a:schemeClr val="tx1"/>
+                </a:solidFill>
+                <a:latin typeface="+mn-lt"/>
+                <a:ea typeface="+mn-ea"/>
+                <a:cs typeface="+mn-cs"/>
+              </a:defRPr>
+            </a:lvl6pPr>
+            <a:lvl7pPr marL="2743200" indent="0" algn="ctr" defTabSz="914400" rtl="0" eaLnBrk="1" latinLnBrk="0" hangingPunct="1">
+              <a:lnSpc>
+                <a:spcPct val="90000"/>
+              </a:lnSpc>
+              <a:spcBef>
+                <a:spcPts val="500"/>
+              </a:spcBef>
+              <a:buFont typeface="Arial" panose="020B0604020202020204" pitchFamily="34" charset="0"/>
+              <a:buNone/>
+              <a:defRPr sz="1600" kern="1200">
+                <a:solidFill>
+                  <a:schemeClr val="tx1"/>
+                </a:solidFill>
+                <a:latin typeface="+mn-lt"/>
+                <a:ea typeface="+mn-ea"/>
+                <a:cs typeface="+mn-cs"/>
+              </a:defRPr>
+            </a:lvl7pPr>
+            <a:lvl8pPr marL="3200400" indent="0" algn="ctr" defTabSz="914400" rtl="0" eaLnBrk="1" latinLnBrk="0" hangingPunct="1">
+              <a:lnSpc>
+                <a:spcPct val="90000"/>
+              </a:lnSpc>
+              <a:spcBef>
+                <a:spcPts val="500"/>
+              </a:spcBef>
+              <a:buFont typeface="Arial" panose="020B0604020202020204" pitchFamily="34" charset="0"/>
+              <a:buNone/>
+              <a:defRPr sz="1600" kern="1200">
+                <a:solidFill>
+                  <a:schemeClr val="tx1"/>
+                </a:solidFill>
+                <a:latin typeface="+mn-lt"/>
+                <a:ea typeface="+mn-ea"/>
+                <a:cs typeface="+mn-cs"/>
+              </a:defRPr>
+            </a:lvl8pPr>
+            <a:lvl9pPr marL="3657600" indent="0" algn="ctr" defTabSz="914400" rtl="0" eaLnBrk="1" latinLnBrk="0" hangingPunct="1">
+              <a:lnSpc>
+                <a:spcPct val="90000"/>
+              </a:lnSpc>
+              <a:spcBef>
+                <a:spcPts val="500"/>
+              </a:spcBef>
+              <a:buFont typeface="Arial" panose="020B0604020202020204" pitchFamily="34" charset="0"/>
+              <a:buNone/>
+              <a:defRPr sz="1600" kern="1200">
+                <a:solidFill>
+                  <a:schemeClr val="tx1"/>
+                </a:solidFill>
+                <a:latin typeface="+mn-lt"/>
+                <a:ea typeface="+mn-ea"/>
+                <a:cs typeface="+mn-cs"/>
+              </a:defRPr>
+            </a:lvl9pPr>
+          </a:lstStyle>
+          <a:p>
+            <a:pPr algn="l"/>
+            <a:r>
+              <a:rPr lang="en-GB" dirty="0">
+                <a:hlinkClick r:id="rId3"/>
+              </a:rPr>
+              <a:t>https://azure.microsoft.com/en-us/services/cognitive-services/</a:t>
+            </a:r>
+            <a:endParaRPr lang="en-GB" dirty="0"/>
+          </a:p>
+          <a:p>
+            <a:pPr algn="l"/>
+            <a:endParaRPr lang="en-GB" dirty="0"/>
+          </a:p>
+          <a:p>
+            <a:pPr algn="l"/>
+            <a:r>
+              <a:rPr lang="en-GB" dirty="0"/>
+              <a:t>As seen on </a:t>
+            </a:r>
+            <a:r>
+              <a:rPr lang="en-GB" dirty="0" err="1"/>
+              <a:t>Youtube</a:t>
+            </a:r>
+            <a:r>
+              <a:rPr lang="en-GB" dirty="0"/>
+              <a:t> video with Richard Tkachuk</a:t>
+            </a:r>
+          </a:p>
+          <a:p>
+            <a:pPr algn="l"/>
+            <a:r>
+              <a:rPr lang="en-GB" dirty="0">
+                <a:hlinkClick r:id="rId4"/>
+              </a:rPr>
+              <a:t>https://www.youtube.com/watch?v=yrZ-nsOhSdA&amp;t=2897s</a:t>
+            </a:r>
+            <a:endParaRPr lang="en-GB" dirty="0"/>
+          </a:p>
+          <a:p>
+            <a:pPr algn="l"/>
+            <a:r>
+              <a:rPr lang="en-GB" dirty="0"/>
+              <a:t>Time 1:08:39</a:t>
+            </a:r>
+          </a:p>
+          <a:p>
+            <a:pPr algn="l"/>
+            <a:r>
+              <a:rPr lang="en-GB" dirty="0"/>
+              <a:t>Create dataflow and from entities click brain and then configure the automated ML feature setting label, features and then model and see the report of % accuracy.</a:t>
+            </a:r>
+          </a:p>
+          <a:p>
+            <a:pPr algn="l"/>
+            <a:endParaRPr lang="en-GB" dirty="0"/>
+          </a:p>
+          <a:p>
+            <a:pPr algn="l"/>
+            <a:r>
+              <a:rPr lang="en-GB" dirty="0"/>
+              <a:t>AI: Also with Will </a:t>
+            </a:r>
+            <a:r>
+              <a:rPr lang="en-GB" dirty="0" err="1"/>
+              <a:t>THompson</a:t>
+            </a:r>
+            <a:endParaRPr lang="en-GB" dirty="0"/>
+          </a:p>
+          <a:p>
+            <a:pPr algn="l"/>
+            <a:r>
+              <a:rPr lang="en-GB" dirty="0">
+                <a:hlinkClick r:id="rId5"/>
+              </a:rPr>
+              <a:t>https://www.youtube.com/watch?v=uo_gaeN9zP0&amp;t=38s</a:t>
+            </a:r>
+            <a:endParaRPr lang="en-GB" dirty="0"/>
+          </a:p>
+          <a:p>
+            <a:pPr algn="l"/>
+            <a:endParaRPr lang="en-GB" dirty="0"/>
+          </a:p>
+          <a:p>
+            <a:pPr algn="l"/>
+            <a:r>
+              <a:rPr lang="en-GB" dirty="0"/>
+              <a:t>With Justyna (3 billion rows taxi ride &amp; air condition picture sentiment).</a:t>
+            </a:r>
+          </a:p>
+          <a:p>
+            <a:pPr algn="l"/>
+            <a:r>
+              <a:rPr lang="en-GB" dirty="0"/>
+              <a:t>https://www.youtube.com/watch?v=G3Vxys_jsqY</a:t>
+            </a:r>
+          </a:p>
+          <a:p>
+            <a:pPr algn="l"/>
+            <a:endParaRPr lang="en-GB" dirty="0"/>
+          </a:p>
+          <a:p>
+            <a:pPr algn="l"/>
+            <a:endParaRPr lang="en-GB" dirty="0"/>
+          </a:p>
+          <a:p>
+            <a:pPr algn="l"/>
+            <a:endParaRPr lang="en-GB" dirty="0"/>
+          </a:p>
+          <a:p>
+            <a:pPr algn="l"/>
+            <a:endParaRPr lang="en-GB" dirty="0"/>
+          </a:p>
+          <a:p>
+            <a:pPr algn="l"/>
+            <a:endParaRPr lang="en-GB" dirty="0"/>
+          </a:p>
+          <a:p>
+            <a:pPr algn="l"/>
+            <a:endParaRPr lang="en-GB" dirty="0"/>
+          </a:p>
+          <a:p>
+            <a:pPr algn="l"/>
+            <a:endParaRPr lang="en-GB" dirty="0"/>
+          </a:p>
+        </p:txBody>
+      </p:sp>
+    </p:spTree>
+    <p:extLst>
+      <p:ext uri="{BB962C8B-B14F-4D97-AF65-F5344CB8AC3E}">
+        <p14:creationId xmlns:p14="http://schemas.microsoft.com/office/powerpoint/2010/main" val="2455264728"/>
+      </p:ext>
+    </p:extLst>
+  </p:cSld>
+  <p:clrMapOvr>
+    <a:masterClrMapping/>
+  </p:clrMapOvr>
+</p:sld>
+</file>
+
+<file path=ppt/slides/slide54.xml><?xml version="1.0" encoding="utf-8"?>
+<p:sld xmlns:a="http://schemas.openxmlformats.org/drawingml/2006/main" xmlns:r="http://schemas.openxmlformats.org/officeDocument/2006/relationships" xmlns:p="http://schemas.openxmlformats.org/presentationml/2006/main">
+  <p:cSld>
+    <p:spTree>
+      <p:nvGrpSpPr>
+        <p:cNvPr id="1" name=""/>
+        <p:cNvGrpSpPr/>
+        <p:nvPr/>
+      </p:nvGrpSpPr>
+      <p:grpSpPr>
+        <a:xfrm>
+          <a:off x="0" y="0"/>
+          <a:ext cx="0" cy="0"/>
+          <a:chOff x="0" y="0"/>
+          <a:chExt cx="0" cy="0"/>
+        </a:xfrm>
+      </p:grpSpPr>
+      <p:sp>
+        <p:nvSpPr>
+          <p:cNvPr id="2" name="Title 1">
+            <a:extLst>
+              <a:ext uri="{FF2B5EF4-FFF2-40B4-BE49-F238E27FC236}">
+                <a16:creationId xmlns:a16="http://schemas.microsoft.com/office/drawing/2014/main" id="{4F5FFE88-7B14-4763-806D-A2BFC137C899}"/>
+              </a:ext>
+            </a:extLst>
+          </p:cNvPr>
+          <p:cNvSpPr>
+            <a:spLocks noGrp="1"/>
+          </p:cNvSpPr>
+          <p:nvPr>
+            <p:ph type="ctrTitle"/>
+          </p:nvPr>
+        </p:nvSpPr>
+        <p:spPr>
+          <a:xfrm>
+            <a:off x="1428750" y="252414"/>
+            <a:ext cx="9144000" cy="656850"/>
+          </a:xfrm>
+        </p:spPr>
+        <p:txBody>
+          <a:bodyPr>
+            <a:normAutofit fontScale="90000"/>
+          </a:bodyPr>
+          <a:lstStyle/>
+          <a:p>
+            <a:r>
+              <a:rPr lang="en-GB" dirty="0"/>
+              <a:t>Spare slides if time</a:t>
+            </a:r>
+          </a:p>
+        </p:txBody>
+      </p:sp>
+      <p:sp>
+        <p:nvSpPr>
+          <p:cNvPr id="3" name="Subtitle 2">
+            <a:extLst>
+              <a:ext uri="{FF2B5EF4-FFF2-40B4-BE49-F238E27FC236}">
+                <a16:creationId xmlns:a16="http://schemas.microsoft.com/office/drawing/2014/main" id="{EA597543-2A3A-4FD5-9DA6-D09EB6B64855}"/>
+              </a:ext>
+            </a:extLst>
+          </p:cNvPr>
+          <p:cNvSpPr>
+            <a:spLocks noGrp="1"/>
+          </p:cNvSpPr>
+          <p:nvPr>
+            <p:ph type="subTitle" idx="1"/>
+          </p:nvPr>
+        </p:nvSpPr>
+        <p:spPr>
+          <a:xfrm>
+            <a:off x="1524000" y="1063671"/>
+            <a:ext cx="9144000" cy="4435867"/>
+          </a:xfrm>
+        </p:spPr>
+        <p:txBody>
+          <a:bodyPr>
+            <a:normAutofit/>
+          </a:bodyPr>
+          <a:lstStyle/>
+          <a:p>
+            <a:pPr algn="l"/>
+            <a:r>
+              <a:rPr lang="en-GB" dirty="0"/>
+              <a:t>PBI Report Server slides and hands on demo. Fire up VM. £££</a:t>
+            </a:r>
+          </a:p>
+          <a:p>
+            <a:pPr algn="l"/>
+            <a:endParaRPr lang="en-GB" dirty="0"/>
+          </a:p>
+          <a:p>
+            <a:pPr algn="l"/>
+            <a:endParaRPr lang="en-GB" dirty="0"/>
+          </a:p>
+        </p:txBody>
+      </p:sp>
+    </p:spTree>
+    <p:extLst>
+      <p:ext uri="{BB962C8B-B14F-4D97-AF65-F5344CB8AC3E}">
+        <p14:creationId xmlns:p14="http://schemas.microsoft.com/office/powerpoint/2010/main" val="310777889"/>
+      </p:ext>
+    </p:extLst>
+  </p:cSld>
+  <p:clrMapOvr>
+    <a:masterClrMapping/>
+  </p:clrMapOvr>
+</p:sld>
+</file>
+
+<file path=ppt/slides/slide55.xml><?xml version="1.0" encoding="utf-8"?>
+<p:sld xmlns:a="http://schemas.openxmlformats.org/drawingml/2006/main" xmlns:r="http://schemas.openxmlformats.org/officeDocument/2006/relationships" xmlns:p="http://schemas.openxmlformats.org/presentationml/2006/main">
+  <p:cSld>
+    <p:spTree>
+      <p:nvGrpSpPr>
+        <p:cNvPr id="1" name=""/>
+        <p:cNvGrpSpPr/>
+        <p:nvPr/>
+      </p:nvGrpSpPr>
+      <p:grpSpPr>
+        <a:xfrm>
+          <a:off x="0" y="0"/>
+          <a:ext cx="0" cy="0"/>
+          <a:chOff x="0" y="0"/>
+          <a:chExt cx="0" cy="0"/>
+        </a:xfrm>
+      </p:grpSpPr>
+      <p:sp>
+        <p:nvSpPr>
+          <p:cNvPr id="2" name="Title 1">
+            <a:extLst>
+              <a:ext uri="{FF2B5EF4-FFF2-40B4-BE49-F238E27FC236}">
+                <a16:creationId xmlns:a16="http://schemas.microsoft.com/office/drawing/2014/main" id="{4F5FFE88-7B14-4763-806D-A2BFC137C899}"/>
+              </a:ext>
+            </a:extLst>
+          </p:cNvPr>
+          <p:cNvSpPr>
+            <a:spLocks noGrp="1"/>
+          </p:cNvSpPr>
+          <p:nvPr>
+            <p:ph type="ctrTitle"/>
+          </p:nvPr>
+        </p:nvSpPr>
+        <p:spPr>
+          <a:xfrm>
+            <a:off x="1428750" y="252414"/>
+            <a:ext cx="9144000" cy="656850"/>
+          </a:xfrm>
+        </p:spPr>
+        <p:txBody>
+          <a:bodyPr>
+            <a:normAutofit fontScale="90000"/>
+          </a:bodyPr>
+          <a:lstStyle/>
+          <a:p>
+            <a:r>
+              <a:rPr lang="en-GB" dirty="0"/>
+              <a:t>Power BI Report Server</a:t>
+            </a:r>
+          </a:p>
+        </p:txBody>
+      </p:sp>
+      <p:sp>
+        <p:nvSpPr>
+          <p:cNvPr id="3" name="Subtitle 2">
+            <a:extLst>
+              <a:ext uri="{FF2B5EF4-FFF2-40B4-BE49-F238E27FC236}">
+                <a16:creationId xmlns:a16="http://schemas.microsoft.com/office/drawing/2014/main" id="{EA597543-2A3A-4FD5-9DA6-D09EB6B64855}"/>
+              </a:ext>
+            </a:extLst>
+          </p:cNvPr>
+          <p:cNvSpPr>
+            <a:spLocks noGrp="1"/>
+          </p:cNvSpPr>
+          <p:nvPr>
+            <p:ph type="subTitle" idx="1"/>
+          </p:nvPr>
+        </p:nvSpPr>
+        <p:spPr>
+          <a:xfrm>
+            <a:off x="1524000" y="1063671"/>
+            <a:ext cx="9144000" cy="4435867"/>
+          </a:xfrm>
+        </p:spPr>
+        <p:txBody>
+          <a:bodyPr>
+            <a:normAutofit/>
+          </a:bodyPr>
+          <a:lstStyle/>
+          <a:p>
+            <a:pPr algn="l"/>
+            <a:r>
+              <a:rPr lang="en-GB" dirty="0"/>
+              <a:t>SSRS</a:t>
+            </a:r>
+          </a:p>
+          <a:p>
+            <a:pPr algn="l"/>
+            <a:r>
+              <a:rPr lang="en-GB" dirty="0"/>
+              <a:t>See slides 5.2 for enterprise </a:t>
+            </a:r>
+            <a:r>
+              <a:rPr lang="en-GB" dirty="0" err="1"/>
+              <a:t>PowerBI</a:t>
+            </a:r>
+            <a:r>
+              <a:rPr lang="en-GB" dirty="0"/>
+              <a:t> Report Server</a:t>
+            </a:r>
+          </a:p>
+          <a:p>
+            <a:pPr algn="l"/>
+            <a:endParaRPr lang="en-GB" dirty="0"/>
+          </a:p>
+          <a:p>
+            <a:pPr marL="342900" indent="-342900" algn="l">
+              <a:buFont typeface="Arial" panose="020B0604020202020204" pitchFamily="34" charset="0"/>
+              <a:buChar char="•"/>
+            </a:pPr>
+            <a:r>
+              <a:rPr lang="en-GB" dirty="0"/>
+              <a:t>All users on AAD added to have access. (missing a few)</a:t>
+            </a:r>
+          </a:p>
+          <a:p>
+            <a:pPr marL="342900" indent="-342900" algn="l">
+              <a:buFont typeface="Arial" panose="020B0604020202020204" pitchFamily="34" charset="0"/>
+              <a:buChar char="•"/>
+            </a:pPr>
+            <a:r>
+              <a:rPr lang="en-GB" dirty="0"/>
+              <a:t>Share RDP connector as added AAD group ‘</a:t>
+            </a:r>
+            <a:r>
+              <a:rPr lang="en-GB" dirty="0" err="1"/>
+              <a:t>PBIIntDev</a:t>
+            </a:r>
+            <a:r>
+              <a:rPr lang="en-GB" dirty="0"/>
+              <a:t>’ with all students to the PBIRS instance see IAM.</a:t>
+            </a:r>
+          </a:p>
+          <a:p>
+            <a:pPr algn="l"/>
+            <a:endParaRPr lang="en-GB" dirty="0"/>
+          </a:p>
+          <a:p>
+            <a:pPr algn="l"/>
+            <a:endParaRPr lang="en-GB" dirty="0"/>
+          </a:p>
+          <a:p>
+            <a:pPr algn="l"/>
+            <a:endParaRPr lang="en-GB" dirty="0"/>
+          </a:p>
+        </p:txBody>
+      </p:sp>
+    </p:spTree>
+    <p:extLst>
+      <p:ext uri="{BB962C8B-B14F-4D97-AF65-F5344CB8AC3E}">
+        <p14:creationId xmlns:p14="http://schemas.microsoft.com/office/powerpoint/2010/main" val="1171784907"/>
       </p:ext>
     </p:extLst>
   </p:cSld>
